--- a/loengud/loeng2.pptx
+++ b/loengud/loeng2.pptx
@@ -5,7 +5,7 @@
     <p:sldMasterId id="2147483648" r:id="rId1"/>
   </p:sldMasterIdLst>
   <p:notesMasterIdLst>
-    <p:notesMasterId r:id="rId29"/>
+    <p:notesMasterId r:id="rId28"/>
   </p:notesMasterIdLst>
   <p:sldIdLst>
     <p:sldId id="256" r:id="rId2"/>
@@ -24,17 +24,16 @@
     <p:sldId id="327" r:id="rId15"/>
     <p:sldId id="318" r:id="rId16"/>
     <p:sldId id="328" r:id="rId17"/>
-    <p:sldId id="329" r:id="rId18"/>
-    <p:sldId id="320" r:id="rId19"/>
-    <p:sldId id="321" r:id="rId20"/>
-    <p:sldId id="322" r:id="rId21"/>
-    <p:sldId id="307" r:id="rId22"/>
-    <p:sldId id="308" r:id="rId23"/>
-    <p:sldId id="312" r:id="rId24"/>
-    <p:sldId id="314" r:id="rId25"/>
-    <p:sldId id="315" r:id="rId26"/>
-    <p:sldId id="316" r:id="rId27"/>
-    <p:sldId id="323" r:id="rId28"/>
+    <p:sldId id="320" r:id="rId18"/>
+    <p:sldId id="321" r:id="rId19"/>
+    <p:sldId id="322" r:id="rId20"/>
+    <p:sldId id="307" r:id="rId21"/>
+    <p:sldId id="308" r:id="rId22"/>
+    <p:sldId id="312" r:id="rId23"/>
+    <p:sldId id="314" r:id="rId24"/>
+    <p:sldId id="315" r:id="rId25"/>
+    <p:sldId id="316" r:id="rId26"/>
+    <p:sldId id="323" r:id="rId27"/>
   </p:sldIdLst>
   <p:sldSz cx="9144000" cy="6858000" type="screen4x3"/>
   <p:notesSz cx="6858000" cy="9144000"/>
@@ -218,6 +217,7 @@
           <a:p>
             <a:fld id="{EDB92AB0-8E94-4E2F-A927-94BB43C30B9E}" type="datetimeFigureOut">
               <a:rPr lang="et-EE" smtClean="0"/>
+              <a:pPr/>
               <a:t>10.09.2024</a:t>
             </a:fld>
             <a:endParaRPr lang="et-EE"/>
@@ -379,6 +379,7 @@
           <a:p>
             <a:fld id="{C741D296-4B14-41C3-9064-006FB0BB2BCF}" type="slidenum">
               <a:rPr lang="et-EE" smtClean="0"/>
+              <a:pPr/>
               <a:t>‹#›</a:t>
             </a:fld>
             <a:endParaRPr lang="et-EE"/>
@@ -538,7 +539,7 @@
         <p:nvSpPr>
           <p:cNvPr id="44033" name="Rectangle 1"/>
           <p:cNvSpPr txBox="1">
-            <a:spLocks noChangeArrowheads="1"/>
+            <a:spLocks noGrp="1" noRot="1" noChangeAspect="1" noChangeArrowheads="1"/>
           </p:cNvSpPr>
           <p:nvPr>
             <p:ph type="sldImg"/>
@@ -569,7 +570,7 @@
         <p:nvSpPr>
           <p:cNvPr id="44034" name="Rectangle 2"/>
           <p:cNvSpPr txBox="1">
-            <a:spLocks noChangeArrowheads="1"/>
+            <a:spLocks noGrp="1" noChangeArrowheads="1"/>
           </p:cNvSpPr>
           <p:nvPr>
             <p:ph type="body" idx="1"/>
@@ -661,7 +662,7 @@
         <p:nvSpPr>
           <p:cNvPr id="47105" name="Rectangle 1"/>
           <p:cNvSpPr txBox="1">
-            <a:spLocks noChangeArrowheads="1"/>
+            <a:spLocks noGrp="1" noRot="1" noChangeAspect="1" noChangeArrowheads="1"/>
           </p:cNvSpPr>
           <p:nvPr>
             <p:ph type="sldImg"/>
@@ -692,7 +693,7 @@
         <p:nvSpPr>
           <p:cNvPr id="47106" name="Rectangle 2"/>
           <p:cNvSpPr txBox="1">
-            <a:spLocks noChangeArrowheads="1"/>
+            <a:spLocks noGrp="1" noChangeArrowheads="1"/>
           </p:cNvSpPr>
           <p:nvPr>
             <p:ph type="body" idx="1"/>
@@ -784,7 +785,7 @@
         <p:nvSpPr>
           <p:cNvPr id="48129" name="Rectangle 1"/>
           <p:cNvSpPr txBox="1">
-            <a:spLocks noChangeArrowheads="1"/>
+            <a:spLocks noGrp="1" noRot="1" noChangeAspect="1" noChangeArrowheads="1"/>
           </p:cNvSpPr>
           <p:nvPr>
             <p:ph type="sldImg"/>
@@ -815,7 +816,7 @@
         <p:nvSpPr>
           <p:cNvPr id="48130" name="Rectangle 2"/>
           <p:cNvSpPr txBox="1">
-            <a:spLocks noChangeArrowheads="1"/>
+            <a:spLocks noGrp="1" noChangeArrowheads="1"/>
           </p:cNvSpPr>
           <p:nvPr>
             <p:ph type="body" idx="1"/>
@@ -907,7 +908,7 @@
         <p:nvSpPr>
           <p:cNvPr id="49153" name="Rectangle 1"/>
           <p:cNvSpPr txBox="1">
-            <a:spLocks noChangeArrowheads="1"/>
+            <a:spLocks noGrp="1" noRot="1" noChangeAspect="1" noChangeArrowheads="1"/>
           </p:cNvSpPr>
           <p:nvPr>
             <p:ph type="sldImg"/>
@@ -938,7 +939,7 @@
         <p:nvSpPr>
           <p:cNvPr id="49154" name="Rectangle 2"/>
           <p:cNvSpPr txBox="1">
-            <a:spLocks noChangeArrowheads="1"/>
+            <a:spLocks noGrp="1" noChangeArrowheads="1"/>
           </p:cNvSpPr>
           <p:nvPr>
             <p:ph type="body" idx="1"/>
@@ -1030,7 +1031,7 @@
         <p:nvSpPr>
           <p:cNvPr id="50177" name="Rectangle 1"/>
           <p:cNvSpPr txBox="1">
-            <a:spLocks noChangeArrowheads="1"/>
+            <a:spLocks noGrp="1" noRot="1" noChangeAspect="1" noChangeArrowheads="1"/>
           </p:cNvSpPr>
           <p:nvPr>
             <p:ph type="sldImg"/>
@@ -1061,7 +1062,7 @@
         <p:nvSpPr>
           <p:cNvPr id="50178" name="Rectangle 2"/>
           <p:cNvSpPr txBox="1">
-            <a:spLocks noChangeArrowheads="1"/>
+            <a:spLocks noGrp="1" noChangeArrowheads="1"/>
           </p:cNvSpPr>
           <p:nvPr>
             <p:ph type="body" idx="1"/>
@@ -1153,7 +1154,7 @@
         <p:nvSpPr>
           <p:cNvPr id="51201" name="Rectangle 1"/>
           <p:cNvSpPr txBox="1">
-            <a:spLocks noChangeArrowheads="1"/>
+            <a:spLocks noGrp="1" noRot="1" noChangeAspect="1" noChangeArrowheads="1"/>
           </p:cNvSpPr>
           <p:nvPr>
             <p:ph type="sldImg"/>
@@ -1184,130 +1185,7 @@
         <p:nvSpPr>
           <p:cNvPr id="51202" name="Rectangle 2"/>
           <p:cNvSpPr txBox="1">
-            <a:spLocks noChangeArrowheads="1"/>
-          </p:cNvSpPr>
-          <p:nvPr>
-            <p:ph type="body" idx="1"/>
-          </p:nvPr>
-        </p:nvSpPr>
-        <p:spPr bwMode="auto">
-          <a:xfrm>
-            <a:off x="914400" y="4343400"/>
-            <a:ext cx="5029200" cy="4114800"/>
-          </a:xfrm>
-          <a:prstGeom prst="rect">
-            <a:avLst/>
-          </a:prstGeom>
-          <a:noFill/>
-          <a:ln cap="flat">
-            <a:round/>
-            <a:headEnd/>
-            <a:tailEnd/>
-          </a:ln>
-        </p:spPr>
-        <p:txBody>
-          <a:bodyPr wrap="none" anchor="ctr"/>
-          <a:lstStyle/>
-          <a:p>
-            <a:endParaRPr lang="et-EE"/>
-          </a:p>
-        </p:txBody>
-      </p:sp>
-    </p:spTree>
-  </p:cSld>
-  <p:clrMapOvr>
-    <a:masterClrMapping/>
-  </p:clrMapOvr>
-</p:notes>
-</file>
-
-<file path=ppt/notesSlides/notesSlide7.xml><?xml version="1.0" encoding="utf-8"?>
-<p:notes xmlns:a="http://schemas.openxmlformats.org/drawingml/2006/main" xmlns:r="http://schemas.openxmlformats.org/officeDocument/2006/relationships" xmlns:p="http://schemas.openxmlformats.org/presentationml/2006/main">
-  <p:cSld>
-    <p:bg>
-      <p:bgPr>
-        <a:solidFill>
-          <a:srgbClr val="FFFFFF"/>
-        </a:solidFill>
-        <a:effectLst/>
-      </p:bgPr>
-    </p:bg>
-    <p:spTree>
-      <p:nvGrpSpPr>
-        <p:cNvPr id="1" name=""/>
-        <p:cNvGrpSpPr/>
-        <p:nvPr/>
-      </p:nvGrpSpPr>
-      <p:grpSpPr>
-        <a:xfrm>
-          <a:off x="0" y="0"/>
-          <a:ext cx="0" cy="0"/>
-          <a:chOff x="0" y="0"/>
-          <a:chExt cx="0" cy="0"/>
-        </a:xfrm>
-      </p:grpSpPr>
-      <p:sp>
-        <p:nvSpPr>
-          <p:cNvPr id="7" name="Rectangle 7"/>
-          <p:cNvSpPr>
             <a:spLocks noGrp="1" noChangeArrowheads="1"/>
-          </p:cNvSpPr>
-          <p:nvPr>
-            <p:ph type="sldNum"/>
-          </p:nvPr>
-        </p:nvSpPr>
-        <p:spPr>
-          <a:ln/>
-        </p:spPr>
-        <p:txBody>
-          <a:bodyPr/>
-          <a:lstStyle/>
-          <a:p>
-            <a:fld id="{A2416D30-A258-4349-A01E-3950BB335B60}" type="slidenum">
-              <a:rPr lang="en-GB"/>
-              <a:pPr/>
-              <a:t>17</a:t>
-            </a:fld>
-            <a:endParaRPr lang="en-GB"/>
-          </a:p>
-        </p:txBody>
-      </p:sp>
-      <p:sp>
-        <p:nvSpPr>
-          <p:cNvPr id="52225" name="Rectangle 1"/>
-          <p:cNvSpPr txBox="1">
-            <a:spLocks noChangeArrowheads="1"/>
-          </p:cNvSpPr>
-          <p:nvPr>
-            <p:ph type="sldImg"/>
-          </p:nvPr>
-        </p:nvSpPr>
-        <p:spPr bwMode="auto">
-          <a:xfrm>
-            <a:off x="1143000" y="685800"/>
-            <a:ext cx="4572000" cy="3429000"/>
-          </a:xfrm>
-          <a:prstGeom prst="rect">
-            <a:avLst/>
-          </a:prstGeom>
-          <a:solidFill>
-            <a:srgbClr val="FFFFFF"/>
-          </a:solidFill>
-          <a:ln>
-            <a:solidFill>
-              <a:srgbClr val="000000"/>
-            </a:solidFill>
-            <a:miter lim="800000"/>
-            <a:headEnd/>
-            <a:tailEnd/>
-          </a:ln>
-        </p:spPr>
-      </p:sp>
-      <p:sp>
-        <p:nvSpPr>
-          <p:cNvPr id="52226" name="Rectangle 2"/>
-          <p:cNvSpPr txBox="1">
-            <a:spLocks noChangeArrowheads="1"/>
           </p:cNvSpPr>
           <p:nvPr>
             <p:ph type="body" idx="1"/>
@@ -4419,7 +4297,15 @@
             </a:r>
             <a:r>
               <a:rPr lang="et-EE" sz="3600" dirty="0" smtClean="0"/>
-              <a:t> koht keelte hierarhias</a:t>
+              <a:t> koht </a:t>
+            </a:r>
+            <a:r>
+              <a:rPr lang="et-EE" sz="3600" dirty="0" smtClean="0"/>
+              <a:t>keelegrammatikate </a:t>
+            </a:r>
+            <a:r>
+              <a:rPr lang="et-EE" sz="3600" dirty="0" smtClean="0"/>
+              <a:t>hierarhias</a:t>
             </a:r>
             <a:endParaRPr lang="en-GB" sz="3600" dirty="0"/>
           </a:p>
@@ -5074,7 +4960,7 @@
   <p:timing>
     <p:tnLst>
       <p:par>
-        <p:cTn id="1" dur="indefinite" nodeType="tmRoot">
+        <p:cTn id="1" dur="indefinite" restart="never" nodeType="tmRoot">
           <p:childTnLst>
             <p:seq concurrent="1" nextAc="seek">
               <p:cTn id="2" dur="0" nodeType="mainSeq"/>
@@ -5322,7 +5208,7 @@
   <p:timing>
     <p:tnLst>
       <p:par>
-        <p:cTn id="1" dur="indefinite" nodeType="tmRoot">
+        <p:cTn id="1" dur="indefinite" restart="never" nodeType="tmRoot">
           <p:childTnLst>
             <p:seq concurrent="1" nextAc="seek">
               <p:cTn id="2" dur="0" nodeType="mainSeq"/>
@@ -5631,7 +5517,7 @@
   <p:timing>
     <p:tnLst>
       <p:par>
-        <p:cTn id="1" dur="indefinite" nodeType="tmRoot">
+        <p:cTn id="1" dur="indefinite" restart="never" nodeType="tmRoot">
           <p:childTnLst>
             <p:seq concurrent="1" nextAc="seek">
               <p:cTn id="2" dur="0" nodeType="mainSeq"/>
@@ -5791,7 +5677,7 @@
   <p:timing>
     <p:tnLst>
       <p:par>
-        <p:cTn id="1" dur="indefinite" nodeType="tmRoot">
+        <p:cTn id="1" dur="indefinite" restart="never" nodeType="tmRoot">
           <p:childTnLst>
             <p:seq concurrent="1" nextAc="seek">
               <p:cTn id="2" dur="0" nodeType="mainSeq"/>
@@ -6842,7 +6728,7 @@
   <p:timing>
     <p:tnLst>
       <p:par>
-        <p:cTn id="1" dur="indefinite" nodeType="tmRoot">
+        <p:cTn id="1" dur="indefinite" restart="never" nodeType="tmRoot">
           <p:childTnLst>
             <p:seq concurrent="1" nextAc="seek">
               <p:cTn id="2" dur="0" nodeType="mainSeq"/>
@@ -7594,56 +7480,6 @@
       </p:grpSpPr>
       <p:sp>
         <p:nvSpPr>
-          <p:cNvPr id="18433" name="Rectangle 1"/>
-          <p:cNvSpPr>
-            <a:spLocks noGrp="1" noChangeArrowheads="1"/>
-          </p:cNvSpPr>
-          <p:nvPr>
-            <p:ph type="title" idx="4294967295"/>
-          </p:nvPr>
-        </p:nvSpPr>
-        <p:spPr>
-          <a:xfrm>
-            <a:off x="685800" y="609600"/>
-            <a:ext cx="7772400" cy="1143000"/>
-          </a:xfrm>
-          <a:ln/>
-        </p:spPr>
-        <p:txBody>
-          <a:bodyPr>
-            <a:normAutofit fontScale="90000"/>
-          </a:bodyPr>
-          <a:lstStyle/>
-          <a:p>
-            <a:pPr>
-              <a:buClrTx/>
-              <a:buFontTx/>
-              <a:buNone/>
-              <a:tabLst>
-                <a:tab pos="0" algn="l"/>
-                <a:tab pos="914400" algn="l"/>
-                <a:tab pos="1828800" algn="l"/>
-                <a:tab pos="2743200" algn="l"/>
-                <a:tab pos="3657600" algn="l"/>
-                <a:tab pos="4572000" algn="l"/>
-                <a:tab pos="5486400" algn="l"/>
-                <a:tab pos="6400800" algn="l"/>
-                <a:tab pos="7315200" algn="l"/>
-                <a:tab pos="8229600" algn="l"/>
-                <a:tab pos="9144000" algn="l"/>
-                <a:tab pos="10058400" algn="l"/>
-              </a:tabLst>
-            </a:pPr>
-            <a:r>
-              <a:rPr lang="et-EE" sz="3600" dirty="0" smtClean="0"/>
-              <a:t>Lõplik automaat ei tea, kuidas ta praegusesse olekusse sattus</a:t>
-            </a:r>
-            <a:endParaRPr lang="et-EE" sz="3600" dirty="0"/>
-          </a:p>
-        </p:txBody>
-      </p:sp>
-      <p:sp>
-        <p:nvSpPr>
           <p:cNvPr id="18434" name="Rectangle 2"/>
           <p:cNvSpPr>
             <a:spLocks noGrp="1" noChangeArrowheads="1"/>
@@ -7654,13 +7490,15 @@
         </p:nvSpPr>
         <p:spPr>
           <a:xfrm>
-            <a:off x="685800" y="1981200"/>
-            <a:ext cx="7772400" cy="4114800"/>
+            <a:off x="685800" y="620688"/>
+            <a:ext cx="7772400" cy="5475312"/>
           </a:xfrm>
           <a:ln/>
         </p:spPr>
         <p:txBody>
-          <a:bodyPr/>
+          <a:bodyPr>
+            <a:normAutofit/>
+          </a:bodyPr>
           <a:lstStyle/>
           <a:p>
             <a:pPr marL="341313" indent="-341313" algn="l">
@@ -7879,6 +7717,34 @@
               <a:rPr lang="en-GB" i="1" dirty="0" smtClean="0"/>
               <a:t>.</a:t>
             </a:r>
+            <a:endParaRPr lang="et-EE" i="1" dirty="0" smtClean="0"/>
+          </a:p>
+          <a:p>
+            <a:pPr marL="341313" indent="-339725">
+              <a:buNone/>
+              <a:tabLst>
+                <a:tab pos="341313" algn="l"/>
+                <a:tab pos="911225" algn="l"/>
+                <a:tab pos="1825625" algn="l"/>
+                <a:tab pos="2740025" algn="l"/>
+                <a:tab pos="3654425" algn="l"/>
+                <a:tab pos="4568825" algn="l"/>
+                <a:tab pos="5483225" algn="l"/>
+                <a:tab pos="6397625" algn="l"/>
+                <a:tab pos="7312025" algn="l"/>
+                <a:tab pos="8226425" algn="l"/>
+                <a:tab pos="9140825" algn="l"/>
+                <a:tab pos="10055225" algn="l"/>
+              </a:tabLst>
+            </a:pPr>
+            <a:r>
+              <a:rPr lang="et-EE" dirty="0" smtClean="0"/>
+              <a:t>Lõplik automaat ei tea, kuidas ta praegusesse olekusse </a:t>
+            </a:r>
+            <a:r>
+              <a:rPr lang="et-EE" dirty="0" smtClean="0"/>
+              <a:t>sattus..</a:t>
+            </a:r>
             <a:endParaRPr lang="en-GB" i="1" dirty="0"/>
           </a:p>
         </p:txBody>
@@ -7894,7 +7760,7 @@
   <p:timing>
     <p:tnLst>
       <p:par>
-        <p:cTn id="1" dur="indefinite" nodeType="tmRoot">
+        <p:cTn id="1" dur="indefinite" restart="never" nodeType="tmRoot">
           <p:childTnLst>
             <p:seq concurrent="1" nextAc="seek">
               <p:cTn id="2" dur="0" nodeType="mainSeq"/>
@@ -7940,403 +7806,137 @@
       </p:grpSpPr>
       <p:sp>
         <p:nvSpPr>
-          <p:cNvPr id="19457" name="Rectangle 1"/>
+          <p:cNvPr id="8194" name="Title 1"/>
           <p:cNvSpPr>
-            <a:spLocks noGrp="1" noChangeArrowheads="1"/>
+            <a:spLocks noGrp="1"/>
           </p:cNvSpPr>
           <p:nvPr>
-            <p:ph type="title" idx="4294967295"/>
+            <p:ph type="title"/>
           </p:nvPr>
         </p:nvSpPr>
-        <p:spPr>
-          <a:xfrm>
-            <a:off x="685800" y="609600"/>
-            <a:ext cx="7772400" cy="1143000"/>
-          </a:xfrm>
-          <a:ln/>
-        </p:spPr>
+        <p:spPr/>
         <p:txBody>
           <a:bodyPr/>
           <a:lstStyle/>
           <a:p>
-            <a:pPr>
-              <a:buClrTx/>
-              <a:buFontTx/>
-              <a:buNone/>
-              <a:tabLst>
-                <a:tab pos="0" algn="l"/>
-                <a:tab pos="914400" algn="l"/>
-                <a:tab pos="1828800" algn="l"/>
-                <a:tab pos="2743200" algn="l"/>
-                <a:tab pos="3657600" algn="l"/>
-                <a:tab pos="4572000" algn="l"/>
-                <a:tab pos="5486400" algn="l"/>
-                <a:tab pos="6400800" algn="l"/>
-                <a:tab pos="7315200" algn="l"/>
-                <a:tab pos="8229600" algn="l"/>
-                <a:tab pos="9144000" algn="l"/>
-                <a:tab pos="10058400" algn="l"/>
-              </a:tabLst>
-            </a:pPr>
-            <a:endParaRPr lang="et-EE" sz="3600" dirty="0"/>
-          </a:p>
-        </p:txBody>
-      </p:sp>
-      <p:sp>
-        <p:nvSpPr>
-          <p:cNvPr id="19458" name="Rectangle 2"/>
+            <a:r>
+              <a:rPr lang="et-EE" smtClean="0"/>
+              <a:t>2 probleemi</a:t>
+            </a:r>
+          </a:p>
+        </p:txBody>
+      </p:sp>
+      <p:sp>
+        <p:nvSpPr>
+          <p:cNvPr id="8195" name="Content Placeholder 2"/>
           <p:cNvSpPr>
-            <a:spLocks noGrp="1" noChangeArrowheads="1"/>
+            <a:spLocks noGrp="1"/>
           </p:cNvSpPr>
           <p:nvPr>
-            <p:ph type="body" idx="1"/>
+            <p:ph idx="1"/>
           </p:nvPr>
         </p:nvSpPr>
-        <p:spPr>
-          <a:xfrm>
-            <a:off x="685800" y="1752600"/>
-            <a:ext cx="7772400" cy="4114800"/>
-          </a:xfrm>
-          <a:ln/>
-        </p:spPr>
-        <p:txBody>
-          <a:bodyPr>
-            <a:normAutofit fontScale="92500" lnSpcReduction="10000"/>
-          </a:bodyPr>
-          <a:lstStyle/>
-          <a:p>
-            <a:pPr marL="341313" indent="-341313" algn="l">
-              <a:buClr>
-                <a:srgbClr val="FFFFFF"/>
-              </a:buClr>
-              <a:buFont typeface="Times New Roman" pitchFamily="16" charset="0"/>
-              <a:buChar char="•"/>
-              <a:tabLst>
-                <a:tab pos="341313" algn="l"/>
-                <a:tab pos="911225" algn="l"/>
-                <a:tab pos="1825625" algn="l"/>
-                <a:tab pos="2740025" algn="l"/>
-                <a:tab pos="3654425" algn="l"/>
-                <a:tab pos="4568825" algn="l"/>
-                <a:tab pos="5483225" algn="l"/>
-                <a:tab pos="6397625" algn="l"/>
-                <a:tab pos="7312025" algn="l"/>
-                <a:tab pos="8226425" algn="l"/>
-                <a:tab pos="9140825" algn="l"/>
-                <a:tab pos="10055225" algn="l"/>
-              </a:tabLst>
-            </a:pPr>
-            <a:r>
-              <a:rPr lang="en-GB" dirty="0" err="1"/>
-              <a:t>Regulaarse</a:t>
-            </a:r>
-            <a:r>
-              <a:rPr lang="en-GB" dirty="0"/>
-              <a:t> </a:t>
-            </a:r>
-            <a:r>
-              <a:rPr lang="en-GB" dirty="0" err="1"/>
-              <a:t>relatsiooni</a:t>
-            </a:r>
-            <a:r>
-              <a:rPr lang="en-GB" dirty="0"/>
-              <a:t> </a:t>
-            </a:r>
-            <a:r>
-              <a:rPr lang="en-GB" dirty="0" err="1"/>
-              <a:t>saab</a:t>
-            </a:r>
-            <a:r>
-              <a:rPr lang="en-GB" dirty="0"/>
-              <a:t> </a:t>
-            </a:r>
-            <a:r>
-              <a:rPr lang="en-GB" dirty="0" err="1"/>
-              <a:t>kirja</a:t>
-            </a:r>
-            <a:r>
-              <a:rPr lang="en-GB" dirty="0"/>
-              <a:t> </a:t>
-            </a:r>
-            <a:r>
-              <a:rPr lang="en-GB" dirty="0" err="1"/>
-              <a:t>panna</a:t>
-            </a:r>
-            <a:r>
-              <a:rPr lang="en-GB" dirty="0"/>
-              <a:t> </a:t>
-            </a:r>
-            <a:r>
-              <a:rPr lang="en-GB" dirty="0" err="1">
+        <p:spPr/>
+        <p:txBody>
+          <a:bodyPr/>
+          <a:lstStyle/>
+          <a:p>
+            <a:r>
+              <a:rPr lang="et-EE" smtClean="0"/>
+              <a:t>Morfotaktika</a:t>
+            </a:r>
+          </a:p>
+          <a:p>
+            <a:pPr lvl="1"/>
+            <a:r>
+              <a:rPr lang="et-EE" smtClean="0"/>
+              <a:t>Sõnad koosnevad väiksematest üksustest, mida liidetakse kokku teatud järjekorras:</a:t>
+            </a:r>
+          </a:p>
+          <a:p>
+            <a:pPr lvl="1">
+              <a:buFont typeface="Arial" charset="0"/>
+              <a:buNone/>
+            </a:pPr>
+            <a:r>
+              <a:rPr lang="et-EE" smtClean="0">
                 <a:solidFill>
-                  <a:srgbClr val="FF0000"/>
+                  <a:srgbClr val="0070C0"/>
                 </a:solidFill>
               </a:rPr>
-              <a:t>regulaaravaldisena</a:t>
-            </a:r>
-            <a:r>
-              <a:rPr lang="en-GB" dirty="0"/>
-              <a:t>.</a:t>
-            </a:r>
-          </a:p>
-          <a:p>
-            <a:pPr marL="341313" indent="-341313" algn="l">
-              <a:buClr>
-                <a:srgbClr val="FFFFFF"/>
-              </a:buClr>
-              <a:buFont typeface="Times New Roman" pitchFamily="16" charset="0"/>
-              <a:buChar char="•"/>
-              <a:tabLst>
-                <a:tab pos="341313" algn="l"/>
-                <a:tab pos="911225" algn="l"/>
-                <a:tab pos="1825625" algn="l"/>
-                <a:tab pos="2740025" algn="l"/>
-                <a:tab pos="3654425" algn="l"/>
-                <a:tab pos="4568825" algn="l"/>
-                <a:tab pos="5483225" algn="l"/>
-                <a:tab pos="6397625" algn="l"/>
-                <a:tab pos="7312025" algn="l"/>
-                <a:tab pos="8226425" algn="l"/>
-                <a:tab pos="9140825" algn="l"/>
-                <a:tab pos="10055225" algn="l"/>
-              </a:tabLst>
-            </a:pPr>
-            <a:r>
-              <a:rPr lang="en-GB" dirty="0" err="1"/>
-              <a:t>Regulaaravaldise</a:t>
-            </a:r>
-            <a:r>
-              <a:rPr lang="en-GB" dirty="0"/>
-              <a:t> </a:t>
-            </a:r>
-            <a:r>
-              <a:rPr lang="en-GB" dirty="0" err="1"/>
-              <a:t>saab</a:t>
-            </a:r>
-            <a:r>
-              <a:rPr lang="en-GB" dirty="0"/>
-              <a:t> </a:t>
-            </a:r>
-            <a:r>
-              <a:rPr lang="en-GB" dirty="0" err="1"/>
-              <a:t>kompileerida</a:t>
-            </a:r>
-            <a:r>
-              <a:rPr lang="en-GB" dirty="0"/>
-              <a:t> </a:t>
-            </a:r>
-            <a:r>
-              <a:rPr lang="en-GB" dirty="0" err="1">
+              <a:t>	kaarna-te-s</a:t>
+            </a:r>
+            <a:r>
+              <a:rPr lang="et-EE" smtClean="0"/>
+              <a:t> on eesti keel, </a:t>
+            </a:r>
+            <a:r>
+              <a:rPr lang="et-EE" smtClean="0">
                 <a:solidFill>
-                  <a:srgbClr val="FF0000"/>
+                  <a:srgbClr val="0070C0"/>
                 </a:solidFill>
               </a:rPr>
-              <a:t>lõplikuks</a:t>
-            </a:r>
-            <a:r>
-              <a:rPr lang="en-GB" dirty="0">
+              <a:t>kaarna-s-te</a:t>
+            </a:r>
+            <a:r>
+              <a:rPr lang="et-EE" smtClean="0"/>
+              <a:t> ei ole</a:t>
+            </a:r>
+          </a:p>
+          <a:p>
+            <a:r>
+              <a:rPr lang="et-EE" smtClean="0"/>
+              <a:t>Morfofonoloogia</a:t>
+            </a:r>
+          </a:p>
+          <a:p>
+            <a:pPr lvl="1"/>
+            <a:r>
+              <a:rPr lang="et-EE" smtClean="0"/>
+              <a:t>Nende väiksemate üksuste vorm võib kokkupanemisel muutuda:</a:t>
+            </a:r>
+          </a:p>
+          <a:p>
+            <a:pPr lvl="1">
+              <a:buFont typeface="Arial" charset="0"/>
+              <a:buNone/>
+            </a:pPr>
+            <a:r>
+              <a:rPr lang="et-EE" smtClean="0"/>
+              <a:t>	</a:t>
+            </a:r>
+            <a:r>
+              <a:rPr lang="et-EE" smtClean="0">
                 <a:solidFill>
-                  <a:srgbClr val="FFFF00"/>
+                  <a:srgbClr val="0070C0"/>
                 </a:solidFill>
               </a:rPr>
-              <a:t> </a:t>
-            </a:r>
-            <a:r>
-              <a:rPr lang="et-EE" dirty="0" smtClean="0">
+              <a:t>pida-ma</a:t>
+            </a:r>
+            <a:r>
+              <a:rPr lang="et-EE" smtClean="0"/>
+              <a:t>, </a:t>
+            </a:r>
+            <a:r>
+              <a:rPr lang="et-EE" smtClean="0">
                 <a:solidFill>
-                  <a:srgbClr val="FF0000"/>
+                  <a:srgbClr val="0070C0"/>
                 </a:solidFill>
               </a:rPr>
-              <a:t>muunduriks</a:t>
-            </a:r>
-            <a:r>
-              <a:rPr lang="en-GB" dirty="0" smtClean="0"/>
+              <a:t>pea</a:t>
+            </a:r>
+            <a:r>
+              <a:rPr lang="et-EE" smtClean="0"/>
               <a:t>, </a:t>
             </a:r>
             <a:r>
-              <a:rPr lang="en-GB" dirty="0" err="1"/>
-              <a:t>mis</a:t>
-            </a:r>
-            <a:r>
-              <a:rPr lang="en-GB" dirty="0"/>
-              <a:t> </a:t>
-            </a:r>
-            <a:r>
-              <a:rPr lang="en-GB" dirty="0" err="1"/>
-              <a:t>realiseerib</a:t>
-            </a:r>
-            <a:r>
-              <a:rPr lang="en-GB" dirty="0"/>
-              <a:t> </a:t>
-            </a:r>
-            <a:r>
-              <a:rPr lang="en-GB" dirty="0" err="1"/>
-              <a:t>selle</a:t>
-            </a:r>
-            <a:r>
-              <a:rPr lang="en-GB" dirty="0"/>
-              <a:t> </a:t>
-            </a:r>
-            <a:r>
-              <a:rPr lang="en-GB" dirty="0" err="1"/>
-              <a:t>relatsiooni</a:t>
-            </a:r>
-            <a:r>
-              <a:rPr lang="en-GB" dirty="0"/>
-              <a:t> </a:t>
-            </a:r>
-            <a:r>
-              <a:rPr lang="en-GB" dirty="0" err="1"/>
-              <a:t>arvutuslikult</a:t>
-            </a:r>
-            <a:r>
-              <a:rPr lang="en-GB" dirty="0"/>
-              <a:t>.</a:t>
-            </a:r>
-          </a:p>
-          <a:p>
-            <a:pPr marL="341313" indent="-341313" algn="l">
-              <a:buClr>
-                <a:srgbClr val="FFFFFF"/>
-              </a:buClr>
-              <a:buFont typeface="Times New Roman" pitchFamily="16" charset="0"/>
-              <a:buChar char="•"/>
-              <a:tabLst>
-                <a:tab pos="341313" algn="l"/>
-                <a:tab pos="911225" algn="l"/>
-                <a:tab pos="1825625" algn="l"/>
-                <a:tab pos="2740025" algn="l"/>
-                <a:tab pos="3654425" algn="l"/>
-                <a:tab pos="4568825" algn="l"/>
-                <a:tab pos="5483225" algn="l"/>
-                <a:tab pos="6397625" algn="l"/>
-                <a:tab pos="7312025" algn="l"/>
-                <a:tab pos="8226425" algn="l"/>
-                <a:tab pos="9140825" algn="l"/>
-                <a:tab pos="10055225" algn="l"/>
-              </a:tabLst>
-            </a:pPr>
-            <a:r>
-              <a:rPr lang="et-EE" dirty="0" smtClean="0"/>
-              <a:t>Muunduris </a:t>
-            </a:r>
-            <a:r>
-              <a:rPr lang="en-GB" dirty="0" err="1" smtClean="0"/>
-              <a:t>seab</a:t>
-            </a:r>
-            <a:r>
-              <a:rPr lang="en-GB" dirty="0" smtClean="0"/>
-              <a:t> </a:t>
-            </a:r>
-            <a:r>
-              <a:rPr lang="en-GB" dirty="0" err="1"/>
-              <a:t>mistahes</a:t>
-            </a:r>
-            <a:r>
-              <a:rPr lang="en-GB" dirty="0"/>
-              <a:t> tee </a:t>
-            </a:r>
-            <a:r>
-              <a:rPr lang="en-GB" dirty="0" err="1"/>
-              <a:t>algolekust</a:t>
-            </a:r>
-            <a:r>
-              <a:rPr lang="en-GB" dirty="0"/>
-              <a:t> </a:t>
-            </a:r>
-            <a:r>
-              <a:rPr lang="en-GB" dirty="0" err="1"/>
-              <a:t>lõppolekusse</a:t>
-            </a:r>
-            <a:r>
-              <a:rPr lang="en-GB" dirty="0"/>
-              <a:t> </a:t>
-            </a:r>
-            <a:r>
-              <a:rPr lang="en-GB" dirty="0" err="1"/>
-              <a:t>omavahel</a:t>
-            </a:r>
-            <a:r>
-              <a:rPr lang="en-GB" dirty="0"/>
-              <a:t> </a:t>
-            </a:r>
-            <a:r>
-              <a:rPr lang="en-GB" dirty="0" err="1"/>
-              <a:t>vastavusse</a:t>
-            </a:r>
-            <a:r>
-              <a:rPr lang="en-GB" dirty="0"/>
-              <a:t> </a:t>
-            </a:r>
-            <a:r>
-              <a:rPr lang="en-GB" dirty="0" err="1"/>
-              <a:t>mingi</a:t>
-            </a:r>
-            <a:r>
-              <a:rPr lang="en-GB" dirty="0"/>
-              <a:t> </a:t>
-            </a:r>
-            <a:r>
-              <a:rPr lang="en-GB" dirty="0" err="1"/>
-              <a:t>sõnavormi</a:t>
-            </a:r>
-            <a:r>
-              <a:rPr lang="en-GB" dirty="0"/>
-              <a:t> </a:t>
-            </a:r>
-            <a:r>
-              <a:rPr lang="en-GB" dirty="0" smtClean="0"/>
-              <a:t>(</a:t>
-            </a:r>
-            <a:r>
-              <a:rPr lang="et-EE" dirty="0" smtClean="0">
+              <a:rPr lang="et-EE" smtClean="0">
                 <a:solidFill>
-                  <a:srgbClr val="FF0000"/>
+                  <a:srgbClr val="0070C0"/>
                 </a:solidFill>
               </a:rPr>
-              <a:t>pindkuju</a:t>
-            </a:r>
-            <a:r>
-              <a:rPr lang="en-GB" dirty="0" smtClean="0"/>
-              <a:t>) </a:t>
-            </a:r>
-            <a:r>
-              <a:rPr lang="en-GB" dirty="0"/>
-              <a:t>ja </a:t>
-            </a:r>
-            <a:r>
-              <a:rPr lang="en-GB" dirty="0" err="1"/>
-              <a:t>tema</a:t>
-            </a:r>
-            <a:r>
-              <a:rPr lang="en-GB" dirty="0"/>
-              <a:t> lemma+ </a:t>
-            </a:r>
-            <a:r>
-              <a:rPr lang="en-GB" dirty="0" err="1"/>
-              <a:t>morfoloogilise</a:t>
-            </a:r>
-            <a:r>
-              <a:rPr lang="en-GB" dirty="0"/>
-              <a:t> info </a:t>
-            </a:r>
-            <a:r>
-              <a:rPr lang="en-GB" dirty="0" smtClean="0"/>
-              <a:t>(</a:t>
-            </a:r>
-            <a:r>
-              <a:rPr lang="et-EE" dirty="0" smtClean="0">
-                <a:solidFill>
-                  <a:srgbClr val="FF0000"/>
-                </a:solidFill>
-              </a:rPr>
-              <a:t>leksikaalse kuju</a:t>
-            </a:r>
-            <a:r>
-              <a:rPr lang="en-GB" dirty="0" smtClean="0"/>
-              <a:t>).</a:t>
-            </a:r>
-            <a:endParaRPr lang="en-GB" dirty="0"/>
+              <a:t>pee-ti</a:t>
+            </a:r>
           </a:p>
         </p:txBody>
       </p:sp>
@@ -8345,36 +7945,6 @@
   <p:clrMapOvr>
     <a:masterClrMapping/>
   </p:clrMapOvr>
-  <p:transition>
-    <p:pull dir="ru"/>
-  </p:transition>
-  <p:timing>
-    <p:tnLst>
-      <p:par>
-        <p:cTn id="1" dur="indefinite" nodeType="tmRoot">
-          <p:childTnLst>
-            <p:seq concurrent="1" nextAc="seek">
-              <p:cTn id="2" dur="0" nodeType="mainSeq"/>
-              <p:prevCondLst>
-                <p:cond evt="onPrev" delay="0">
-                  <p:tgtEl>
-                    <p:sldTgt/>
-                  </p:tgtEl>
-                </p:cond>
-              </p:prevCondLst>
-              <p:nextCondLst>
-                <p:cond evt="onNext" delay="0">
-                  <p:tgtEl>
-                    <p:sldTgt/>
-                  </p:tgtEl>
-                </p:cond>
-              </p:nextCondLst>
-            </p:seq>
-          </p:childTnLst>
-        </p:cTn>
-      </p:par>
-    </p:tnLst>
-  </p:timing>
 </p:sld>
 </file>
 
@@ -8397,7 +7967,7 @@
       </p:grpSpPr>
       <p:sp>
         <p:nvSpPr>
-          <p:cNvPr id="8194" name="Title 1"/>
+          <p:cNvPr id="9218" name="Title 1"/>
           <p:cNvSpPr>
             <a:spLocks noGrp="1"/>
           </p:cNvSpPr>
@@ -8412,14 +7982,14 @@
           <a:p>
             <a:r>
               <a:rPr lang="et-EE" smtClean="0"/>
-              <a:t>2 probleemi</a:t>
-            </a:r>
-          </a:p>
-        </p:txBody>
-      </p:sp>
-      <p:sp>
-        <p:nvSpPr>
-          <p:cNvPr id="8195" name="Content Placeholder 2"/>
+              <a:t>Terminoloogiat</a:t>
+            </a:r>
+          </a:p>
+        </p:txBody>
+      </p:sp>
+      <p:sp>
+        <p:nvSpPr>
+          <p:cNvPr id="9219" name="Content Placeholder 2"/>
           <p:cNvSpPr>
             <a:spLocks noGrp="1"/>
           </p:cNvSpPr>
@@ -8427,107 +7997,61 @@
             <p:ph idx="1"/>
           </p:nvPr>
         </p:nvSpPr>
-        <p:spPr/>
+        <p:spPr>
+          <a:xfrm>
+            <a:off x="457200" y="1268413"/>
+            <a:ext cx="8229600" cy="4857750"/>
+          </a:xfrm>
+        </p:spPr>
         <p:txBody>
           <a:bodyPr/>
           <a:lstStyle/>
           <a:p>
             <a:r>
-              <a:rPr lang="et-EE" smtClean="0"/>
-              <a:t>Morfotaktika</a:t>
-            </a:r>
-          </a:p>
-          <a:p>
-            <a:pPr lvl="1"/>
-            <a:r>
-              <a:rPr lang="et-EE" smtClean="0"/>
-              <a:t>Sõnad koosnevad väiksematest üksustest, mida liidetakse kokku teatud järjekorras:</a:t>
-            </a:r>
-          </a:p>
-          <a:p>
-            <a:pPr lvl="1">
+              <a:rPr lang="et-EE" sz="2400" smtClean="0"/>
+              <a:t>Morfeem – väikseim tähenduslik tükk</a:t>
+            </a:r>
+          </a:p>
+          <a:p>
+            <a:r>
+              <a:rPr lang="et-EE" sz="2400" smtClean="0"/>
+              <a:t>Morf – morfeemi esinemisvorm </a:t>
+            </a:r>
+          </a:p>
+          <a:p>
+            <a:r>
+              <a:rPr lang="et-EE" sz="2400" smtClean="0"/>
+              <a:t>Allomorf - morfeemivariant (nt. de, te – mitmuse tunnus) </a:t>
+            </a:r>
+          </a:p>
+          <a:p>
+            <a:r>
+              <a:rPr lang="et-EE" sz="2400" smtClean="0"/>
+              <a:t>Morfotaktika – morfeemide järjestuse ja kombineerimise tingimused (nt. tüvi + arv + käändelõpp, just selles järjekorras)</a:t>
+            </a:r>
+          </a:p>
+          <a:p>
+            <a:r>
+              <a:rPr lang="et-EE" sz="2400" smtClean="0"/>
+              <a:t>Morfofonoloogia – kuidas morfeemid muutuvad, kui nad sõnasse kokku on pandud (nt. elama+tud =elatud, naerma+tud=naerdud, s.t. [l n r] + tud -&gt; dud )</a:t>
+            </a:r>
+          </a:p>
+          <a:p>
+            <a:pPr>
               <a:buFont typeface="Arial" charset="0"/>
               <a:buNone/>
             </a:pPr>
             <a:r>
-              <a:rPr lang="et-EE" smtClean="0">
-                <a:solidFill>
-                  <a:srgbClr val="0070C0"/>
-                </a:solidFill>
-              </a:rPr>
-              <a:t>	kaarna-te-s</a:t>
-            </a:r>
-            <a:r>
-              <a:rPr lang="et-EE" smtClean="0"/>
-              <a:t> on eesti keel, </a:t>
-            </a:r>
-            <a:r>
-              <a:rPr lang="et-EE" smtClean="0">
-                <a:solidFill>
-                  <a:srgbClr val="0070C0"/>
-                </a:solidFill>
-              </a:rPr>
-              <a:t>kaarna-s-te</a:t>
-            </a:r>
-            <a:r>
-              <a:rPr lang="et-EE" smtClean="0"/>
-              <a:t> ei ole</a:t>
-            </a:r>
-          </a:p>
-          <a:p>
-            <a:r>
-              <a:rPr lang="et-EE" smtClean="0"/>
-              <a:t>Morfofonoloogia</a:t>
-            </a:r>
-          </a:p>
-          <a:p>
-            <a:pPr lvl="1"/>
-            <a:r>
-              <a:rPr lang="et-EE" smtClean="0"/>
-              <a:t>Nende väiksemate üksuste vorm võib kokkupanemisel muutuda:</a:t>
-            </a:r>
-          </a:p>
-          <a:p>
-            <a:pPr lvl="1">
+              <a:rPr lang="et-EE" sz="2400" smtClean="0"/>
+              <a:t> Eesti keel on aglutinatiivse (~ türgi, soome) ja flektiivse (~ saksa) kombinatsioon: morfeemide liitmine (äpi+le, äpi+ga jne), varieerimine (äpp, äpi, äppi).</a:t>
+            </a:r>
+          </a:p>
+          <a:p>
+            <a:pPr>
               <a:buFont typeface="Arial" charset="0"/>
               <a:buNone/>
             </a:pPr>
-            <a:r>
-              <a:rPr lang="et-EE" smtClean="0"/>
-              <a:t>	</a:t>
-            </a:r>
-            <a:r>
-              <a:rPr lang="et-EE" smtClean="0">
-                <a:solidFill>
-                  <a:srgbClr val="0070C0"/>
-                </a:solidFill>
-              </a:rPr>
-              <a:t>pida-ma</a:t>
-            </a:r>
-            <a:r>
-              <a:rPr lang="et-EE" smtClean="0"/>
-              <a:t>, </a:t>
-            </a:r>
-            <a:r>
-              <a:rPr lang="et-EE" smtClean="0">
-                <a:solidFill>
-                  <a:srgbClr val="0070C0"/>
-                </a:solidFill>
-              </a:rPr>
-              <a:t>pea</a:t>
-            </a:r>
-            <a:r>
-              <a:rPr lang="et-EE" smtClean="0"/>
-              <a:t>, </a:t>
-            </a:r>
-            <a:r>
-              <a:rPr lang="et-EE" smtClean="0">
-                <a:solidFill>
-                  <a:srgbClr val="0070C0"/>
-                </a:solidFill>
-              </a:rPr>
-              <a:t>pee-ti</a:t>
-            </a:r>
+            <a:endParaRPr lang="et-EE" sz="2400" smtClean="0"/>
           </a:p>
         </p:txBody>
       </p:sp>
@@ -8558,7 +8082,7 @@
       </p:grpSpPr>
       <p:sp>
         <p:nvSpPr>
-          <p:cNvPr id="9218" name="Title 1"/>
+          <p:cNvPr id="10242" name="Title 1"/>
           <p:cNvSpPr>
             <a:spLocks noGrp="1"/>
           </p:cNvSpPr>
@@ -8573,14 +8097,14 @@
           <a:p>
             <a:r>
               <a:rPr lang="et-EE" smtClean="0"/>
-              <a:t>Terminoloogiat</a:t>
-            </a:r>
-          </a:p>
-        </p:txBody>
-      </p:sp>
-      <p:sp>
-        <p:nvSpPr>
-          <p:cNvPr id="9219" name="Content Placeholder 2"/>
+              <a:t>Näide</a:t>
+            </a:r>
+          </a:p>
+        </p:txBody>
+      </p:sp>
+      <p:sp>
+        <p:nvSpPr>
+          <p:cNvPr id="10243" name="Content Placeholder 2"/>
           <p:cNvSpPr>
             <a:spLocks noGrp="1"/>
           </p:cNvSpPr>
@@ -8588,53 +8112,28 @@
             <p:ph idx="1"/>
           </p:nvPr>
         </p:nvSpPr>
-        <p:spPr>
-          <a:xfrm>
-            <a:off x="457200" y="1268413"/>
-            <a:ext cx="8229600" cy="4857750"/>
-          </a:xfrm>
-        </p:spPr>
+        <p:spPr/>
         <p:txBody>
           <a:bodyPr/>
           <a:lstStyle/>
-          <a:p>
-            <a:r>
-              <a:rPr lang="et-EE" sz="2400" smtClean="0"/>
-              <a:t>Morfeem – väikseim tähenduslik tükk</a:t>
-            </a:r>
-          </a:p>
-          <a:p>
-            <a:r>
-              <a:rPr lang="et-EE" sz="2400" smtClean="0"/>
-              <a:t>Morf – morfeemi esinemisvorm </a:t>
-            </a:r>
-          </a:p>
-          <a:p>
-            <a:r>
-              <a:rPr lang="et-EE" sz="2400" smtClean="0"/>
-              <a:t>Allomorf - morfeemivariant (nt. de, te – mitmuse tunnus) </a:t>
-            </a:r>
-          </a:p>
-          <a:p>
-            <a:r>
-              <a:rPr lang="et-EE" sz="2400" smtClean="0"/>
-              <a:t>Morfotaktika – morfeemide järjestuse ja kombineerimise tingimused (nt. tüvi + arv + käändelõpp, just selles järjekorras)</a:t>
-            </a:r>
-          </a:p>
-          <a:p>
-            <a:r>
-              <a:rPr lang="et-EE" sz="2400" smtClean="0"/>
-              <a:t>Morfofonoloogia – kuidas morfeemid muutuvad, kui nad sõnasse kokku on pandud (nt. elama+tud =elatud, naerma+tud=naerdud, s.t. [l n r] + tud -&gt; dud )</a:t>
-            </a:r>
-          </a:p>
           <a:p>
             <a:pPr>
               <a:buFont typeface="Arial" charset="0"/>
               <a:buNone/>
             </a:pPr>
             <a:r>
-              <a:rPr lang="et-EE" sz="2400" smtClean="0"/>
-              <a:t> Eesti keel on aglutinatiivse (~ türgi, soome) ja flektiivse (~ saksa) kombinatsioon: morfeemide liitmine (äpi+le, äpi+ga jne), varieerimine (äpp, äpi, äppi).</a:t>
+              <a:rPr lang="et-EE" smtClean="0"/>
+              <a:t>Mitmus: allomorfid de, te, i, e, u</a:t>
+            </a:r>
+          </a:p>
+          <a:p>
+            <a:pPr lvl="1">
+              <a:buFont typeface="Arial" charset="0"/>
+              <a:buNone/>
+            </a:pPr>
+            <a:r>
+              <a:rPr lang="et-EE" smtClean="0"/>
+              <a:t>kala+de, aasta+te, aasta+i+l, õnnelik+e+l,  kõrv+u+s</a:t>
             </a:r>
           </a:p>
           <a:p>
@@ -8642,10 +8141,133 @@
               <a:buFont typeface="Arial" charset="0"/>
               <a:buNone/>
             </a:pPr>
-            <a:endParaRPr lang="et-EE" sz="2400" smtClean="0"/>
-          </a:p>
-        </p:txBody>
-      </p:sp>
+            <a:r>
+              <a:rPr lang="et-EE" smtClean="0"/>
+              <a:t>Minevik: allomorfid s, si, i, nu</a:t>
+            </a:r>
+          </a:p>
+          <a:p>
+            <a:pPr lvl="1">
+              <a:buFont typeface="Arial" charset="0"/>
+              <a:buNone/>
+            </a:pPr>
+            <a:r>
+              <a:rPr lang="et-EE" smtClean="0"/>
+              <a:t>vaata+s, vaata+si+n, sa+i, vaada+nu+ks</a:t>
+            </a:r>
+          </a:p>
+          <a:p>
+            <a:pPr lvl="1">
+              <a:buFont typeface="Arial" charset="0"/>
+              <a:buNone/>
+            </a:pPr>
+            <a:endParaRPr lang="et-EE" smtClean="0"/>
+          </a:p>
+          <a:p>
+            <a:pPr>
+              <a:buFont typeface="Arial" charset="0"/>
+              <a:buNone/>
+            </a:pPr>
+            <a:r>
+              <a:rPr lang="et-EE" smtClean="0"/>
+              <a:t>Morf i </a:t>
+            </a:r>
+          </a:p>
+          <a:p>
+            <a:pPr lvl="1">
+              <a:buFont typeface="Arial" charset="0"/>
+              <a:buNone/>
+            </a:pPr>
+            <a:r>
+              <a:rPr lang="et-EE" smtClean="0"/>
+              <a:t>mitmuse morfeemi esinemisvorm</a:t>
+            </a:r>
+          </a:p>
+          <a:p>
+            <a:pPr lvl="1">
+              <a:buFont typeface="Arial" charset="0"/>
+              <a:buNone/>
+            </a:pPr>
+            <a:r>
+              <a:rPr lang="et-EE" smtClean="0"/>
+              <a:t>mineviku morfeemi esinemisvorm</a:t>
+            </a:r>
+          </a:p>
+          <a:p>
+            <a:pPr lvl="1">
+              <a:buFont typeface="Arial" charset="0"/>
+              <a:buNone/>
+            </a:pPr>
+            <a:endParaRPr lang="et-EE" smtClean="0"/>
+          </a:p>
+        </p:txBody>
+      </p:sp>
+      <p:cxnSp>
+        <p:nvCxnSpPr>
+          <p:cNvPr id="5" name="Straight Arrow Connector 4"/>
+          <p:cNvCxnSpPr/>
+          <p:nvPr/>
+        </p:nvCxnSpPr>
+        <p:spPr>
+          <a:xfrm flipV="1">
+            <a:off x="2627313" y="2133600"/>
+            <a:ext cx="2305050" cy="2879725"/>
+          </a:xfrm>
+          <a:prstGeom prst="straightConnector1">
+            <a:avLst/>
+          </a:prstGeom>
+          <a:ln>
+            <a:tailEnd type="arrow"/>
+          </a:ln>
+        </p:spPr>
+        <p:style>
+          <a:lnRef idx="1">
+            <a:schemeClr val="accent1"/>
+          </a:lnRef>
+          <a:fillRef idx="0">
+            <a:schemeClr val="accent1"/>
+          </a:fillRef>
+          <a:effectRef idx="0">
+            <a:schemeClr val="accent1"/>
+          </a:effectRef>
+          <a:fontRef idx="minor">
+            <a:schemeClr val="tx1"/>
+          </a:fontRef>
+        </p:style>
+      </p:cxnSp>
+      <p:cxnSp>
+        <p:nvCxnSpPr>
+          <p:cNvPr id="7" name="Straight Arrow Connector 6"/>
+          <p:cNvCxnSpPr/>
+          <p:nvPr/>
+        </p:nvCxnSpPr>
+        <p:spPr>
+          <a:xfrm flipV="1">
+            <a:off x="2916238" y="3213100"/>
+            <a:ext cx="1727200" cy="2303463"/>
+          </a:xfrm>
+          <a:prstGeom prst="straightConnector1">
+            <a:avLst/>
+          </a:prstGeom>
+          <a:ln>
+            <a:tailEnd type="arrow"/>
+          </a:ln>
+        </p:spPr>
+        <p:style>
+          <a:lnRef idx="1">
+            <a:schemeClr val="accent1"/>
+          </a:lnRef>
+          <a:fillRef idx="0">
+            <a:schemeClr val="accent1"/>
+          </a:fillRef>
+          <a:effectRef idx="0">
+            <a:schemeClr val="accent1"/>
+          </a:effectRef>
+          <a:fontRef idx="minor">
+            <a:schemeClr val="tx1"/>
+          </a:fontRef>
+        </p:style>
+      </p:cxnSp>
     </p:spTree>
   </p:cSld>
   <p:clrMapOvr>
@@ -9171,7 +8793,7 @@
       </p:grpSpPr>
       <p:sp>
         <p:nvSpPr>
-          <p:cNvPr id="10242" name="Title 1"/>
+          <p:cNvPr id="12290" name="Title 1"/>
           <p:cNvSpPr>
             <a:spLocks noGrp="1"/>
           </p:cNvSpPr>
@@ -9186,14 +8808,14 @@
           <a:p>
             <a:r>
               <a:rPr lang="et-EE" smtClean="0"/>
-              <a:t>Näide</a:t>
-            </a:r>
-          </a:p>
-        </p:txBody>
-      </p:sp>
-      <p:sp>
-        <p:nvSpPr>
-          <p:cNvPr id="10243" name="Content Placeholder 2"/>
+              <a:t>Reeglipärane morfotaktika </a:t>
+            </a:r>
+          </a:p>
+        </p:txBody>
+      </p:sp>
+      <p:sp>
+        <p:nvSpPr>
+          <p:cNvPr id="12291" name="Content Placeholder 2"/>
           <p:cNvSpPr>
             <a:spLocks noGrp="1"/>
           </p:cNvSpPr>
@@ -9206,157 +8828,35 @@
           <a:bodyPr/>
           <a:lstStyle/>
           <a:p>
-            <a:pPr>
-              <a:buFont typeface="Arial" charset="0"/>
-              <a:buNone/>
-            </a:pPr>
             <a:r>
               <a:rPr lang="et-EE" smtClean="0"/>
-              <a:t>Mitmus: allomorfid de, te, i, e, u</a:t>
-            </a:r>
-          </a:p>
-          <a:p>
-            <a:pPr lvl="1">
-              <a:buFont typeface="Arial" charset="0"/>
-              <a:buNone/>
-            </a:pPr>
+              <a:t>Suur osa paljude keelte morfoloogiast on kirjeldatav kahe tehte abil: </a:t>
+            </a:r>
+          </a:p>
+          <a:p>
+            <a:pPr lvl="1"/>
             <a:r>
               <a:rPr lang="et-EE" smtClean="0"/>
-              <a:t>kala+de, aasta+te, aasta+i+l, õnnelik+e+l,  kõrv+u+s</a:t>
-            </a:r>
-          </a:p>
-          <a:p>
-            <a:pPr>
-              <a:buFont typeface="Arial" charset="0"/>
-              <a:buNone/>
-            </a:pPr>
+              <a:t>ühend e. mittevälistav või;</a:t>
+            </a:r>
+          </a:p>
+          <a:p>
+            <a:pPr lvl="1"/>
             <a:r>
               <a:rPr lang="et-EE" smtClean="0"/>
-              <a:t>Minevik: allomorfid s, si, i, nu</a:t>
-            </a:r>
-          </a:p>
-          <a:p>
-            <a:pPr lvl="1">
-              <a:buFont typeface="Arial" charset="0"/>
-              <a:buNone/>
-            </a:pPr>
-            <a:r>
-              <a:rPr lang="et-EE" smtClean="0"/>
-              <a:t>vaata+s, vaata+si+n, sa+i, vaada+nu+ks</a:t>
-            </a:r>
-          </a:p>
-          <a:p>
-            <a:pPr lvl="1">
-              <a:buFont typeface="Arial" charset="0"/>
-              <a:buNone/>
-            </a:pPr>
+              <a:t>konkatenatsioon e. jätkamine</a:t>
+            </a:r>
+          </a:p>
+          <a:p>
+            <a:pPr lvl="1"/>
             <a:endParaRPr lang="et-EE" smtClean="0"/>
           </a:p>
           <a:p>
-            <a:pPr>
-              <a:buFont typeface="Arial" charset="0"/>
-              <a:buNone/>
-            </a:pPr>
-            <a:r>
-              <a:rPr lang="et-EE" smtClean="0"/>
-              <a:t>Morf i </a:t>
-            </a:r>
-          </a:p>
-          <a:p>
-            <a:pPr lvl="1">
-              <a:buFont typeface="Arial" charset="0"/>
-              <a:buNone/>
-            </a:pPr>
-            <a:r>
-              <a:rPr lang="et-EE" smtClean="0"/>
-              <a:t>mitmuse morfeemi esinemisvorm</a:t>
-            </a:r>
-          </a:p>
-          <a:p>
-            <a:pPr lvl="1">
-              <a:buFont typeface="Arial" charset="0"/>
-              <a:buNone/>
-            </a:pPr>
-            <a:r>
-              <a:rPr lang="et-EE" smtClean="0"/>
-              <a:t>mineviku morfeemi esinemisvorm</a:t>
-            </a:r>
-          </a:p>
-          <a:p>
-            <a:pPr lvl="1">
-              <a:buFont typeface="Arial" charset="0"/>
-              <a:buNone/>
-            </a:pPr>
+            <a:pPr lvl="1"/>
             <a:endParaRPr lang="et-EE" smtClean="0"/>
           </a:p>
         </p:txBody>
       </p:sp>
-      <p:cxnSp>
-        <p:nvCxnSpPr>
-          <p:cNvPr id="5" name="Straight Arrow Connector 4"/>
-          <p:cNvCxnSpPr/>
-          <p:nvPr/>
-        </p:nvCxnSpPr>
-        <p:spPr>
-          <a:xfrm flipV="1">
-            <a:off x="2627313" y="2133600"/>
-            <a:ext cx="2305050" cy="2879725"/>
-          </a:xfrm>
-          <a:prstGeom prst="straightConnector1">
-            <a:avLst/>
-          </a:prstGeom>
-          <a:ln>
-            <a:tailEnd type="arrow"/>
-          </a:ln>
-        </p:spPr>
-        <p:style>
-          <a:lnRef idx="1">
-            <a:schemeClr val="accent1"/>
-          </a:lnRef>
-          <a:fillRef idx="0">
-            <a:schemeClr val="accent1"/>
-          </a:fillRef>
-          <a:effectRef idx="0">
-            <a:schemeClr val="accent1"/>
-          </a:effectRef>
-          <a:fontRef idx="minor">
-            <a:schemeClr val="tx1"/>
-          </a:fontRef>
-        </p:style>
-      </p:cxnSp>
-      <p:cxnSp>
-        <p:nvCxnSpPr>
-          <p:cNvPr id="7" name="Straight Arrow Connector 6"/>
-          <p:cNvCxnSpPr/>
-          <p:nvPr/>
-        </p:nvCxnSpPr>
-        <p:spPr>
-          <a:xfrm flipV="1">
-            <a:off x="2916238" y="3213100"/>
-            <a:ext cx="1727200" cy="2303463"/>
-          </a:xfrm>
-          <a:prstGeom prst="straightConnector1">
-            <a:avLst/>
-          </a:prstGeom>
-          <a:ln>
-            <a:tailEnd type="arrow"/>
-          </a:ln>
-        </p:spPr>
-        <p:style>
-          <a:lnRef idx="1">
-            <a:schemeClr val="accent1"/>
-          </a:lnRef>
-          <a:fillRef idx="0">
-            <a:schemeClr val="accent1"/>
-          </a:fillRef>
-          <a:effectRef idx="0">
-            <a:schemeClr val="accent1"/>
-          </a:effectRef>
-          <a:fontRef idx="minor">
-            <a:schemeClr val="tx1"/>
-          </a:fontRef>
-        </p:style>
-      </p:cxnSp>
     </p:spTree>
   </p:cSld>
   <p:clrMapOvr>
@@ -9384,7 +8884,7 @@
       </p:grpSpPr>
       <p:sp>
         <p:nvSpPr>
-          <p:cNvPr id="12290" name="Title 1"/>
+          <p:cNvPr id="13314" name="Title 1"/>
           <p:cNvSpPr>
             <a:spLocks noGrp="1"/>
           </p:cNvSpPr>
@@ -9399,14 +8899,14 @@
           <a:p>
             <a:r>
               <a:rPr lang="et-EE" smtClean="0"/>
-              <a:t>Reeglipärane morfotaktika </a:t>
-            </a:r>
-          </a:p>
-        </p:txBody>
-      </p:sp>
-      <p:sp>
-        <p:nvSpPr>
-          <p:cNvPr id="12291" name="Content Placeholder 2"/>
+              <a:t>Lihtne sõnastik (12 vormi)</a:t>
+            </a:r>
+          </a:p>
+        </p:txBody>
+      </p:sp>
+      <p:sp>
+        <p:nvSpPr>
+          <p:cNvPr id="13315" name="Content Placeholder 2"/>
           <p:cNvSpPr>
             <a:spLocks noGrp="1"/>
           </p:cNvSpPr>
@@ -9414,40 +8914,1468 @@
             <p:ph idx="1"/>
           </p:nvPr>
         </p:nvSpPr>
-        <p:spPr/>
+        <p:spPr>
+          <a:xfrm>
+            <a:off x="374650" y="1557338"/>
+            <a:ext cx="8229600" cy="4525962"/>
+          </a:xfrm>
+        </p:spPr>
         <p:txBody>
           <a:bodyPr/>
           <a:lstStyle/>
           <a:p>
-            <a:r>
-              <a:rPr lang="et-EE" smtClean="0"/>
-              <a:t>Suur osa paljude keelte morfoloogiast on kirjeldatav kahe tehte abil: </a:t>
-            </a:r>
-          </a:p>
-          <a:p>
-            <a:pPr lvl="1"/>
-            <a:r>
-              <a:rPr lang="et-EE" smtClean="0"/>
-              <a:t>ühend e. mittevälistav või;</a:t>
-            </a:r>
-          </a:p>
-          <a:p>
-            <a:pPr lvl="1"/>
-            <a:r>
-              <a:rPr lang="et-EE" smtClean="0"/>
-              <a:t>konkatenatsioon e. jätkamine</a:t>
-            </a:r>
-          </a:p>
-          <a:p>
-            <a:pPr lvl="1"/>
-            <a:endParaRPr lang="et-EE" smtClean="0"/>
-          </a:p>
-          <a:p>
-            <a:pPr lvl="1"/>
-            <a:endParaRPr lang="et-EE" smtClean="0"/>
-          </a:p>
-        </p:txBody>
-      </p:sp>
+            <a:pPr indent="0">
+              <a:spcBef>
+                <a:spcPct val="0"/>
+              </a:spcBef>
+              <a:buFont typeface="Arial" charset="0"/>
+              <a:buNone/>
+            </a:pPr>
+            <a:endParaRPr lang="et-EE" sz="1200" smtClean="0"/>
+          </a:p>
+          <a:p>
+            <a:pPr indent="0">
+              <a:spcBef>
+                <a:spcPct val="0"/>
+              </a:spcBef>
+              <a:buFont typeface="Arial" charset="0"/>
+              <a:buNone/>
+            </a:pPr>
+            <a:endParaRPr lang="et-EE" sz="1200" smtClean="0"/>
+          </a:p>
+          <a:p>
+            <a:pPr indent="0">
+              <a:spcBef>
+                <a:spcPct val="0"/>
+              </a:spcBef>
+              <a:buFont typeface="Arial" charset="0"/>
+              <a:buNone/>
+            </a:pPr>
+            <a:r>
+              <a:rPr lang="et-EE" sz="1200" smtClean="0"/>
+              <a:t>                      </a:t>
+            </a:r>
+            <a:r>
+              <a:rPr lang="et-EE" sz="2400" smtClean="0"/>
+              <a:t>a        l         a        d</a:t>
+            </a:r>
+          </a:p>
+          <a:p>
+            <a:pPr indent="0">
+              <a:spcBef>
+                <a:spcPct val="0"/>
+              </a:spcBef>
+              <a:buFont typeface="Arial" charset="0"/>
+              <a:buNone/>
+            </a:pPr>
+            <a:r>
+              <a:rPr lang="et-EE" sz="1200" smtClean="0"/>
+              <a:t>    </a:t>
+            </a:r>
+            <a:r>
+              <a:rPr lang="et-EE" sz="2400" smtClean="0"/>
+              <a:t>k         </a:t>
+            </a:r>
+          </a:p>
+          <a:p>
+            <a:pPr indent="0">
+              <a:spcBef>
+                <a:spcPct val="0"/>
+              </a:spcBef>
+              <a:buFont typeface="Arial" charset="0"/>
+              <a:buNone/>
+            </a:pPr>
+            <a:r>
+              <a:rPr lang="et-EE" sz="1200" smtClean="0"/>
+              <a:t>       </a:t>
+            </a:r>
+            <a:r>
+              <a:rPr lang="et-EE" sz="2400" smtClean="0"/>
+              <a:t> t                                    i</a:t>
+            </a:r>
+          </a:p>
+          <a:p>
+            <a:pPr indent="0">
+              <a:spcBef>
+                <a:spcPct val="0"/>
+              </a:spcBef>
+              <a:buFont typeface="Arial" charset="0"/>
+              <a:buNone/>
+            </a:pPr>
+            <a:endParaRPr lang="et-EE" sz="800" smtClean="0"/>
+          </a:p>
+          <a:p>
+            <a:pPr indent="0">
+              <a:spcBef>
+                <a:spcPct val="0"/>
+              </a:spcBef>
+              <a:buFont typeface="Arial" charset="0"/>
+              <a:buNone/>
+            </a:pPr>
+            <a:r>
+              <a:rPr lang="et-EE" sz="2400" smtClean="0"/>
+              <a:t>     r     e       d       e       l</a:t>
+            </a:r>
+          </a:p>
+          <a:p>
+            <a:pPr indent="0">
+              <a:spcBef>
+                <a:spcPct val="0"/>
+              </a:spcBef>
+              <a:buFont typeface="Arial" charset="0"/>
+              <a:buNone/>
+            </a:pPr>
+            <a:endParaRPr lang="et-EE" sz="2400" smtClean="0"/>
+          </a:p>
+          <a:p>
+            <a:pPr indent="0">
+              <a:spcBef>
+                <a:spcPct val="0"/>
+              </a:spcBef>
+              <a:buFont typeface="Arial" charset="0"/>
+              <a:buNone/>
+            </a:pPr>
+            <a:r>
+              <a:rPr lang="et-EE" sz="2400" smtClean="0"/>
+              <a:t>       p          o            s       t</a:t>
+            </a:r>
+          </a:p>
+          <a:p>
+            <a:pPr indent="0">
+              <a:spcBef>
+                <a:spcPct val="0"/>
+              </a:spcBef>
+              <a:buFont typeface="Arial" charset="0"/>
+              <a:buNone/>
+            </a:pPr>
+            <a:endParaRPr lang="et-EE" sz="2400" smtClean="0"/>
+          </a:p>
+          <a:p>
+            <a:pPr indent="0">
+              <a:spcBef>
+                <a:spcPct val="0"/>
+              </a:spcBef>
+              <a:buFont typeface="Arial" charset="0"/>
+              <a:buNone/>
+            </a:pPr>
+            <a:endParaRPr lang="et-EE" sz="2400" smtClean="0"/>
+          </a:p>
+          <a:p>
+            <a:pPr indent="0">
+              <a:spcBef>
+                <a:spcPct val="0"/>
+              </a:spcBef>
+              <a:buFont typeface="Arial" charset="0"/>
+              <a:buNone/>
+            </a:pPr>
+            <a:endParaRPr lang="et-EE" sz="2400" smtClean="0"/>
+          </a:p>
+          <a:p>
+            <a:pPr indent="0">
+              <a:spcBef>
+                <a:spcPct val="0"/>
+              </a:spcBef>
+              <a:buFont typeface="Arial" charset="0"/>
+              <a:buNone/>
+            </a:pPr>
+            <a:r>
+              <a:rPr lang="et-EE" sz="2400" smtClean="0"/>
+              <a:t>kala, tala, redel, post: a. nim, a. om, mitm. nim.</a:t>
+            </a:r>
+          </a:p>
+        </p:txBody>
+      </p:sp>
+      <p:sp>
+        <p:nvSpPr>
+          <p:cNvPr id="7" name="Oval 6"/>
+          <p:cNvSpPr/>
+          <p:nvPr/>
+        </p:nvSpPr>
+        <p:spPr>
+          <a:xfrm>
+            <a:off x="1258888" y="2565400"/>
+            <a:ext cx="287337" cy="215900"/>
+          </a:xfrm>
+          <a:prstGeom prst="ellipse">
+            <a:avLst/>
+          </a:prstGeom>
+          <a:noFill/>
+        </p:spPr>
+        <p:style>
+          <a:lnRef idx="2">
+            <a:schemeClr val="accent1">
+              <a:shade val="50000"/>
+            </a:schemeClr>
+          </a:lnRef>
+          <a:fillRef idx="1">
+            <a:schemeClr val="accent1"/>
+          </a:fillRef>
+          <a:effectRef idx="0">
+            <a:schemeClr val="accent1"/>
+          </a:effectRef>
+          <a:fontRef idx="minor">
+            <a:schemeClr val="lt1"/>
+          </a:fontRef>
+        </p:style>
+        <p:txBody>
+          <a:bodyPr anchor="ctr"/>
+          <a:lstStyle/>
+          <a:p>
+            <a:pPr algn="ctr">
+              <a:defRPr/>
+            </a:pPr>
+            <a:endParaRPr lang="et-EE"/>
+          </a:p>
+        </p:txBody>
+      </p:sp>
+      <p:sp>
+        <p:nvSpPr>
+          <p:cNvPr id="8" name="Oval 7"/>
+          <p:cNvSpPr/>
+          <p:nvPr/>
+        </p:nvSpPr>
+        <p:spPr>
+          <a:xfrm>
+            <a:off x="1908175" y="2420938"/>
+            <a:ext cx="287338" cy="215900"/>
+          </a:xfrm>
+          <a:prstGeom prst="ellipse">
+            <a:avLst/>
+          </a:prstGeom>
+          <a:noFill/>
+        </p:spPr>
+        <p:style>
+          <a:lnRef idx="2">
+            <a:schemeClr val="accent1">
+              <a:shade val="50000"/>
+            </a:schemeClr>
+          </a:lnRef>
+          <a:fillRef idx="1">
+            <a:schemeClr val="accent1"/>
+          </a:fillRef>
+          <a:effectRef idx="0">
+            <a:schemeClr val="accent1"/>
+          </a:effectRef>
+          <a:fontRef idx="minor">
+            <a:schemeClr val="lt1"/>
+          </a:fontRef>
+        </p:style>
+        <p:txBody>
+          <a:bodyPr anchor="ctr"/>
+          <a:lstStyle/>
+          <a:p>
+            <a:pPr algn="ctr">
+              <a:defRPr/>
+            </a:pPr>
+            <a:endParaRPr lang="et-EE"/>
+          </a:p>
+        </p:txBody>
+      </p:sp>
+      <p:sp>
+        <p:nvSpPr>
+          <p:cNvPr id="9" name="Oval 8"/>
+          <p:cNvSpPr/>
+          <p:nvPr/>
+        </p:nvSpPr>
+        <p:spPr>
+          <a:xfrm>
+            <a:off x="2555875" y="2420938"/>
+            <a:ext cx="287338" cy="215900"/>
+          </a:xfrm>
+          <a:prstGeom prst="ellipse">
+            <a:avLst/>
+          </a:prstGeom>
+          <a:noFill/>
+        </p:spPr>
+        <p:style>
+          <a:lnRef idx="2">
+            <a:schemeClr val="accent1">
+              <a:shade val="50000"/>
+            </a:schemeClr>
+          </a:lnRef>
+          <a:fillRef idx="1">
+            <a:schemeClr val="accent1"/>
+          </a:fillRef>
+          <a:effectRef idx="0">
+            <a:schemeClr val="accent1"/>
+          </a:effectRef>
+          <a:fontRef idx="minor">
+            <a:schemeClr val="lt1"/>
+          </a:fontRef>
+        </p:style>
+        <p:txBody>
+          <a:bodyPr anchor="ctr"/>
+          <a:lstStyle/>
+          <a:p>
+            <a:pPr algn="ctr">
+              <a:defRPr/>
+            </a:pPr>
+            <a:endParaRPr lang="et-EE"/>
+          </a:p>
+        </p:txBody>
+      </p:sp>
+      <p:sp>
+        <p:nvSpPr>
+          <p:cNvPr id="10" name="Oval 9"/>
+          <p:cNvSpPr/>
+          <p:nvPr/>
+        </p:nvSpPr>
+        <p:spPr>
+          <a:xfrm>
+            <a:off x="1116013" y="3500438"/>
+            <a:ext cx="287337" cy="215900"/>
+          </a:xfrm>
+          <a:prstGeom prst="ellipse">
+            <a:avLst/>
+          </a:prstGeom>
+          <a:noFill/>
+        </p:spPr>
+        <p:style>
+          <a:lnRef idx="2">
+            <a:schemeClr val="accent1">
+              <a:shade val="50000"/>
+            </a:schemeClr>
+          </a:lnRef>
+          <a:fillRef idx="1">
+            <a:schemeClr val="accent1"/>
+          </a:fillRef>
+          <a:effectRef idx="0">
+            <a:schemeClr val="accent1"/>
+          </a:effectRef>
+          <a:fontRef idx="minor">
+            <a:schemeClr val="lt1"/>
+          </a:fontRef>
+        </p:style>
+        <p:txBody>
+          <a:bodyPr anchor="ctr"/>
+          <a:lstStyle/>
+          <a:p>
+            <a:pPr algn="ctr">
+              <a:defRPr/>
+            </a:pPr>
+            <a:endParaRPr lang="et-EE"/>
+          </a:p>
+        </p:txBody>
+      </p:sp>
+      <p:sp>
+        <p:nvSpPr>
+          <p:cNvPr id="11" name="Oval 10"/>
+          <p:cNvSpPr/>
+          <p:nvPr/>
+        </p:nvSpPr>
+        <p:spPr>
+          <a:xfrm>
+            <a:off x="3203575" y="2420938"/>
+            <a:ext cx="287338" cy="287337"/>
+          </a:xfrm>
+          <a:prstGeom prst="ellipse">
+            <a:avLst/>
+          </a:prstGeom>
+          <a:noFill/>
+        </p:spPr>
+        <p:style>
+          <a:lnRef idx="2">
+            <a:schemeClr val="accent1">
+              <a:shade val="50000"/>
+            </a:schemeClr>
+          </a:lnRef>
+          <a:fillRef idx="1">
+            <a:schemeClr val="accent1"/>
+          </a:fillRef>
+          <a:effectRef idx="0">
+            <a:schemeClr val="accent1"/>
+          </a:effectRef>
+          <a:fontRef idx="minor">
+            <a:schemeClr val="lt1"/>
+          </a:fontRef>
+        </p:style>
+        <p:txBody>
+          <a:bodyPr anchor="ctr"/>
+          <a:lstStyle/>
+          <a:p>
+            <a:pPr algn="ctr">
+              <a:defRPr/>
+            </a:pPr>
+            <a:endParaRPr lang="et-EE"/>
+          </a:p>
+        </p:txBody>
+      </p:sp>
+      <p:sp>
+        <p:nvSpPr>
+          <p:cNvPr id="12" name="Oval 11"/>
+          <p:cNvSpPr/>
+          <p:nvPr/>
+        </p:nvSpPr>
+        <p:spPr>
+          <a:xfrm>
+            <a:off x="3995738" y="2420938"/>
+            <a:ext cx="287337" cy="287337"/>
+          </a:xfrm>
+          <a:prstGeom prst="ellipse">
+            <a:avLst/>
+          </a:prstGeom>
+          <a:noFill/>
+        </p:spPr>
+        <p:style>
+          <a:lnRef idx="2">
+            <a:schemeClr val="accent1">
+              <a:shade val="50000"/>
+            </a:schemeClr>
+          </a:lnRef>
+          <a:fillRef idx="1">
+            <a:schemeClr val="accent1"/>
+          </a:fillRef>
+          <a:effectRef idx="0">
+            <a:schemeClr val="accent1"/>
+          </a:effectRef>
+          <a:fontRef idx="minor">
+            <a:schemeClr val="lt1"/>
+          </a:fontRef>
+        </p:style>
+        <p:txBody>
+          <a:bodyPr anchor="ctr"/>
+          <a:lstStyle/>
+          <a:p>
+            <a:pPr algn="ctr">
+              <a:defRPr/>
+            </a:pPr>
+            <a:endParaRPr lang="et-EE"/>
+          </a:p>
+        </p:txBody>
+      </p:sp>
+      <p:sp>
+        <p:nvSpPr>
+          <p:cNvPr id="13" name="Oval 12"/>
+          <p:cNvSpPr/>
+          <p:nvPr/>
+        </p:nvSpPr>
+        <p:spPr>
+          <a:xfrm>
+            <a:off x="3851275" y="3500438"/>
+            <a:ext cx="287338" cy="288925"/>
+          </a:xfrm>
+          <a:prstGeom prst="ellipse">
+            <a:avLst/>
+          </a:prstGeom>
+          <a:noFill/>
+        </p:spPr>
+        <p:style>
+          <a:lnRef idx="2">
+            <a:schemeClr val="accent1">
+              <a:shade val="50000"/>
+            </a:schemeClr>
+          </a:lnRef>
+          <a:fillRef idx="1">
+            <a:schemeClr val="accent1"/>
+          </a:fillRef>
+          <a:effectRef idx="0">
+            <a:schemeClr val="accent1"/>
+          </a:effectRef>
+          <a:fontRef idx="minor">
+            <a:schemeClr val="lt1"/>
+          </a:fontRef>
+        </p:style>
+        <p:txBody>
+          <a:bodyPr anchor="ctr"/>
+          <a:lstStyle/>
+          <a:p>
+            <a:pPr algn="ctr">
+              <a:defRPr/>
+            </a:pPr>
+            <a:endParaRPr lang="et-EE"/>
+          </a:p>
+        </p:txBody>
+      </p:sp>
+      <p:sp>
+        <p:nvSpPr>
+          <p:cNvPr id="14" name="Oval 13"/>
+          <p:cNvSpPr/>
+          <p:nvPr/>
+        </p:nvSpPr>
+        <p:spPr>
+          <a:xfrm>
+            <a:off x="2484438" y="3573463"/>
+            <a:ext cx="287337" cy="215900"/>
+          </a:xfrm>
+          <a:prstGeom prst="ellipse">
+            <a:avLst/>
+          </a:prstGeom>
+          <a:noFill/>
+        </p:spPr>
+        <p:style>
+          <a:lnRef idx="2">
+            <a:schemeClr val="accent1">
+              <a:shade val="50000"/>
+            </a:schemeClr>
+          </a:lnRef>
+          <a:fillRef idx="1">
+            <a:schemeClr val="accent1"/>
+          </a:fillRef>
+          <a:effectRef idx="0">
+            <a:schemeClr val="accent1"/>
+          </a:effectRef>
+          <a:fontRef idx="minor">
+            <a:schemeClr val="lt1"/>
+          </a:fontRef>
+        </p:style>
+        <p:txBody>
+          <a:bodyPr anchor="ctr"/>
+          <a:lstStyle/>
+          <a:p>
+            <a:pPr algn="ctr">
+              <a:defRPr/>
+            </a:pPr>
+            <a:endParaRPr lang="et-EE"/>
+          </a:p>
+        </p:txBody>
+      </p:sp>
+      <p:sp>
+        <p:nvSpPr>
+          <p:cNvPr id="15" name="Oval 14"/>
+          <p:cNvSpPr/>
+          <p:nvPr/>
+        </p:nvSpPr>
+        <p:spPr>
+          <a:xfrm>
+            <a:off x="1835150" y="3573463"/>
+            <a:ext cx="287338" cy="215900"/>
+          </a:xfrm>
+          <a:prstGeom prst="ellipse">
+            <a:avLst/>
+          </a:prstGeom>
+          <a:noFill/>
+        </p:spPr>
+        <p:style>
+          <a:lnRef idx="2">
+            <a:schemeClr val="accent1">
+              <a:shade val="50000"/>
+            </a:schemeClr>
+          </a:lnRef>
+          <a:fillRef idx="1">
+            <a:schemeClr val="accent1"/>
+          </a:fillRef>
+          <a:effectRef idx="0">
+            <a:schemeClr val="accent1"/>
+          </a:effectRef>
+          <a:fontRef idx="minor">
+            <a:schemeClr val="lt1"/>
+          </a:fontRef>
+        </p:style>
+        <p:txBody>
+          <a:bodyPr anchor="ctr"/>
+          <a:lstStyle/>
+          <a:p>
+            <a:pPr algn="ctr">
+              <a:defRPr/>
+            </a:pPr>
+            <a:endParaRPr lang="et-EE"/>
+          </a:p>
+        </p:txBody>
+      </p:sp>
+      <p:sp>
+        <p:nvSpPr>
+          <p:cNvPr id="17" name="Oval 16"/>
+          <p:cNvSpPr/>
+          <p:nvPr/>
+        </p:nvSpPr>
+        <p:spPr>
+          <a:xfrm>
+            <a:off x="3132138" y="3573463"/>
+            <a:ext cx="287337" cy="215900"/>
+          </a:xfrm>
+          <a:prstGeom prst="ellipse">
+            <a:avLst/>
+          </a:prstGeom>
+          <a:noFill/>
+        </p:spPr>
+        <p:style>
+          <a:lnRef idx="2">
+            <a:schemeClr val="accent1">
+              <a:shade val="50000"/>
+            </a:schemeClr>
+          </a:lnRef>
+          <a:fillRef idx="1">
+            <a:schemeClr val="accent1"/>
+          </a:fillRef>
+          <a:effectRef idx="0">
+            <a:schemeClr val="accent1"/>
+          </a:effectRef>
+          <a:fontRef idx="minor">
+            <a:schemeClr val="lt1"/>
+          </a:fontRef>
+        </p:style>
+        <p:txBody>
+          <a:bodyPr anchor="ctr"/>
+          <a:lstStyle/>
+          <a:p>
+            <a:pPr algn="ctr">
+              <a:defRPr/>
+            </a:pPr>
+            <a:endParaRPr lang="et-EE"/>
+          </a:p>
+        </p:txBody>
+      </p:sp>
+      <p:sp>
+        <p:nvSpPr>
+          <p:cNvPr id="19" name="Oval 18"/>
+          <p:cNvSpPr/>
+          <p:nvPr/>
+        </p:nvSpPr>
+        <p:spPr>
+          <a:xfrm>
+            <a:off x="3492500" y="4365625"/>
+            <a:ext cx="287338" cy="287338"/>
+          </a:xfrm>
+          <a:prstGeom prst="ellipse">
+            <a:avLst/>
+          </a:prstGeom>
+          <a:noFill/>
+        </p:spPr>
+        <p:style>
+          <a:lnRef idx="2">
+            <a:schemeClr val="accent1">
+              <a:shade val="50000"/>
+            </a:schemeClr>
+          </a:lnRef>
+          <a:fillRef idx="1">
+            <a:schemeClr val="accent1"/>
+          </a:fillRef>
+          <a:effectRef idx="0">
+            <a:schemeClr val="accent1"/>
+          </a:effectRef>
+          <a:fontRef idx="minor">
+            <a:schemeClr val="lt1"/>
+          </a:fontRef>
+        </p:style>
+        <p:txBody>
+          <a:bodyPr anchor="ctr"/>
+          <a:lstStyle/>
+          <a:p>
+            <a:pPr algn="ctr">
+              <a:defRPr/>
+            </a:pPr>
+            <a:endParaRPr lang="et-EE"/>
+          </a:p>
+        </p:txBody>
+      </p:sp>
+      <p:cxnSp>
+        <p:nvCxnSpPr>
+          <p:cNvPr id="31" name="Straight Arrow Connector 30"/>
+          <p:cNvCxnSpPr>
+            <a:stCxn id="7" idx="6"/>
+          </p:cNvCxnSpPr>
+          <p:nvPr/>
+        </p:nvCxnSpPr>
+        <p:spPr>
+          <a:xfrm flipV="1">
+            <a:off x="1546225" y="2565400"/>
+            <a:ext cx="361950" cy="107950"/>
+          </a:xfrm>
+          <a:prstGeom prst="straightConnector1">
+            <a:avLst/>
+          </a:prstGeom>
+          <a:ln w="28575">
+            <a:tailEnd type="arrow"/>
+          </a:ln>
+        </p:spPr>
+        <p:style>
+          <a:lnRef idx="1">
+            <a:schemeClr val="accent1"/>
+          </a:lnRef>
+          <a:fillRef idx="0">
+            <a:schemeClr val="accent1"/>
+          </a:fillRef>
+          <a:effectRef idx="0">
+            <a:schemeClr val="accent1"/>
+          </a:effectRef>
+          <a:fontRef idx="minor">
+            <a:schemeClr val="tx1"/>
+          </a:fontRef>
+        </p:style>
+      </p:cxnSp>
+      <p:cxnSp>
+        <p:nvCxnSpPr>
+          <p:cNvPr id="33" name="Straight Arrow Connector 32"/>
+          <p:cNvCxnSpPr>
+            <a:stCxn id="8" idx="6"/>
+            <a:endCxn id="9" idx="2"/>
+          </p:cNvCxnSpPr>
+          <p:nvPr/>
+        </p:nvCxnSpPr>
+        <p:spPr>
+          <a:xfrm>
+            <a:off x="2195513" y="2528888"/>
+            <a:ext cx="360362" cy="0"/>
+          </a:xfrm>
+          <a:prstGeom prst="straightConnector1">
+            <a:avLst/>
+          </a:prstGeom>
+          <a:ln w="28575">
+            <a:tailEnd type="arrow"/>
+          </a:ln>
+        </p:spPr>
+        <p:style>
+          <a:lnRef idx="1">
+            <a:schemeClr val="accent1"/>
+          </a:lnRef>
+          <a:fillRef idx="0">
+            <a:schemeClr val="accent1"/>
+          </a:fillRef>
+          <a:effectRef idx="0">
+            <a:schemeClr val="accent1"/>
+          </a:effectRef>
+          <a:fontRef idx="minor">
+            <a:schemeClr val="tx1"/>
+          </a:fontRef>
+        </p:style>
+      </p:cxnSp>
+      <p:cxnSp>
+        <p:nvCxnSpPr>
+          <p:cNvPr id="35" name="Straight Arrow Connector 34"/>
+          <p:cNvCxnSpPr>
+            <a:stCxn id="9" idx="6"/>
+            <a:endCxn id="11" idx="2"/>
+          </p:cNvCxnSpPr>
+          <p:nvPr/>
+        </p:nvCxnSpPr>
+        <p:spPr>
+          <a:xfrm>
+            <a:off x="2843213" y="2528888"/>
+            <a:ext cx="360362" cy="36512"/>
+          </a:xfrm>
+          <a:prstGeom prst="straightConnector1">
+            <a:avLst/>
+          </a:prstGeom>
+          <a:ln w="28575">
+            <a:tailEnd type="arrow"/>
+          </a:ln>
+        </p:spPr>
+        <p:style>
+          <a:lnRef idx="1">
+            <a:schemeClr val="accent1"/>
+          </a:lnRef>
+          <a:fillRef idx="0">
+            <a:schemeClr val="accent1"/>
+          </a:fillRef>
+          <a:effectRef idx="0">
+            <a:schemeClr val="accent1"/>
+          </a:effectRef>
+          <a:fontRef idx="minor">
+            <a:schemeClr val="tx1"/>
+          </a:fontRef>
+        </p:style>
+      </p:cxnSp>
+      <p:cxnSp>
+        <p:nvCxnSpPr>
+          <p:cNvPr id="37" name="Straight Arrow Connector 36"/>
+          <p:cNvCxnSpPr>
+            <a:stCxn id="11" idx="6"/>
+            <a:endCxn id="12" idx="2"/>
+          </p:cNvCxnSpPr>
+          <p:nvPr/>
+        </p:nvCxnSpPr>
+        <p:spPr>
+          <a:xfrm>
+            <a:off x="3490913" y="2565400"/>
+            <a:ext cx="504825" cy="0"/>
+          </a:xfrm>
+          <a:prstGeom prst="straightConnector1">
+            <a:avLst/>
+          </a:prstGeom>
+          <a:ln w="28575">
+            <a:tailEnd type="arrow"/>
+          </a:ln>
+        </p:spPr>
+        <p:style>
+          <a:lnRef idx="1">
+            <a:schemeClr val="accent1"/>
+          </a:lnRef>
+          <a:fillRef idx="0">
+            <a:schemeClr val="accent1"/>
+          </a:fillRef>
+          <a:effectRef idx="0">
+            <a:schemeClr val="accent1"/>
+          </a:effectRef>
+          <a:fontRef idx="minor">
+            <a:schemeClr val="tx1"/>
+          </a:fontRef>
+        </p:style>
+      </p:cxnSp>
+      <p:cxnSp>
+        <p:nvCxnSpPr>
+          <p:cNvPr id="39" name="Straight Arrow Connector 38"/>
+          <p:cNvCxnSpPr/>
+          <p:nvPr/>
+        </p:nvCxnSpPr>
+        <p:spPr>
+          <a:xfrm>
+            <a:off x="1906588" y="4400550"/>
+            <a:ext cx="649287" cy="36513"/>
+          </a:xfrm>
+          <a:prstGeom prst="straightConnector1">
+            <a:avLst/>
+          </a:prstGeom>
+          <a:ln w="28575">
+            <a:tailEnd type="arrow"/>
+          </a:ln>
+        </p:spPr>
+        <p:style>
+          <a:lnRef idx="1">
+            <a:schemeClr val="accent1"/>
+          </a:lnRef>
+          <a:fillRef idx="0">
+            <a:schemeClr val="accent1"/>
+          </a:fillRef>
+          <a:effectRef idx="0">
+            <a:schemeClr val="accent1"/>
+          </a:effectRef>
+          <a:fontRef idx="minor">
+            <a:schemeClr val="tx1"/>
+          </a:fontRef>
+        </p:style>
+      </p:cxnSp>
+      <p:cxnSp>
+        <p:nvCxnSpPr>
+          <p:cNvPr id="41" name="Straight Arrow Connector 40"/>
+          <p:cNvCxnSpPr>
+            <a:endCxn id="19" idx="2"/>
+          </p:cNvCxnSpPr>
+          <p:nvPr/>
+        </p:nvCxnSpPr>
+        <p:spPr>
+          <a:xfrm>
+            <a:off x="2843213" y="4473575"/>
+            <a:ext cx="649287" cy="34925"/>
+          </a:xfrm>
+          <a:prstGeom prst="straightConnector1">
+            <a:avLst/>
+          </a:prstGeom>
+          <a:ln w="28575">
+            <a:tailEnd type="arrow"/>
+          </a:ln>
+        </p:spPr>
+        <p:style>
+          <a:lnRef idx="1">
+            <a:schemeClr val="accent1"/>
+          </a:lnRef>
+          <a:fillRef idx="0">
+            <a:schemeClr val="accent1"/>
+          </a:fillRef>
+          <a:effectRef idx="0">
+            <a:schemeClr val="accent1"/>
+          </a:effectRef>
+          <a:fontRef idx="minor">
+            <a:schemeClr val="tx1"/>
+          </a:fontRef>
+        </p:style>
+      </p:cxnSp>
+      <p:cxnSp>
+        <p:nvCxnSpPr>
+          <p:cNvPr id="43" name="Straight Arrow Connector 42"/>
+          <p:cNvCxnSpPr/>
+          <p:nvPr/>
+        </p:nvCxnSpPr>
+        <p:spPr>
+          <a:xfrm>
+            <a:off x="900113" y="3068638"/>
+            <a:ext cx="257175" cy="463550"/>
+          </a:xfrm>
+          <a:prstGeom prst="straightConnector1">
+            <a:avLst/>
+          </a:prstGeom>
+          <a:ln w="28575">
+            <a:tailEnd type="arrow"/>
+          </a:ln>
+        </p:spPr>
+        <p:style>
+          <a:lnRef idx="1">
+            <a:schemeClr val="accent1"/>
+          </a:lnRef>
+          <a:fillRef idx="0">
+            <a:schemeClr val="accent1"/>
+          </a:fillRef>
+          <a:effectRef idx="0">
+            <a:schemeClr val="accent1"/>
+          </a:effectRef>
+          <a:fontRef idx="minor">
+            <a:schemeClr val="tx1"/>
+          </a:fontRef>
+        </p:style>
+      </p:cxnSp>
+      <p:cxnSp>
+        <p:nvCxnSpPr>
+          <p:cNvPr id="47" name="Shape 46"/>
+          <p:cNvCxnSpPr/>
+          <p:nvPr/>
+        </p:nvCxnSpPr>
+        <p:spPr>
+          <a:xfrm rot="16200000" flipH="1">
+            <a:off x="484982" y="3339306"/>
+            <a:ext cx="1363662" cy="822325"/>
+          </a:xfrm>
+          <a:prstGeom prst="curvedConnector2">
+            <a:avLst/>
+          </a:prstGeom>
+          <a:ln w="28575">
+            <a:tailEnd type="arrow"/>
+          </a:ln>
+        </p:spPr>
+        <p:style>
+          <a:lnRef idx="1">
+            <a:schemeClr val="accent1"/>
+          </a:lnRef>
+          <a:fillRef idx="0">
+            <a:schemeClr val="accent1"/>
+          </a:fillRef>
+          <a:effectRef idx="0">
+            <a:schemeClr val="accent1"/>
+          </a:effectRef>
+          <a:fontRef idx="minor">
+            <a:schemeClr val="tx1"/>
+          </a:fontRef>
+        </p:style>
+      </p:cxnSp>
+      <p:cxnSp>
+        <p:nvCxnSpPr>
+          <p:cNvPr id="49" name="Straight Arrow Connector 48"/>
+          <p:cNvCxnSpPr>
+            <a:stCxn id="10" idx="6"/>
+            <a:endCxn id="15" idx="2"/>
+          </p:cNvCxnSpPr>
+          <p:nvPr/>
+        </p:nvCxnSpPr>
+        <p:spPr>
+          <a:xfrm>
+            <a:off x="1403350" y="3608388"/>
+            <a:ext cx="431800" cy="73025"/>
+          </a:xfrm>
+          <a:prstGeom prst="straightConnector1">
+            <a:avLst/>
+          </a:prstGeom>
+          <a:ln w="28575">
+            <a:tailEnd type="arrow"/>
+          </a:ln>
+        </p:spPr>
+        <p:style>
+          <a:lnRef idx="1">
+            <a:schemeClr val="accent1"/>
+          </a:lnRef>
+          <a:fillRef idx="0">
+            <a:schemeClr val="accent1"/>
+          </a:fillRef>
+          <a:effectRef idx="0">
+            <a:schemeClr val="accent1"/>
+          </a:effectRef>
+          <a:fontRef idx="minor">
+            <a:schemeClr val="tx1"/>
+          </a:fontRef>
+        </p:style>
+      </p:cxnSp>
+      <p:cxnSp>
+        <p:nvCxnSpPr>
+          <p:cNvPr id="51" name="Straight Arrow Connector 50"/>
+          <p:cNvCxnSpPr>
+            <a:stCxn id="15" idx="6"/>
+            <a:endCxn id="14" idx="2"/>
+          </p:cNvCxnSpPr>
+          <p:nvPr/>
+        </p:nvCxnSpPr>
+        <p:spPr>
+          <a:xfrm>
+            <a:off x="2122488" y="3681413"/>
+            <a:ext cx="361950" cy="0"/>
+          </a:xfrm>
+          <a:prstGeom prst="straightConnector1">
+            <a:avLst/>
+          </a:prstGeom>
+          <a:ln w="28575">
+            <a:tailEnd type="arrow"/>
+          </a:ln>
+        </p:spPr>
+        <p:style>
+          <a:lnRef idx="1">
+            <a:schemeClr val="accent1"/>
+          </a:lnRef>
+          <a:fillRef idx="0">
+            <a:schemeClr val="accent1"/>
+          </a:fillRef>
+          <a:effectRef idx="0">
+            <a:schemeClr val="accent1"/>
+          </a:effectRef>
+          <a:fontRef idx="minor">
+            <a:schemeClr val="tx1"/>
+          </a:fontRef>
+        </p:style>
+      </p:cxnSp>
+      <p:cxnSp>
+        <p:nvCxnSpPr>
+          <p:cNvPr id="53" name="Straight Arrow Connector 52"/>
+          <p:cNvCxnSpPr>
+            <a:stCxn id="14" idx="6"/>
+            <a:endCxn id="17" idx="2"/>
+          </p:cNvCxnSpPr>
+          <p:nvPr/>
+        </p:nvCxnSpPr>
+        <p:spPr>
+          <a:xfrm>
+            <a:off x="2771775" y="3681413"/>
+            <a:ext cx="360363" cy="0"/>
+          </a:xfrm>
+          <a:prstGeom prst="straightConnector1">
+            <a:avLst/>
+          </a:prstGeom>
+          <a:ln w="28575">
+            <a:tailEnd type="arrow"/>
+          </a:ln>
+        </p:spPr>
+        <p:style>
+          <a:lnRef idx="1">
+            <a:schemeClr val="accent1"/>
+          </a:lnRef>
+          <a:fillRef idx="0">
+            <a:schemeClr val="accent1"/>
+          </a:fillRef>
+          <a:effectRef idx="0">
+            <a:schemeClr val="accent1"/>
+          </a:effectRef>
+          <a:fontRef idx="minor">
+            <a:schemeClr val="tx1"/>
+          </a:fontRef>
+        </p:style>
+      </p:cxnSp>
+      <p:cxnSp>
+        <p:nvCxnSpPr>
+          <p:cNvPr id="55" name="Straight Arrow Connector 54"/>
+          <p:cNvCxnSpPr>
+            <a:stCxn id="17" idx="6"/>
+            <a:endCxn id="13" idx="2"/>
+          </p:cNvCxnSpPr>
+          <p:nvPr/>
+        </p:nvCxnSpPr>
+        <p:spPr>
+          <a:xfrm flipV="1">
+            <a:off x="3419475" y="3644900"/>
+            <a:ext cx="431800" cy="36513"/>
+          </a:xfrm>
+          <a:prstGeom prst="straightConnector1">
+            <a:avLst/>
+          </a:prstGeom>
+          <a:ln w="28575">
+            <a:tailEnd type="arrow"/>
+          </a:ln>
+        </p:spPr>
+        <p:style>
+          <a:lnRef idx="1">
+            <a:schemeClr val="accent1"/>
+          </a:lnRef>
+          <a:fillRef idx="0">
+            <a:schemeClr val="accent1"/>
+          </a:fillRef>
+          <a:effectRef idx="0">
+            <a:schemeClr val="accent1"/>
+          </a:effectRef>
+          <a:fontRef idx="minor">
+            <a:schemeClr val="tx1"/>
+          </a:fontRef>
+        </p:style>
+      </p:cxnSp>
+      <p:cxnSp>
+        <p:nvCxnSpPr>
+          <p:cNvPr id="57" name="Straight Arrow Connector 56"/>
+          <p:cNvCxnSpPr>
+            <a:stCxn id="19" idx="7"/>
+          </p:cNvCxnSpPr>
+          <p:nvPr/>
+        </p:nvCxnSpPr>
+        <p:spPr>
+          <a:xfrm flipV="1">
+            <a:off x="3736975" y="3789363"/>
+            <a:ext cx="187325" cy="617537"/>
+          </a:xfrm>
+          <a:prstGeom prst="straightConnector1">
+            <a:avLst/>
+          </a:prstGeom>
+          <a:ln w="28575">
+            <a:tailEnd type="arrow"/>
+          </a:ln>
+        </p:spPr>
+        <p:style>
+          <a:lnRef idx="1">
+            <a:schemeClr val="accent1"/>
+          </a:lnRef>
+          <a:fillRef idx="0">
+            <a:schemeClr val="accent1"/>
+          </a:fillRef>
+          <a:effectRef idx="0">
+            <a:schemeClr val="accent1"/>
+          </a:effectRef>
+          <a:fontRef idx="minor">
+            <a:schemeClr val="tx1"/>
+          </a:fontRef>
+        </p:style>
+      </p:cxnSp>
+      <p:cxnSp>
+        <p:nvCxnSpPr>
+          <p:cNvPr id="59" name="Straight Arrow Connector 58"/>
+          <p:cNvCxnSpPr>
+            <a:stCxn id="13" idx="1"/>
+            <a:endCxn id="11" idx="5"/>
+          </p:cNvCxnSpPr>
+          <p:nvPr/>
+        </p:nvCxnSpPr>
+        <p:spPr>
+          <a:xfrm flipH="1" flipV="1">
+            <a:off x="3449638" y="2667000"/>
+            <a:ext cx="444500" cy="876300"/>
+          </a:xfrm>
+          <a:prstGeom prst="straightConnector1">
+            <a:avLst/>
+          </a:prstGeom>
+          <a:ln w="28575">
+            <a:tailEnd type="arrow"/>
+          </a:ln>
+        </p:spPr>
+        <p:style>
+          <a:lnRef idx="1">
+            <a:schemeClr val="accent1"/>
+          </a:lnRef>
+          <a:fillRef idx="0">
+            <a:schemeClr val="accent1"/>
+          </a:fillRef>
+          <a:effectRef idx="0">
+            <a:schemeClr val="accent1"/>
+          </a:effectRef>
+          <a:fontRef idx="minor">
+            <a:schemeClr val="tx1"/>
+          </a:fontRef>
+        </p:style>
+      </p:cxnSp>
+      <p:sp>
+        <p:nvSpPr>
+          <p:cNvPr id="60" name="Oval 59"/>
+          <p:cNvSpPr/>
+          <p:nvPr/>
+        </p:nvSpPr>
+        <p:spPr>
+          <a:xfrm>
+            <a:off x="3276600" y="2492375"/>
+            <a:ext cx="142875" cy="144463"/>
+          </a:xfrm>
+          <a:prstGeom prst="ellipse">
+            <a:avLst/>
+          </a:prstGeom>
+          <a:noFill/>
+        </p:spPr>
+        <p:style>
+          <a:lnRef idx="2">
+            <a:schemeClr val="accent1">
+              <a:shade val="50000"/>
+            </a:schemeClr>
+          </a:lnRef>
+          <a:fillRef idx="1">
+            <a:schemeClr val="accent1"/>
+          </a:fillRef>
+          <a:effectRef idx="0">
+            <a:schemeClr val="accent1"/>
+          </a:effectRef>
+          <a:fontRef idx="minor">
+            <a:schemeClr val="lt1"/>
+          </a:fontRef>
+        </p:style>
+        <p:txBody>
+          <a:bodyPr anchor="ctr"/>
+          <a:lstStyle/>
+          <a:p>
+            <a:pPr algn="ctr">
+              <a:defRPr/>
+            </a:pPr>
+            <a:endParaRPr lang="et-EE"/>
+          </a:p>
+        </p:txBody>
+      </p:sp>
+      <p:sp>
+        <p:nvSpPr>
+          <p:cNvPr id="65" name="Oval 64"/>
+          <p:cNvSpPr/>
+          <p:nvPr/>
+        </p:nvSpPr>
+        <p:spPr>
+          <a:xfrm>
+            <a:off x="4067175" y="2492375"/>
+            <a:ext cx="144463" cy="144463"/>
+          </a:xfrm>
+          <a:prstGeom prst="ellipse">
+            <a:avLst/>
+          </a:prstGeom>
+          <a:noFill/>
+        </p:spPr>
+        <p:style>
+          <a:lnRef idx="2">
+            <a:schemeClr val="accent1">
+              <a:shade val="50000"/>
+            </a:schemeClr>
+          </a:lnRef>
+          <a:fillRef idx="1">
+            <a:schemeClr val="accent1"/>
+          </a:fillRef>
+          <a:effectRef idx="0">
+            <a:schemeClr val="accent1"/>
+          </a:effectRef>
+          <a:fontRef idx="minor">
+            <a:schemeClr val="lt1"/>
+          </a:fontRef>
+        </p:style>
+        <p:txBody>
+          <a:bodyPr anchor="ctr"/>
+          <a:lstStyle/>
+          <a:p>
+            <a:pPr algn="ctr">
+              <a:defRPr/>
+            </a:pPr>
+            <a:endParaRPr lang="et-EE"/>
+          </a:p>
+        </p:txBody>
+      </p:sp>
+      <p:sp>
+        <p:nvSpPr>
+          <p:cNvPr id="67" name="Oval 66"/>
+          <p:cNvSpPr/>
+          <p:nvPr/>
+        </p:nvSpPr>
+        <p:spPr>
+          <a:xfrm>
+            <a:off x="3924300" y="3573463"/>
+            <a:ext cx="142875" cy="142875"/>
+          </a:xfrm>
+          <a:prstGeom prst="ellipse">
+            <a:avLst/>
+          </a:prstGeom>
+          <a:noFill/>
+        </p:spPr>
+        <p:style>
+          <a:lnRef idx="2">
+            <a:schemeClr val="accent1">
+              <a:shade val="50000"/>
+            </a:schemeClr>
+          </a:lnRef>
+          <a:fillRef idx="1">
+            <a:schemeClr val="accent1"/>
+          </a:fillRef>
+          <a:effectRef idx="0">
+            <a:schemeClr val="accent1"/>
+          </a:effectRef>
+          <a:fontRef idx="minor">
+            <a:schemeClr val="lt1"/>
+          </a:fontRef>
+        </p:style>
+        <p:txBody>
+          <a:bodyPr anchor="ctr"/>
+          <a:lstStyle/>
+          <a:p>
+            <a:pPr algn="ctr">
+              <a:defRPr/>
+            </a:pPr>
+            <a:endParaRPr lang="et-EE"/>
+          </a:p>
+        </p:txBody>
+      </p:sp>
+      <p:sp>
+        <p:nvSpPr>
+          <p:cNvPr id="78" name="Oval 77"/>
+          <p:cNvSpPr/>
+          <p:nvPr/>
+        </p:nvSpPr>
+        <p:spPr>
+          <a:xfrm>
+            <a:off x="684213" y="2781300"/>
+            <a:ext cx="287337" cy="287338"/>
+          </a:xfrm>
+          <a:prstGeom prst="ellipse">
+            <a:avLst/>
+          </a:prstGeom>
+          <a:noFill/>
+        </p:spPr>
+        <p:style>
+          <a:lnRef idx="2">
+            <a:schemeClr val="accent1">
+              <a:shade val="50000"/>
+            </a:schemeClr>
+          </a:lnRef>
+          <a:fillRef idx="1">
+            <a:schemeClr val="accent1"/>
+          </a:fillRef>
+          <a:effectRef idx="0">
+            <a:schemeClr val="accent1"/>
+          </a:effectRef>
+          <a:fontRef idx="minor">
+            <a:schemeClr val="lt1"/>
+          </a:fontRef>
+        </p:style>
+        <p:txBody>
+          <a:bodyPr anchor="ctr"/>
+          <a:lstStyle/>
+          <a:p>
+            <a:pPr algn="ctr">
+              <a:defRPr/>
+            </a:pPr>
+            <a:endParaRPr lang="et-EE"/>
+          </a:p>
+        </p:txBody>
+      </p:sp>
+      <p:sp>
+        <p:nvSpPr>
+          <p:cNvPr id="79" name="Oval 78"/>
+          <p:cNvSpPr/>
+          <p:nvPr/>
+        </p:nvSpPr>
+        <p:spPr>
+          <a:xfrm>
+            <a:off x="1619250" y="4292600"/>
+            <a:ext cx="287338" cy="288925"/>
+          </a:xfrm>
+          <a:prstGeom prst="ellipse">
+            <a:avLst/>
+          </a:prstGeom>
+          <a:noFill/>
+        </p:spPr>
+        <p:style>
+          <a:lnRef idx="2">
+            <a:schemeClr val="accent1">
+              <a:shade val="50000"/>
+            </a:schemeClr>
+          </a:lnRef>
+          <a:fillRef idx="1">
+            <a:schemeClr val="accent1"/>
+          </a:fillRef>
+          <a:effectRef idx="0">
+            <a:schemeClr val="accent1"/>
+          </a:effectRef>
+          <a:fontRef idx="minor">
+            <a:schemeClr val="lt1"/>
+          </a:fontRef>
+        </p:style>
+        <p:txBody>
+          <a:bodyPr anchor="ctr"/>
+          <a:lstStyle/>
+          <a:p>
+            <a:pPr algn="ctr">
+              <a:defRPr/>
+            </a:pPr>
+            <a:endParaRPr lang="et-EE"/>
+          </a:p>
+        </p:txBody>
+      </p:sp>
+      <p:sp>
+        <p:nvSpPr>
+          <p:cNvPr id="80" name="Oval 79"/>
+          <p:cNvSpPr/>
+          <p:nvPr/>
+        </p:nvSpPr>
+        <p:spPr>
+          <a:xfrm>
+            <a:off x="2555875" y="4292600"/>
+            <a:ext cx="287338" cy="288925"/>
+          </a:xfrm>
+          <a:prstGeom prst="ellipse">
+            <a:avLst/>
+          </a:prstGeom>
+          <a:noFill/>
+        </p:spPr>
+        <p:style>
+          <a:lnRef idx="2">
+            <a:schemeClr val="accent1">
+              <a:shade val="50000"/>
+            </a:schemeClr>
+          </a:lnRef>
+          <a:fillRef idx="1">
+            <a:schemeClr val="accent1"/>
+          </a:fillRef>
+          <a:effectRef idx="0">
+            <a:schemeClr val="accent1"/>
+          </a:effectRef>
+          <a:fontRef idx="minor">
+            <a:schemeClr val="lt1"/>
+          </a:fontRef>
+        </p:style>
+        <p:txBody>
+          <a:bodyPr anchor="ctr"/>
+          <a:lstStyle/>
+          <a:p>
+            <a:pPr algn="ctr">
+              <a:defRPr/>
+            </a:pPr>
+            <a:endParaRPr lang="et-EE"/>
+          </a:p>
+        </p:txBody>
+      </p:sp>
+      <p:cxnSp>
+        <p:nvCxnSpPr>
+          <p:cNvPr id="82" name="Shape 81"/>
+          <p:cNvCxnSpPr/>
+          <p:nvPr/>
+        </p:nvCxnSpPr>
+        <p:spPr>
+          <a:xfrm flipV="1">
+            <a:off x="971550" y="2781300"/>
+            <a:ext cx="431800" cy="287338"/>
+          </a:xfrm>
+          <a:prstGeom prst="curvedConnector2">
+            <a:avLst/>
+          </a:prstGeom>
+          <a:ln w="28575">
+            <a:tailEnd type="arrow"/>
+          </a:ln>
+        </p:spPr>
+        <p:style>
+          <a:lnRef idx="1">
+            <a:schemeClr val="accent1"/>
+          </a:lnRef>
+          <a:fillRef idx="0">
+            <a:schemeClr val="accent1"/>
+          </a:fillRef>
+          <a:effectRef idx="0">
+            <a:schemeClr val="accent1"/>
+          </a:effectRef>
+          <a:fontRef idx="minor">
+            <a:schemeClr val="tx1"/>
+          </a:fontRef>
+        </p:style>
+      </p:cxnSp>
+      <p:cxnSp>
+        <p:nvCxnSpPr>
+          <p:cNvPr id="84" name="Shape 83"/>
+          <p:cNvCxnSpPr>
+            <a:stCxn id="78" idx="7"/>
+          </p:cNvCxnSpPr>
+          <p:nvPr/>
+        </p:nvCxnSpPr>
+        <p:spPr>
+          <a:xfrm rot="5400000" flipH="1" flipV="1">
+            <a:off x="1000919" y="2564607"/>
+            <a:ext cx="185737" cy="330200"/>
+          </a:xfrm>
+          <a:prstGeom prst="curvedConnector2">
+            <a:avLst/>
+          </a:prstGeom>
+          <a:ln w="28575">
+            <a:tailEnd type="arrow"/>
+          </a:ln>
+        </p:spPr>
+        <p:style>
+          <a:lnRef idx="1">
+            <a:schemeClr val="accent1"/>
+          </a:lnRef>
+          <a:fillRef idx="0">
+            <a:schemeClr val="accent1"/>
+          </a:fillRef>
+          <a:effectRef idx="0">
+            <a:schemeClr val="accent1"/>
+          </a:effectRef>
+          <a:fontRef idx="minor">
+            <a:schemeClr val="tx1"/>
+          </a:fontRef>
+        </p:style>
+      </p:cxnSp>
     </p:spTree>
   </p:cSld>
   <p:clrMapOvr>
@@ -9475,7 +10403,7 @@
       </p:grpSpPr>
       <p:sp>
         <p:nvSpPr>
-          <p:cNvPr id="13314" name="Title 1"/>
+          <p:cNvPr id="14338" name="Title 1"/>
           <p:cNvSpPr>
             <a:spLocks noGrp="1"/>
           </p:cNvSpPr>
@@ -9490,14 +10418,14 @@
           <a:p>
             <a:r>
               <a:rPr lang="et-EE" smtClean="0"/>
-              <a:t>Lihtne sõnastik (12 vormi)</a:t>
-            </a:r>
-          </a:p>
-        </p:txBody>
-      </p:sp>
-      <p:sp>
-        <p:nvSpPr>
-          <p:cNvPr id="13315" name="Content Placeholder 2"/>
+              <a:t>Lihtne vigane sõnastik</a:t>
+            </a:r>
+          </a:p>
+        </p:txBody>
+      </p:sp>
+      <p:sp>
+        <p:nvSpPr>
+          <p:cNvPr id="14339" name="Content Placeholder 2"/>
           <p:cNvSpPr>
             <a:spLocks noGrp="1"/>
           </p:cNvSpPr>
@@ -9582,7 +10510,7 @@
             </a:r>
             <a:r>
               <a:rPr lang="et-EE" sz="2400" smtClean="0"/>
-              <a:t> t                                    i</a:t>
+              <a:t> t                                     i</a:t>
             </a:r>
           </a:p>
           <a:p>
@@ -9628,8 +10556,9 @@
             </a:pPr>
             <a:r>
               <a:rPr lang="et-EE" sz="2400" smtClean="0"/>
-              <a:t>       p          o            s       t</a:t>
-            </a:r>
+              <a:t>p                o            s        t</a:t>
+            </a:r>
+            <a:endParaRPr lang="et-EE" sz="800" smtClean="0"/>
           </a:p>
           <a:p>
             <a:pPr indent="0">
@@ -9639,7 +10568,7 @@
               <a:buFont typeface="Arial" charset="0"/>
               <a:buNone/>
             </a:pPr>
-            <a:endParaRPr lang="et-EE" sz="2400" smtClean="0"/>
+            <a:endParaRPr lang="et-EE" sz="800" smtClean="0"/>
           </a:p>
           <a:p>
             <a:pPr indent="0">
@@ -9649,7 +10578,18 @@
               <a:buFont typeface="Arial" charset="0"/>
               <a:buNone/>
             </a:pPr>
-            <a:endParaRPr lang="et-EE" sz="2400" smtClean="0"/>
+            <a:r>
+              <a:rPr lang="et-EE" sz="2400" smtClean="0"/>
+              <a:t>                                </a:t>
+            </a:r>
+            <a:r>
+              <a:rPr lang="et-EE" sz="2400" smtClean="0">
+                <a:solidFill>
+                  <a:srgbClr val="FF0000"/>
+                </a:solidFill>
+              </a:rPr>
+              <a:t>t</a:t>
+            </a:r>
           </a:p>
           <a:p>
             <a:pPr indent="0">
@@ -9671,7 +10611,72 @@
             </a:pPr>
             <a:r>
               <a:rPr lang="et-EE" sz="2400" smtClean="0"/>
-              <a:t>kala, tala, redel, post: a. nim, a. om, mitm. nim.</a:t>
+              <a:t>                                  </a:t>
+            </a:r>
+            <a:r>
+              <a:rPr lang="et-EE" sz="2400" smtClean="0">
+                <a:solidFill>
+                  <a:srgbClr val="FF0000"/>
+                </a:solidFill>
+              </a:rPr>
+              <a:t>l</a:t>
+            </a:r>
+          </a:p>
+          <a:p>
+            <a:pPr indent="0">
+              <a:spcBef>
+                <a:spcPct val="0"/>
+              </a:spcBef>
+              <a:buFont typeface="Arial" charset="0"/>
+              <a:buNone/>
+            </a:pPr>
+            <a:r>
+              <a:rPr lang="et-EE" sz="2400" smtClean="0"/>
+              <a:t>post, posti, postid, polt, </a:t>
+            </a:r>
+            <a:r>
+              <a:rPr lang="et-EE" sz="2400" smtClean="0">
+                <a:solidFill>
+                  <a:srgbClr val="FF0000"/>
+                </a:solidFill>
+              </a:rPr>
+              <a:t>polti</a:t>
+            </a:r>
+            <a:r>
+              <a:rPr lang="et-EE" sz="2400" smtClean="0"/>
+              <a:t>,</a:t>
+            </a:r>
+            <a:r>
+              <a:rPr lang="et-EE" sz="2400" smtClean="0">
+                <a:solidFill>
+                  <a:srgbClr val="FF0000"/>
+                </a:solidFill>
+              </a:rPr>
+              <a:t> poltid</a:t>
+            </a:r>
+            <a:r>
+              <a:rPr lang="et-EE" sz="2400" smtClean="0"/>
+              <a:t>, pott, </a:t>
+            </a:r>
+            <a:r>
+              <a:rPr lang="et-EE" sz="2400" smtClean="0">
+                <a:solidFill>
+                  <a:srgbClr val="FF0000"/>
+                </a:solidFill>
+              </a:rPr>
+              <a:t>potti</a:t>
+            </a:r>
+            <a:r>
+              <a:rPr lang="et-EE" sz="2400" smtClean="0"/>
+              <a:t>,</a:t>
+            </a:r>
+            <a:r>
+              <a:rPr lang="et-EE" sz="2400" smtClean="0">
+                <a:solidFill>
+                  <a:srgbClr val="FF0000"/>
+                </a:solidFill>
+              </a:rPr>
+              <a:t> pottid</a:t>
             </a:r>
           </a:p>
         </p:txBody>
@@ -10967,6 +11972,131 @@
           </a:fontRef>
         </p:style>
       </p:cxnSp>
+      <p:cxnSp>
+        <p:nvCxnSpPr>
+          <p:cNvPr id="44" name="Curved Connector 43"/>
+          <p:cNvCxnSpPr>
+            <a:stCxn id="80" idx="4"/>
+            <a:endCxn id="19" idx="4"/>
+          </p:cNvCxnSpPr>
+          <p:nvPr/>
+        </p:nvCxnSpPr>
+        <p:spPr>
+          <a:xfrm rot="16200000" flipH="1">
+            <a:off x="3131344" y="4148931"/>
+            <a:ext cx="71438" cy="936625"/>
+          </a:xfrm>
+          <a:prstGeom prst="curvedConnector3">
+            <a:avLst>
+              <a:gd name="adj1" fmla="val 417465"/>
+            </a:avLst>
+          </a:prstGeom>
+          <a:ln w="28575">
+            <a:tailEnd type="arrow"/>
+          </a:ln>
+        </p:spPr>
+        <p:style>
+          <a:lnRef idx="1">
+            <a:schemeClr val="accent1"/>
+          </a:lnRef>
+          <a:fillRef idx="0">
+            <a:schemeClr val="accent1"/>
+          </a:fillRef>
+          <a:effectRef idx="0">
+            <a:schemeClr val="accent1"/>
+          </a:effectRef>
+          <a:fontRef idx="minor">
+            <a:schemeClr val="tx1"/>
+          </a:fontRef>
+        </p:style>
+      </p:cxnSp>
+      <p:cxnSp>
+        <p:nvCxnSpPr>
+          <p:cNvPr id="58" name="Curved Connector 57"/>
+          <p:cNvCxnSpPr/>
+          <p:nvPr/>
+        </p:nvCxnSpPr>
+        <p:spPr>
+          <a:xfrm rot="16200000" flipH="1">
+            <a:off x="3132138" y="4149725"/>
+            <a:ext cx="71438" cy="935037"/>
+          </a:xfrm>
+          <a:prstGeom prst="curvedConnector3">
+            <a:avLst>
+              <a:gd name="adj1" fmla="val 1327931"/>
+            </a:avLst>
+          </a:prstGeom>
+          <a:ln w="28575">
+            <a:tailEnd type="arrow"/>
+          </a:ln>
+        </p:spPr>
+        <p:style>
+          <a:lnRef idx="1">
+            <a:schemeClr val="accent1"/>
+          </a:lnRef>
+          <a:fillRef idx="0">
+            <a:schemeClr val="accent1"/>
+          </a:fillRef>
+          <a:effectRef idx="0">
+            <a:schemeClr val="accent1"/>
+          </a:effectRef>
+          <a:fontRef idx="minor">
+            <a:schemeClr val="tx1"/>
+          </a:fontRef>
+        </p:style>
+      </p:cxnSp>
+      <p:sp>
+        <p:nvSpPr>
+          <p:cNvPr id="63" name="Oval 62"/>
+          <p:cNvSpPr/>
+          <p:nvPr/>
+        </p:nvSpPr>
+        <p:spPr>
+          <a:xfrm rot="20006507">
+            <a:off x="3240088" y="1814513"/>
+            <a:ext cx="1323975" cy="2087562"/>
+          </a:xfrm>
+          <a:prstGeom prst="ellipse">
+            <a:avLst/>
+          </a:prstGeom>
+          <a:noFill/>
+          <a:ln>
+            <a:solidFill>
+              <a:srgbClr val="FF0000"/>
+            </a:solidFill>
+          </a:ln>
+        </p:spPr>
+        <p:style>
+          <a:lnRef idx="2">
+            <a:schemeClr val="accent1">
+              <a:shade val="50000"/>
+            </a:schemeClr>
+          </a:lnRef>
+          <a:fillRef idx="1">
+            <a:schemeClr val="accent1"/>
+          </a:fillRef>
+          <a:effectRef idx="0">
+            <a:schemeClr val="accent1"/>
+          </a:effectRef>
+          <a:fontRef idx="minor">
+            <a:schemeClr val="lt1"/>
+          </a:fontRef>
+        </p:style>
+        <p:txBody>
+          <a:bodyPr anchor="ctr"/>
+          <a:lstStyle/>
+          <a:p>
+            <a:pPr algn="ctr">
+              <a:defRPr/>
+            </a:pPr>
+            <a:endParaRPr lang="et-EE" dirty="0">
+              <a:solidFill>
+                <a:srgbClr val="FF0000"/>
+              </a:solidFill>
+            </a:endParaRPr>
+          </a:p>
+        </p:txBody>
+      </p:sp>
     </p:spTree>
   </p:cSld>
   <p:clrMapOvr>
@@ -10994,7 +12124,7 @@
       </p:grpSpPr>
       <p:sp>
         <p:nvSpPr>
-          <p:cNvPr id="14338" name="Title 1"/>
+          <p:cNvPr id="16386" name="Title 1"/>
           <p:cNvSpPr>
             <a:spLocks noGrp="1"/>
           </p:cNvSpPr>
@@ -11004,19 +12134,21 @@
         </p:nvSpPr>
         <p:spPr/>
         <p:txBody>
-          <a:bodyPr/>
+          <a:bodyPr>
+            <a:normAutofit fontScale="90000"/>
+          </a:bodyPr>
           <a:lstStyle/>
           <a:p>
             <a:r>
               <a:rPr lang="et-EE" smtClean="0"/>
-              <a:t>Lihtne vigane sõnastik</a:t>
-            </a:r>
-          </a:p>
-        </p:txBody>
-      </p:sp>
-      <p:sp>
-        <p:nvSpPr>
-          <p:cNvPr id="14339" name="Content Placeholder 2"/>
+              <a:t>Kuidas mugavalt teha õigeid sõnastikke?</a:t>
+            </a:r>
+          </a:p>
+        </p:txBody>
+      </p:sp>
+      <p:sp>
+        <p:nvSpPr>
+          <p:cNvPr id="16387" name="Content Placeholder 2"/>
           <p:cNvSpPr>
             <a:spLocks noGrp="1"/>
           </p:cNvSpPr>
@@ -11026,1665 +12158,37 @@
         </p:nvSpPr>
         <p:spPr>
           <a:xfrm>
-            <a:off x="374650" y="1557338"/>
-            <a:ext cx="8229600" cy="4525962"/>
+            <a:off x="457200" y="1628775"/>
+            <a:ext cx="8229600" cy="4525963"/>
           </a:xfrm>
         </p:spPr>
         <p:txBody>
           <a:bodyPr/>
           <a:lstStyle/>
           <a:p>
-            <a:pPr indent="0">
-              <a:spcBef>
-                <a:spcPct val="0"/>
-              </a:spcBef>
+            <a:pPr>
               <a:buFont typeface="Arial" charset="0"/>
               <a:buNone/>
             </a:pPr>
-            <a:endParaRPr lang="et-EE" sz="1200" smtClean="0"/>
-          </a:p>
-          <a:p>
-            <a:pPr indent="0">
-              <a:spcBef>
-                <a:spcPct val="0"/>
-              </a:spcBef>
-              <a:buFont typeface="Arial" charset="0"/>
-              <a:buNone/>
-            </a:pPr>
-            <a:endParaRPr lang="et-EE" sz="1200" smtClean="0"/>
-          </a:p>
-          <a:p>
-            <a:pPr indent="0">
-              <a:spcBef>
-                <a:spcPct val="0"/>
-              </a:spcBef>
-              <a:buFont typeface="Arial" charset="0"/>
-              <a:buNone/>
-            </a:pPr>
-            <a:r>
-              <a:rPr lang="et-EE" sz="1200" smtClean="0"/>
-              <a:t>                      </a:t>
-            </a:r>
-            <a:r>
-              <a:rPr lang="et-EE" sz="2400" smtClean="0"/>
-              <a:t>a        l         a        d</a:t>
-            </a:r>
-          </a:p>
-          <a:p>
-            <a:pPr indent="0">
-              <a:spcBef>
-                <a:spcPct val="0"/>
-              </a:spcBef>
-              <a:buFont typeface="Arial" charset="0"/>
-              <a:buNone/>
-            </a:pPr>
-            <a:r>
-              <a:rPr lang="et-EE" sz="1200" smtClean="0"/>
-              <a:t>    </a:t>
-            </a:r>
-            <a:r>
-              <a:rPr lang="et-EE" sz="2400" smtClean="0"/>
-              <a:t>k         </a:t>
-            </a:r>
-          </a:p>
-          <a:p>
-            <a:pPr indent="0">
-              <a:spcBef>
-                <a:spcPct val="0"/>
-              </a:spcBef>
-              <a:buFont typeface="Arial" charset="0"/>
-              <a:buNone/>
-            </a:pPr>
-            <a:r>
-              <a:rPr lang="et-EE" sz="1200" smtClean="0"/>
-              <a:t>       </a:t>
-            </a:r>
-            <a:r>
-              <a:rPr lang="et-EE" sz="2400" smtClean="0"/>
-              <a:t> t                                     i</a:t>
-            </a:r>
-          </a:p>
-          <a:p>
-            <a:pPr indent="0">
-              <a:spcBef>
-                <a:spcPct val="0"/>
-              </a:spcBef>
-              <a:buFont typeface="Arial" charset="0"/>
-              <a:buNone/>
-            </a:pPr>
-            <a:endParaRPr lang="et-EE" sz="800" smtClean="0"/>
-          </a:p>
-          <a:p>
-            <a:pPr indent="0">
-              <a:spcBef>
-                <a:spcPct val="0"/>
-              </a:spcBef>
-              <a:buFont typeface="Arial" charset="0"/>
-              <a:buNone/>
-            </a:pPr>
-            <a:r>
-              <a:rPr lang="et-EE" sz="2400" smtClean="0"/>
-              <a:t>     r     e       d       e       l</a:t>
-            </a:r>
-          </a:p>
-          <a:p>
-            <a:pPr indent="0">
-              <a:spcBef>
-                <a:spcPct val="0"/>
-              </a:spcBef>
-              <a:buFont typeface="Arial" charset="0"/>
-              <a:buNone/>
-            </a:pPr>
-            <a:endParaRPr lang="et-EE" sz="2400" smtClean="0"/>
-          </a:p>
-          <a:p>
-            <a:pPr indent="0">
-              <a:spcBef>
-                <a:spcPct val="0"/>
-              </a:spcBef>
-              <a:buFont typeface="Arial" charset="0"/>
-              <a:buNone/>
-            </a:pPr>
-            <a:r>
-              <a:rPr lang="et-EE" sz="2400" smtClean="0"/>
-              <a:t>p                o            s        t</a:t>
-            </a:r>
-            <a:endParaRPr lang="et-EE" sz="800" smtClean="0"/>
-          </a:p>
-          <a:p>
-            <a:pPr indent="0">
-              <a:spcBef>
-                <a:spcPct val="0"/>
-              </a:spcBef>
-              <a:buFont typeface="Arial" charset="0"/>
-              <a:buNone/>
-            </a:pPr>
-            <a:endParaRPr lang="et-EE" sz="800" smtClean="0"/>
-          </a:p>
-          <a:p>
-            <a:pPr indent="0">
-              <a:spcBef>
-                <a:spcPct val="0"/>
-              </a:spcBef>
-              <a:buFont typeface="Arial" charset="0"/>
-              <a:buNone/>
-            </a:pPr>
-            <a:r>
-              <a:rPr lang="et-EE" sz="2400" smtClean="0"/>
-              <a:t>                                </a:t>
-            </a:r>
-            <a:r>
-              <a:rPr lang="et-EE" sz="2400" smtClean="0">
-                <a:solidFill>
-                  <a:srgbClr val="FF0000"/>
-                </a:solidFill>
-              </a:rPr>
-              <a:t>t</a:t>
-            </a:r>
-          </a:p>
-          <a:p>
-            <a:pPr indent="0">
-              <a:spcBef>
-                <a:spcPct val="0"/>
-              </a:spcBef>
-              <a:buFont typeface="Arial" charset="0"/>
-              <a:buNone/>
-            </a:pPr>
-            <a:endParaRPr lang="et-EE" sz="2400" smtClean="0"/>
-          </a:p>
-          <a:p>
-            <a:pPr indent="0">
-              <a:spcBef>
-                <a:spcPct val="0"/>
-              </a:spcBef>
-              <a:buFont typeface="Arial" charset="0"/>
-              <a:buNone/>
-            </a:pPr>
-            <a:r>
-              <a:rPr lang="et-EE" sz="2400" smtClean="0"/>
-              <a:t>                                  </a:t>
-            </a:r>
-            <a:r>
-              <a:rPr lang="et-EE" sz="2400" smtClean="0">
-                <a:solidFill>
-                  <a:srgbClr val="FF0000"/>
-                </a:solidFill>
-              </a:rPr>
-              <a:t>l</a:t>
-            </a:r>
-          </a:p>
-          <a:p>
-            <a:pPr indent="0">
-              <a:spcBef>
-                <a:spcPct val="0"/>
-              </a:spcBef>
-              <a:buFont typeface="Arial" charset="0"/>
-              <a:buNone/>
-            </a:pPr>
-            <a:r>
-              <a:rPr lang="et-EE" sz="2400" smtClean="0"/>
-              <a:t>post, posti, postid, polt, </a:t>
-            </a:r>
-            <a:r>
-              <a:rPr lang="et-EE" sz="2400" smtClean="0">
-                <a:solidFill>
-                  <a:srgbClr val="FF0000"/>
-                </a:solidFill>
-              </a:rPr>
-              <a:t>polti</a:t>
-            </a:r>
-            <a:r>
-              <a:rPr lang="et-EE" sz="2400" smtClean="0"/>
-              <a:t>,</a:t>
-            </a:r>
-            <a:r>
-              <a:rPr lang="et-EE" sz="2400" smtClean="0">
-                <a:solidFill>
-                  <a:srgbClr val="FF0000"/>
-                </a:solidFill>
-              </a:rPr>
-              <a:t> poltid</a:t>
-            </a:r>
-            <a:r>
-              <a:rPr lang="et-EE" sz="2400" smtClean="0"/>
-              <a:t>, pott, </a:t>
-            </a:r>
-            <a:r>
-              <a:rPr lang="et-EE" sz="2400" smtClean="0">
-                <a:solidFill>
-                  <a:srgbClr val="FF0000"/>
-                </a:solidFill>
-              </a:rPr>
-              <a:t>potti</a:t>
-            </a:r>
-            <a:r>
-              <a:rPr lang="et-EE" sz="2400" smtClean="0"/>
-              <a:t>,</a:t>
-            </a:r>
-            <a:r>
-              <a:rPr lang="et-EE" sz="2400" smtClean="0">
-                <a:solidFill>
-                  <a:srgbClr val="FF0000"/>
-                </a:solidFill>
-              </a:rPr>
-              <a:t> pottid</a:t>
-            </a:r>
-          </a:p>
-        </p:txBody>
-      </p:sp>
-      <p:sp>
-        <p:nvSpPr>
-          <p:cNvPr id="7" name="Oval 6"/>
-          <p:cNvSpPr/>
-          <p:nvPr/>
-        </p:nvSpPr>
-        <p:spPr>
-          <a:xfrm>
-            <a:off x="1258888" y="2565400"/>
-            <a:ext cx="287337" cy="215900"/>
-          </a:xfrm>
-          <a:prstGeom prst="ellipse">
-            <a:avLst/>
-          </a:prstGeom>
-          <a:noFill/>
-        </p:spPr>
-        <p:style>
-          <a:lnRef idx="2">
-            <a:schemeClr val="accent1">
-              <a:shade val="50000"/>
-            </a:schemeClr>
-          </a:lnRef>
-          <a:fillRef idx="1">
-            <a:schemeClr val="accent1"/>
-          </a:fillRef>
-          <a:effectRef idx="0">
-            <a:schemeClr val="accent1"/>
-          </a:effectRef>
-          <a:fontRef idx="minor">
-            <a:schemeClr val="lt1"/>
-          </a:fontRef>
-        </p:style>
-        <p:txBody>
-          <a:bodyPr anchor="ctr"/>
-          <a:lstStyle/>
-          <a:p>
-            <a:pPr algn="ctr">
-              <a:defRPr/>
-            </a:pPr>
-            <a:endParaRPr lang="et-EE"/>
-          </a:p>
-        </p:txBody>
-      </p:sp>
-      <p:sp>
-        <p:nvSpPr>
-          <p:cNvPr id="8" name="Oval 7"/>
-          <p:cNvSpPr/>
-          <p:nvPr/>
-        </p:nvSpPr>
-        <p:spPr>
-          <a:xfrm>
-            <a:off x="1908175" y="2420938"/>
-            <a:ext cx="287338" cy="215900"/>
-          </a:xfrm>
-          <a:prstGeom prst="ellipse">
-            <a:avLst/>
-          </a:prstGeom>
-          <a:noFill/>
-        </p:spPr>
-        <p:style>
-          <a:lnRef idx="2">
-            <a:schemeClr val="accent1">
-              <a:shade val="50000"/>
-            </a:schemeClr>
-          </a:lnRef>
-          <a:fillRef idx="1">
-            <a:schemeClr val="accent1"/>
-          </a:fillRef>
-          <a:effectRef idx="0">
-            <a:schemeClr val="accent1"/>
-          </a:effectRef>
-          <a:fontRef idx="minor">
-            <a:schemeClr val="lt1"/>
-          </a:fontRef>
-        </p:style>
-        <p:txBody>
-          <a:bodyPr anchor="ctr"/>
-          <a:lstStyle/>
-          <a:p>
-            <a:pPr algn="ctr">
-              <a:defRPr/>
-            </a:pPr>
-            <a:endParaRPr lang="et-EE"/>
-          </a:p>
-        </p:txBody>
-      </p:sp>
-      <p:sp>
-        <p:nvSpPr>
-          <p:cNvPr id="9" name="Oval 8"/>
-          <p:cNvSpPr/>
-          <p:nvPr/>
-        </p:nvSpPr>
-        <p:spPr>
-          <a:xfrm>
-            <a:off x="2555875" y="2420938"/>
-            <a:ext cx="287338" cy="215900"/>
-          </a:xfrm>
-          <a:prstGeom prst="ellipse">
-            <a:avLst/>
-          </a:prstGeom>
-          <a:noFill/>
-        </p:spPr>
-        <p:style>
-          <a:lnRef idx="2">
-            <a:schemeClr val="accent1">
-              <a:shade val="50000"/>
-            </a:schemeClr>
-          </a:lnRef>
-          <a:fillRef idx="1">
-            <a:schemeClr val="accent1"/>
-          </a:fillRef>
-          <a:effectRef idx="0">
-            <a:schemeClr val="accent1"/>
-          </a:effectRef>
-          <a:fontRef idx="minor">
-            <a:schemeClr val="lt1"/>
-          </a:fontRef>
-        </p:style>
-        <p:txBody>
-          <a:bodyPr anchor="ctr"/>
-          <a:lstStyle/>
-          <a:p>
-            <a:pPr algn="ctr">
-              <a:defRPr/>
-            </a:pPr>
-            <a:endParaRPr lang="et-EE"/>
-          </a:p>
-        </p:txBody>
-      </p:sp>
-      <p:sp>
-        <p:nvSpPr>
-          <p:cNvPr id="10" name="Oval 9"/>
-          <p:cNvSpPr/>
-          <p:nvPr/>
-        </p:nvSpPr>
-        <p:spPr>
-          <a:xfrm>
-            <a:off x="1116013" y="3500438"/>
-            <a:ext cx="287337" cy="215900"/>
-          </a:xfrm>
-          <a:prstGeom prst="ellipse">
-            <a:avLst/>
-          </a:prstGeom>
-          <a:noFill/>
-        </p:spPr>
-        <p:style>
-          <a:lnRef idx="2">
-            <a:schemeClr val="accent1">
-              <a:shade val="50000"/>
-            </a:schemeClr>
-          </a:lnRef>
-          <a:fillRef idx="1">
-            <a:schemeClr val="accent1"/>
-          </a:fillRef>
-          <a:effectRef idx="0">
-            <a:schemeClr val="accent1"/>
-          </a:effectRef>
-          <a:fontRef idx="minor">
-            <a:schemeClr val="lt1"/>
-          </a:fontRef>
-        </p:style>
-        <p:txBody>
-          <a:bodyPr anchor="ctr"/>
-          <a:lstStyle/>
-          <a:p>
-            <a:pPr algn="ctr">
-              <a:defRPr/>
-            </a:pPr>
-            <a:endParaRPr lang="et-EE"/>
-          </a:p>
-        </p:txBody>
-      </p:sp>
-      <p:sp>
-        <p:nvSpPr>
-          <p:cNvPr id="11" name="Oval 10"/>
-          <p:cNvSpPr/>
-          <p:nvPr/>
-        </p:nvSpPr>
-        <p:spPr>
-          <a:xfrm>
-            <a:off x="3203575" y="2420938"/>
-            <a:ext cx="287338" cy="287337"/>
-          </a:xfrm>
-          <a:prstGeom prst="ellipse">
-            <a:avLst/>
-          </a:prstGeom>
-          <a:noFill/>
-        </p:spPr>
-        <p:style>
-          <a:lnRef idx="2">
-            <a:schemeClr val="accent1">
-              <a:shade val="50000"/>
-            </a:schemeClr>
-          </a:lnRef>
-          <a:fillRef idx="1">
-            <a:schemeClr val="accent1"/>
-          </a:fillRef>
-          <a:effectRef idx="0">
-            <a:schemeClr val="accent1"/>
-          </a:effectRef>
-          <a:fontRef idx="minor">
-            <a:schemeClr val="lt1"/>
-          </a:fontRef>
-        </p:style>
-        <p:txBody>
-          <a:bodyPr anchor="ctr"/>
-          <a:lstStyle/>
-          <a:p>
-            <a:pPr algn="ctr">
-              <a:defRPr/>
-            </a:pPr>
-            <a:endParaRPr lang="et-EE"/>
-          </a:p>
-        </p:txBody>
-      </p:sp>
-      <p:sp>
-        <p:nvSpPr>
-          <p:cNvPr id="12" name="Oval 11"/>
-          <p:cNvSpPr/>
-          <p:nvPr/>
-        </p:nvSpPr>
-        <p:spPr>
-          <a:xfrm>
-            <a:off x="3995738" y="2420938"/>
-            <a:ext cx="287337" cy="287337"/>
-          </a:xfrm>
-          <a:prstGeom prst="ellipse">
-            <a:avLst/>
-          </a:prstGeom>
-          <a:noFill/>
-        </p:spPr>
-        <p:style>
-          <a:lnRef idx="2">
-            <a:schemeClr val="accent1">
-              <a:shade val="50000"/>
-            </a:schemeClr>
-          </a:lnRef>
-          <a:fillRef idx="1">
-            <a:schemeClr val="accent1"/>
-          </a:fillRef>
-          <a:effectRef idx="0">
-            <a:schemeClr val="accent1"/>
-          </a:effectRef>
-          <a:fontRef idx="minor">
-            <a:schemeClr val="lt1"/>
-          </a:fontRef>
-        </p:style>
-        <p:txBody>
-          <a:bodyPr anchor="ctr"/>
-          <a:lstStyle/>
-          <a:p>
-            <a:pPr algn="ctr">
-              <a:defRPr/>
-            </a:pPr>
-            <a:endParaRPr lang="et-EE"/>
-          </a:p>
-        </p:txBody>
-      </p:sp>
-      <p:sp>
-        <p:nvSpPr>
-          <p:cNvPr id="13" name="Oval 12"/>
-          <p:cNvSpPr/>
-          <p:nvPr/>
-        </p:nvSpPr>
-        <p:spPr>
-          <a:xfrm>
-            <a:off x="3851275" y="3500438"/>
-            <a:ext cx="287338" cy="288925"/>
-          </a:xfrm>
-          <a:prstGeom prst="ellipse">
-            <a:avLst/>
-          </a:prstGeom>
-          <a:noFill/>
-        </p:spPr>
-        <p:style>
-          <a:lnRef idx="2">
-            <a:schemeClr val="accent1">
-              <a:shade val="50000"/>
-            </a:schemeClr>
-          </a:lnRef>
-          <a:fillRef idx="1">
-            <a:schemeClr val="accent1"/>
-          </a:fillRef>
-          <a:effectRef idx="0">
-            <a:schemeClr val="accent1"/>
-          </a:effectRef>
-          <a:fontRef idx="minor">
-            <a:schemeClr val="lt1"/>
-          </a:fontRef>
-        </p:style>
-        <p:txBody>
-          <a:bodyPr anchor="ctr"/>
-          <a:lstStyle/>
-          <a:p>
-            <a:pPr algn="ctr">
-              <a:defRPr/>
-            </a:pPr>
-            <a:endParaRPr lang="et-EE"/>
-          </a:p>
-        </p:txBody>
-      </p:sp>
-      <p:sp>
-        <p:nvSpPr>
-          <p:cNvPr id="14" name="Oval 13"/>
-          <p:cNvSpPr/>
-          <p:nvPr/>
-        </p:nvSpPr>
-        <p:spPr>
-          <a:xfrm>
-            <a:off x="2484438" y="3573463"/>
-            <a:ext cx="287337" cy="215900"/>
-          </a:xfrm>
-          <a:prstGeom prst="ellipse">
-            <a:avLst/>
-          </a:prstGeom>
-          <a:noFill/>
-        </p:spPr>
-        <p:style>
-          <a:lnRef idx="2">
-            <a:schemeClr val="accent1">
-              <a:shade val="50000"/>
-            </a:schemeClr>
-          </a:lnRef>
-          <a:fillRef idx="1">
-            <a:schemeClr val="accent1"/>
-          </a:fillRef>
-          <a:effectRef idx="0">
-            <a:schemeClr val="accent1"/>
-          </a:effectRef>
-          <a:fontRef idx="minor">
-            <a:schemeClr val="lt1"/>
-          </a:fontRef>
-        </p:style>
-        <p:txBody>
-          <a:bodyPr anchor="ctr"/>
-          <a:lstStyle/>
-          <a:p>
-            <a:pPr algn="ctr">
-              <a:defRPr/>
-            </a:pPr>
-            <a:endParaRPr lang="et-EE"/>
-          </a:p>
-        </p:txBody>
-      </p:sp>
-      <p:sp>
-        <p:nvSpPr>
-          <p:cNvPr id="15" name="Oval 14"/>
-          <p:cNvSpPr/>
-          <p:nvPr/>
-        </p:nvSpPr>
-        <p:spPr>
-          <a:xfrm>
-            <a:off x="1835150" y="3573463"/>
-            <a:ext cx="287338" cy="215900"/>
-          </a:xfrm>
-          <a:prstGeom prst="ellipse">
-            <a:avLst/>
-          </a:prstGeom>
-          <a:noFill/>
-        </p:spPr>
-        <p:style>
-          <a:lnRef idx="2">
-            <a:schemeClr val="accent1">
-              <a:shade val="50000"/>
-            </a:schemeClr>
-          </a:lnRef>
-          <a:fillRef idx="1">
-            <a:schemeClr val="accent1"/>
-          </a:fillRef>
-          <a:effectRef idx="0">
-            <a:schemeClr val="accent1"/>
-          </a:effectRef>
-          <a:fontRef idx="minor">
-            <a:schemeClr val="lt1"/>
-          </a:fontRef>
-        </p:style>
-        <p:txBody>
-          <a:bodyPr anchor="ctr"/>
-          <a:lstStyle/>
-          <a:p>
-            <a:pPr algn="ctr">
-              <a:defRPr/>
-            </a:pPr>
-            <a:endParaRPr lang="et-EE"/>
-          </a:p>
-        </p:txBody>
-      </p:sp>
-      <p:sp>
-        <p:nvSpPr>
-          <p:cNvPr id="17" name="Oval 16"/>
-          <p:cNvSpPr/>
-          <p:nvPr/>
-        </p:nvSpPr>
-        <p:spPr>
-          <a:xfrm>
-            <a:off x="3132138" y="3573463"/>
-            <a:ext cx="287337" cy="215900"/>
-          </a:xfrm>
-          <a:prstGeom prst="ellipse">
-            <a:avLst/>
-          </a:prstGeom>
-          <a:noFill/>
-        </p:spPr>
-        <p:style>
-          <a:lnRef idx="2">
-            <a:schemeClr val="accent1">
-              <a:shade val="50000"/>
-            </a:schemeClr>
-          </a:lnRef>
-          <a:fillRef idx="1">
-            <a:schemeClr val="accent1"/>
-          </a:fillRef>
-          <a:effectRef idx="0">
-            <a:schemeClr val="accent1"/>
-          </a:effectRef>
-          <a:fontRef idx="minor">
-            <a:schemeClr val="lt1"/>
-          </a:fontRef>
-        </p:style>
-        <p:txBody>
-          <a:bodyPr anchor="ctr"/>
-          <a:lstStyle/>
-          <a:p>
-            <a:pPr algn="ctr">
-              <a:defRPr/>
-            </a:pPr>
-            <a:endParaRPr lang="et-EE"/>
-          </a:p>
-        </p:txBody>
-      </p:sp>
-      <p:sp>
-        <p:nvSpPr>
-          <p:cNvPr id="19" name="Oval 18"/>
-          <p:cNvSpPr/>
-          <p:nvPr/>
-        </p:nvSpPr>
-        <p:spPr>
-          <a:xfrm>
-            <a:off x="3492500" y="4365625"/>
-            <a:ext cx="287338" cy="287338"/>
-          </a:xfrm>
-          <a:prstGeom prst="ellipse">
-            <a:avLst/>
-          </a:prstGeom>
-          <a:noFill/>
-        </p:spPr>
-        <p:style>
-          <a:lnRef idx="2">
-            <a:schemeClr val="accent1">
-              <a:shade val="50000"/>
-            </a:schemeClr>
-          </a:lnRef>
-          <a:fillRef idx="1">
-            <a:schemeClr val="accent1"/>
-          </a:fillRef>
-          <a:effectRef idx="0">
-            <a:schemeClr val="accent1"/>
-          </a:effectRef>
-          <a:fontRef idx="minor">
-            <a:schemeClr val="lt1"/>
-          </a:fontRef>
-        </p:style>
-        <p:txBody>
-          <a:bodyPr anchor="ctr"/>
-          <a:lstStyle/>
-          <a:p>
-            <a:pPr algn="ctr">
-              <a:defRPr/>
-            </a:pPr>
-            <a:endParaRPr lang="et-EE"/>
-          </a:p>
-        </p:txBody>
-      </p:sp>
-      <p:cxnSp>
-        <p:nvCxnSpPr>
-          <p:cNvPr id="31" name="Straight Arrow Connector 30"/>
-          <p:cNvCxnSpPr>
-            <a:stCxn id="7" idx="6"/>
-          </p:cNvCxnSpPr>
-          <p:nvPr/>
-        </p:nvCxnSpPr>
-        <p:spPr>
-          <a:xfrm flipV="1">
-            <a:off x="1546225" y="2565400"/>
-            <a:ext cx="361950" cy="107950"/>
-          </a:xfrm>
-          <a:prstGeom prst="straightConnector1">
-            <a:avLst/>
-          </a:prstGeom>
-          <a:ln w="28575">
-            <a:tailEnd type="arrow"/>
-          </a:ln>
-        </p:spPr>
-        <p:style>
-          <a:lnRef idx="1">
-            <a:schemeClr val="accent1"/>
-          </a:lnRef>
-          <a:fillRef idx="0">
-            <a:schemeClr val="accent1"/>
-          </a:fillRef>
-          <a:effectRef idx="0">
-            <a:schemeClr val="accent1"/>
-          </a:effectRef>
-          <a:fontRef idx="minor">
-            <a:schemeClr val="tx1"/>
-          </a:fontRef>
-        </p:style>
-      </p:cxnSp>
-      <p:cxnSp>
-        <p:nvCxnSpPr>
-          <p:cNvPr id="33" name="Straight Arrow Connector 32"/>
-          <p:cNvCxnSpPr>
-            <a:stCxn id="8" idx="6"/>
-            <a:endCxn id="9" idx="2"/>
-          </p:cNvCxnSpPr>
-          <p:nvPr/>
-        </p:nvCxnSpPr>
-        <p:spPr>
-          <a:xfrm>
-            <a:off x="2195513" y="2528888"/>
-            <a:ext cx="360362" cy="0"/>
-          </a:xfrm>
-          <a:prstGeom prst="straightConnector1">
-            <a:avLst/>
-          </a:prstGeom>
-          <a:ln w="28575">
-            <a:tailEnd type="arrow"/>
-          </a:ln>
-        </p:spPr>
-        <p:style>
-          <a:lnRef idx="1">
-            <a:schemeClr val="accent1"/>
-          </a:lnRef>
-          <a:fillRef idx="0">
-            <a:schemeClr val="accent1"/>
-          </a:fillRef>
-          <a:effectRef idx="0">
-            <a:schemeClr val="accent1"/>
-          </a:effectRef>
-          <a:fontRef idx="minor">
-            <a:schemeClr val="tx1"/>
-          </a:fontRef>
-        </p:style>
-      </p:cxnSp>
-      <p:cxnSp>
-        <p:nvCxnSpPr>
-          <p:cNvPr id="35" name="Straight Arrow Connector 34"/>
-          <p:cNvCxnSpPr>
-            <a:stCxn id="9" idx="6"/>
-            <a:endCxn id="11" idx="2"/>
-          </p:cNvCxnSpPr>
-          <p:nvPr/>
-        </p:nvCxnSpPr>
-        <p:spPr>
-          <a:xfrm>
-            <a:off x="2843213" y="2528888"/>
-            <a:ext cx="360362" cy="36512"/>
-          </a:xfrm>
-          <a:prstGeom prst="straightConnector1">
-            <a:avLst/>
-          </a:prstGeom>
-          <a:ln w="28575">
-            <a:tailEnd type="arrow"/>
-          </a:ln>
-        </p:spPr>
-        <p:style>
-          <a:lnRef idx="1">
-            <a:schemeClr val="accent1"/>
-          </a:lnRef>
-          <a:fillRef idx="0">
-            <a:schemeClr val="accent1"/>
-          </a:fillRef>
-          <a:effectRef idx="0">
-            <a:schemeClr val="accent1"/>
-          </a:effectRef>
-          <a:fontRef idx="minor">
-            <a:schemeClr val="tx1"/>
-          </a:fontRef>
-        </p:style>
-      </p:cxnSp>
-      <p:cxnSp>
-        <p:nvCxnSpPr>
-          <p:cNvPr id="37" name="Straight Arrow Connector 36"/>
-          <p:cNvCxnSpPr>
-            <a:stCxn id="11" idx="6"/>
-            <a:endCxn id="12" idx="2"/>
-          </p:cNvCxnSpPr>
-          <p:nvPr/>
-        </p:nvCxnSpPr>
-        <p:spPr>
-          <a:xfrm>
-            <a:off x="3490913" y="2565400"/>
-            <a:ext cx="504825" cy="0"/>
-          </a:xfrm>
-          <a:prstGeom prst="straightConnector1">
-            <a:avLst/>
-          </a:prstGeom>
-          <a:ln w="28575">
-            <a:tailEnd type="arrow"/>
-          </a:ln>
-        </p:spPr>
-        <p:style>
-          <a:lnRef idx="1">
-            <a:schemeClr val="accent1"/>
-          </a:lnRef>
-          <a:fillRef idx="0">
-            <a:schemeClr val="accent1"/>
-          </a:fillRef>
-          <a:effectRef idx="0">
-            <a:schemeClr val="accent1"/>
-          </a:effectRef>
-          <a:fontRef idx="minor">
-            <a:schemeClr val="tx1"/>
-          </a:fontRef>
-        </p:style>
-      </p:cxnSp>
-      <p:cxnSp>
-        <p:nvCxnSpPr>
-          <p:cNvPr id="39" name="Straight Arrow Connector 38"/>
-          <p:cNvCxnSpPr/>
-          <p:nvPr/>
-        </p:nvCxnSpPr>
-        <p:spPr>
-          <a:xfrm>
-            <a:off x="1906588" y="4400550"/>
-            <a:ext cx="649287" cy="36513"/>
-          </a:xfrm>
-          <a:prstGeom prst="straightConnector1">
-            <a:avLst/>
-          </a:prstGeom>
-          <a:ln w="28575">
-            <a:tailEnd type="arrow"/>
-          </a:ln>
-        </p:spPr>
-        <p:style>
-          <a:lnRef idx="1">
-            <a:schemeClr val="accent1"/>
-          </a:lnRef>
-          <a:fillRef idx="0">
-            <a:schemeClr val="accent1"/>
-          </a:fillRef>
-          <a:effectRef idx="0">
-            <a:schemeClr val="accent1"/>
-          </a:effectRef>
-          <a:fontRef idx="minor">
-            <a:schemeClr val="tx1"/>
-          </a:fontRef>
-        </p:style>
-      </p:cxnSp>
-      <p:cxnSp>
-        <p:nvCxnSpPr>
-          <p:cNvPr id="41" name="Straight Arrow Connector 40"/>
-          <p:cNvCxnSpPr>
-            <a:endCxn id="19" idx="2"/>
-          </p:cNvCxnSpPr>
-          <p:nvPr/>
-        </p:nvCxnSpPr>
-        <p:spPr>
-          <a:xfrm>
-            <a:off x="2843213" y="4473575"/>
-            <a:ext cx="649287" cy="34925"/>
-          </a:xfrm>
-          <a:prstGeom prst="straightConnector1">
-            <a:avLst/>
-          </a:prstGeom>
-          <a:ln w="28575">
-            <a:tailEnd type="arrow"/>
-          </a:ln>
-        </p:spPr>
-        <p:style>
-          <a:lnRef idx="1">
-            <a:schemeClr val="accent1"/>
-          </a:lnRef>
-          <a:fillRef idx="0">
-            <a:schemeClr val="accent1"/>
-          </a:fillRef>
-          <a:effectRef idx="0">
-            <a:schemeClr val="accent1"/>
-          </a:effectRef>
-          <a:fontRef idx="minor">
-            <a:schemeClr val="tx1"/>
-          </a:fontRef>
-        </p:style>
-      </p:cxnSp>
-      <p:cxnSp>
-        <p:nvCxnSpPr>
-          <p:cNvPr id="43" name="Straight Arrow Connector 42"/>
-          <p:cNvCxnSpPr/>
-          <p:nvPr/>
-        </p:nvCxnSpPr>
-        <p:spPr>
-          <a:xfrm>
-            <a:off x="900113" y="3068638"/>
-            <a:ext cx="257175" cy="463550"/>
-          </a:xfrm>
-          <a:prstGeom prst="straightConnector1">
-            <a:avLst/>
-          </a:prstGeom>
-          <a:ln w="28575">
-            <a:tailEnd type="arrow"/>
-          </a:ln>
-        </p:spPr>
-        <p:style>
-          <a:lnRef idx="1">
-            <a:schemeClr val="accent1"/>
-          </a:lnRef>
-          <a:fillRef idx="0">
-            <a:schemeClr val="accent1"/>
-          </a:fillRef>
-          <a:effectRef idx="0">
-            <a:schemeClr val="accent1"/>
-          </a:effectRef>
-          <a:fontRef idx="minor">
-            <a:schemeClr val="tx1"/>
-          </a:fontRef>
-        </p:style>
-      </p:cxnSp>
-      <p:cxnSp>
-        <p:nvCxnSpPr>
-          <p:cNvPr id="47" name="Shape 46"/>
-          <p:cNvCxnSpPr/>
-          <p:nvPr/>
-        </p:nvCxnSpPr>
-        <p:spPr>
-          <a:xfrm rot="16200000" flipH="1">
-            <a:off x="484982" y="3339306"/>
-            <a:ext cx="1363662" cy="822325"/>
-          </a:xfrm>
-          <a:prstGeom prst="curvedConnector2">
-            <a:avLst/>
-          </a:prstGeom>
-          <a:ln w="28575">
-            <a:tailEnd type="arrow"/>
-          </a:ln>
-        </p:spPr>
-        <p:style>
-          <a:lnRef idx="1">
-            <a:schemeClr val="accent1"/>
-          </a:lnRef>
-          <a:fillRef idx="0">
-            <a:schemeClr val="accent1"/>
-          </a:fillRef>
-          <a:effectRef idx="0">
-            <a:schemeClr val="accent1"/>
-          </a:effectRef>
-          <a:fontRef idx="minor">
-            <a:schemeClr val="tx1"/>
-          </a:fontRef>
-        </p:style>
-      </p:cxnSp>
-      <p:cxnSp>
-        <p:nvCxnSpPr>
-          <p:cNvPr id="49" name="Straight Arrow Connector 48"/>
-          <p:cNvCxnSpPr>
-            <a:stCxn id="10" idx="6"/>
-            <a:endCxn id="15" idx="2"/>
-          </p:cNvCxnSpPr>
-          <p:nvPr/>
-        </p:nvCxnSpPr>
-        <p:spPr>
-          <a:xfrm>
-            <a:off x="1403350" y="3608388"/>
-            <a:ext cx="431800" cy="73025"/>
-          </a:xfrm>
-          <a:prstGeom prst="straightConnector1">
-            <a:avLst/>
-          </a:prstGeom>
-          <a:ln w="28575">
-            <a:tailEnd type="arrow"/>
-          </a:ln>
-        </p:spPr>
-        <p:style>
-          <a:lnRef idx="1">
-            <a:schemeClr val="accent1"/>
-          </a:lnRef>
-          <a:fillRef idx="0">
-            <a:schemeClr val="accent1"/>
-          </a:fillRef>
-          <a:effectRef idx="0">
-            <a:schemeClr val="accent1"/>
-          </a:effectRef>
-          <a:fontRef idx="minor">
-            <a:schemeClr val="tx1"/>
-          </a:fontRef>
-        </p:style>
-      </p:cxnSp>
-      <p:cxnSp>
-        <p:nvCxnSpPr>
-          <p:cNvPr id="51" name="Straight Arrow Connector 50"/>
-          <p:cNvCxnSpPr>
-            <a:stCxn id="15" idx="6"/>
-            <a:endCxn id="14" idx="2"/>
-          </p:cNvCxnSpPr>
-          <p:nvPr/>
-        </p:nvCxnSpPr>
-        <p:spPr>
-          <a:xfrm>
-            <a:off x="2122488" y="3681413"/>
-            <a:ext cx="361950" cy="0"/>
-          </a:xfrm>
-          <a:prstGeom prst="straightConnector1">
-            <a:avLst/>
-          </a:prstGeom>
-          <a:ln w="28575">
-            <a:tailEnd type="arrow"/>
-          </a:ln>
-        </p:spPr>
-        <p:style>
-          <a:lnRef idx="1">
-            <a:schemeClr val="accent1"/>
-          </a:lnRef>
-          <a:fillRef idx="0">
-            <a:schemeClr val="accent1"/>
-          </a:fillRef>
-          <a:effectRef idx="0">
-            <a:schemeClr val="accent1"/>
-          </a:effectRef>
-          <a:fontRef idx="minor">
-            <a:schemeClr val="tx1"/>
-          </a:fontRef>
-        </p:style>
-      </p:cxnSp>
-      <p:cxnSp>
-        <p:nvCxnSpPr>
-          <p:cNvPr id="53" name="Straight Arrow Connector 52"/>
-          <p:cNvCxnSpPr>
-            <a:stCxn id="14" idx="6"/>
-            <a:endCxn id="17" idx="2"/>
-          </p:cNvCxnSpPr>
-          <p:nvPr/>
-        </p:nvCxnSpPr>
-        <p:spPr>
-          <a:xfrm>
-            <a:off x="2771775" y="3681413"/>
-            <a:ext cx="360363" cy="0"/>
-          </a:xfrm>
-          <a:prstGeom prst="straightConnector1">
-            <a:avLst/>
-          </a:prstGeom>
-          <a:ln w="28575">
-            <a:tailEnd type="arrow"/>
-          </a:ln>
-        </p:spPr>
-        <p:style>
-          <a:lnRef idx="1">
-            <a:schemeClr val="accent1"/>
-          </a:lnRef>
-          <a:fillRef idx="0">
-            <a:schemeClr val="accent1"/>
-          </a:fillRef>
-          <a:effectRef idx="0">
-            <a:schemeClr val="accent1"/>
-          </a:effectRef>
-          <a:fontRef idx="minor">
-            <a:schemeClr val="tx1"/>
-          </a:fontRef>
-        </p:style>
-      </p:cxnSp>
-      <p:cxnSp>
-        <p:nvCxnSpPr>
-          <p:cNvPr id="55" name="Straight Arrow Connector 54"/>
-          <p:cNvCxnSpPr>
-            <a:stCxn id="17" idx="6"/>
-            <a:endCxn id="13" idx="2"/>
-          </p:cNvCxnSpPr>
-          <p:nvPr/>
-        </p:nvCxnSpPr>
-        <p:spPr>
-          <a:xfrm flipV="1">
-            <a:off x="3419475" y="3644900"/>
-            <a:ext cx="431800" cy="36513"/>
-          </a:xfrm>
-          <a:prstGeom prst="straightConnector1">
-            <a:avLst/>
-          </a:prstGeom>
-          <a:ln w="28575">
-            <a:tailEnd type="arrow"/>
-          </a:ln>
-        </p:spPr>
-        <p:style>
-          <a:lnRef idx="1">
-            <a:schemeClr val="accent1"/>
-          </a:lnRef>
-          <a:fillRef idx="0">
-            <a:schemeClr val="accent1"/>
-          </a:fillRef>
-          <a:effectRef idx="0">
-            <a:schemeClr val="accent1"/>
-          </a:effectRef>
-          <a:fontRef idx="minor">
-            <a:schemeClr val="tx1"/>
-          </a:fontRef>
-        </p:style>
-      </p:cxnSp>
-      <p:cxnSp>
-        <p:nvCxnSpPr>
-          <p:cNvPr id="57" name="Straight Arrow Connector 56"/>
-          <p:cNvCxnSpPr>
-            <a:stCxn id="19" idx="7"/>
-          </p:cNvCxnSpPr>
-          <p:nvPr/>
-        </p:nvCxnSpPr>
-        <p:spPr>
-          <a:xfrm flipV="1">
-            <a:off x="3736975" y="3789363"/>
-            <a:ext cx="187325" cy="617537"/>
-          </a:xfrm>
-          <a:prstGeom prst="straightConnector1">
-            <a:avLst/>
-          </a:prstGeom>
-          <a:ln w="28575">
-            <a:tailEnd type="arrow"/>
-          </a:ln>
-        </p:spPr>
-        <p:style>
-          <a:lnRef idx="1">
-            <a:schemeClr val="accent1"/>
-          </a:lnRef>
-          <a:fillRef idx="0">
-            <a:schemeClr val="accent1"/>
-          </a:fillRef>
-          <a:effectRef idx="0">
-            <a:schemeClr val="accent1"/>
-          </a:effectRef>
-          <a:fontRef idx="minor">
-            <a:schemeClr val="tx1"/>
-          </a:fontRef>
-        </p:style>
-      </p:cxnSp>
-      <p:cxnSp>
-        <p:nvCxnSpPr>
-          <p:cNvPr id="59" name="Straight Arrow Connector 58"/>
-          <p:cNvCxnSpPr>
-            <a:stCxn id="13" idx="1"/>
-            <a:endCxn id="11" idx="5"/>
-          </p:cNvCxnSpPr>
-          <p:nvPr/>
-        </p:nvCxnSpPr>
-        <p:spPr>
-          <a:xfrm flipH="1" flipV="1">
-            <a:off x="3449638" y="2667000"/>
-            <a:ext cx="444500" cy="876300"/>
-          </a:xfrm>
-          <a:prstGeom prst="straightConnector1">
-            <a:avLst/>
-          </a:prstGeom>
-          <a:ln w="28575">
-            <a:tailEnd type="arrow"/>
-          </a:ln>
-        </p:spPr>
-        <p:style>
-          <a:lnRef idx="1">
-            <a:schemeClr val="accent1"/>
-          </a:lnRef>
-          <a:fillRef idx="0">
-            <a:schemeClr val="accent1"/>
-          </a:fillRef>
-          <a:effectRef idx="0">
-            <a:schemeClr val="accent1"/>
-          </a:effectRef>
-          <a:fontRef idx="minor">
-            <a:schemeClr val="tx1"/>
-          </a:fontRef>
-        </p:style>
-      </p:cxnSp>
-      <p:sp>
-        <p:nvSpPr>
-          <p:cNvPr id="60" name="Oval 59"/>
-          <p:cNvSpPr/>
-          <p:nvPr/>
-        </p:nvSpPr>
-        <p:spPr>
-          <a:xfrm>
-            <a:off x="3276600" y="2492375"/>
-            <a:ext cx="142875" cy="144463"/>
-          </a:xfrm>
-          <a:prstGeom prst="ellipse">
-            <a:avLst/>
-          </a:prstGeom>
-          <a:noFill/>
-        </p:spPr>
-        <p:style>
-          <a:lnRef idx="2">
-            <a:schemeClr val="accent1">
-              <a:shade val="50000"/>
-            </a:schemeClr>
-          </a:lnRef>
-          <a:fillRef idx="1">
-            <a:schemeClr val="accent1"/>
-          </a:fillRef>
-          <a:effectRef idx="0">
-            <a:schemeClr val="accent1"/>
-          </a:effectRef>
-          <a:fontRef idx="minor">
-            <a:schemeClr val="lt1"/>
-          </a:fontRef>
-        </p:style>
-        <p:txBody>
-          <a:bodyPr anchor="ctr"/>
-          <a:lstStyle/>
-          <a:p>
-            <a:pPr algn="ctr">
-              <a:defRPr/>
-            </a:pPr>
-            <a:endParaRPr lang="et-EE"/>
-          </a:p>
-        </p:txBody>
-      </p:sp>
-      <p:sp>
-        <p:nvSpPr>
-          <p:cNvPr id="65" name="Oval 64"/>
-          <p:cNvSpPr/>
-          <p:nvPr/>
-        </p:nvSpPr>
-        <p:spPr>
-          <a:xfrm>
-            <a:off x="4067175" y="2492375"/>
-            <a:ext cx="144463" cy="144463"/>
-          </a:xfrm>
-          <a:prstGeom prst="ellipse">
-            <a:avLst/>
-          </a:prstGeom>
-          <a:noFill/>
-        </p:spPr>
-        <p:style>
-          <a:lnRef idx="2">
-            <a:schemeClr val="accent1">
-              <a:shade val="50000"/>
-            </a:schemeClr>
-          </a:lnRef>
-          <a:fillRef idx="1">
-            <a:schemeClr val="accent1"/>
-          </a:fillRef>
-          <a:effectRef idx="0">
-            <a:schemeClr val="accent1"/>
-          </a:effectRef>
-          <a:fontRef idx="minor">
-            <a:schemeClr val="lt1"/>
-          </a:fontRef>
-        </p:style>
-        <p:txBody>
-          <a:bodyPr anchor="ctr"/>
-          <a:lstStyle/>
-          <a:p>
-            <a:pPr algn="ctr">
-              <a:defRPr/>
-            </a:pPr>
-            <a:endParaRPr lang="et-EE"/>
-          </a:p>
-        </p:txBody>
-      </p:sp>
-      <p:sp>
-        <p:nvSpPr>
-          <p:cNvPr id="67" name="Oval 66"/>
-          <p:cNvSpPr/>
-          <p:nvPr/>
-        </p:nvSpPr>
-        <p:spPr>
-          <a:xfrm>
-            <a:off x="3924300" y="3573463"/>
-            <a:ext cx="142875" cy="142875"/>
-          </a:xfrm>
-          <a:prstGeom prst="ellipse">
-            <a:avLst/>
-          </a:prstGeom>
-          <a:noFill/>
-        </p:spPr>
-        <p:style>
-          <a:lnRef idx="2">
-            <a:schemeClr val="accent1">
-              <a:shade val="50000"/>
-            </a:schemeClr>
-          </a:lnRef>
-          <a:fillRef idx="1">
-            <a:schemeClr val="accent1"/>
-          </a:fillRef>
-          <a:effectRef idx="0">
-            <a:schemeClr val="accent1"/>
-          </a:effectRef>
-          <a:fontRef idx="minor">
-            <a:schemeClr val="lt1"/>
-          </a:fontRef>
-        </p:style>
-        <p:txBody>
-          <a:bodyPr anchor="ctr"/>
-          <a:lstStyle/>
-          <a:p>
-            <a:pPr algn="ctr">
-              <a:defRPr/>
-            </a:pPr>
-            <a:endParaRPr lang="et-EE"/>
-          </a:p>
-        </p:txBody>
-      </p:sp>
-      <p:sp>
-        <p:nvSpPr>
-          <p:cNvPr id="78" name="Oval 77"/>
-          <p:cNvSpPr/>
-          <p:nvPr/>
-        </p:nvSpPr>
-        <p:spPr>
-          <a:xfrm>
-            <a:off x="684213" y="2781300"/>
-            <a:ext cx="287337" cy="287338"/>
-          </a:xfrm>
-          <a:prstGeom prst="ellipse">
-            <a:avLst/>
-          </a:prstGeom>
-          <a:noFill/>
-        </p:spPr>
-        <p:style>
-          <a:lnRef idx="2">
-            <a:schemeClr val="accent1">
-              <a:shade val="50000"/>
-            </a:schemeClr>
-          </a:lnRef>
-          <a:fillRef idx="1">
-            <a:schemeClr val="accent1"/>
-          </a:fillRef>
-          <a:effectRef idx="0">
-            <a:schemeClr val="accent1"/>
-          </a:effectRef>
-          <a:fontRef idx="minor">
-            <a:schemeClr val="lt1"/>
-          </a:fontRef>
-        </p:style>
-        <p:txBody>
-          <a:bodyPr anchor="ctr"/>
-          <a:lstStyle/>
-          <a:p>
-            <a:pPr algn="ctr">
-              <a:defRPr/>
-            </a:pPr>
-            <a:endParaRPr lang="et-EE"/>
-          </a:p>
-        </p:txBody>
-      </p:sp>
-      <p:sp>
-        <p:nvSpPr>
-          <p:cNvPr id="79" name="Oval 78"/>
-          <p:cNvSpPr/>
-          <p:nvPr/>
-        </p:nvSpPr>
-        <p:spPr>
-          <a:xfrm>
-            <a:off x="1619250" y="4292600"/>
-            <a:ext cx="287338" cy="288925"/>
-          </a:xfrm>
-          <a:prstGeom prst="ellipse">
-            <a:avLst/>
-          </a:prstGeom>
-          <a:noFill/>
-        </p:spPr>
-        <p:style>
-          <a:lnRef idx="2">
-            <a:schemeClr val="accent1">
-              <a:shade val="50000"/>
-            </a:schemeClr>
-          </a:lnRef>
-          <a:fillRef idx="1">
-            <a:schemeClr val="accent1"/>
-          </a:fillRef>
-          <a:effectRef idx="0">
-            <a:schemeClr val="accent1"/>
-          </a:effectRef>
-          <a:fontRef idx="minor">
-            <a:schemeClr val="lt1"/>
-          </a:fontRef>
-        </p:style>
-        <p:txBody>
-          <a:bodyPr anchor="ctr"/>
-          <a:lstStyle/>
-          <a:p>
-            <a:pPr algn="ctr">
-              <a:defRPr/>
-            </a:pPr>
-            <a:endParaRPr lang="et-EE"/>
-          </a:p>
-        </p:txBody>
-      </p:sp>
-      <p:sp>
-        <p:nvSpPr>
-          <p:cNvPr id="80" name="Oval 79"/>
-          <p:cNvSpPr/>
-          <p:nvPr/>
-        </p:nvSpPr>
-        <p:spPr>
-          <a:xfrm>
-            <a:off x="2555875" y="4292600"/>
-            <a:ext cx="287338" cy="288925"/>
-          </a:xfrm>
-          <a:prstGeom prst="ellipse">
-            <a:avLst/>
-          </a:prstGeom>
-          <a:noFill/>
-        </p:spPr>
-        <p:style>
-          <a:lnRef idx="2">
-            <a:schemeClr val="accent1">
-              <a:shade val="50000"/>
-            </a:schemeClr>
-          </a:lnRef>
-          <a:fillRef idx="1">
-            <a:schemeClr val="accent1"/>
-          </a:fillRef>
-          <a:effectRef idx="0">
-            <a:schemeClr val="accent1"/>
-          </a:effectRef>
-          <a:fontRef idx="minor">
-            <a:schemeClr val="lt1"/>
-          </a:fontRef>
-        </p:style>
-        <p:txBody>
-          <a:bodyPr anchor="ctr"/>
-          <a:lstStyle/>
-          <a:p>
-            <a:pPr algn="ctr">
-              <a:defRPr/>
-            </a:pPr>
-            <a:endParaRPr lang="et-EE"/>
-          </a:p>
-        </p:txBody>
-      </p:sp>
-      <p:cxnSp>
-        <p:nvCxnSpPr>
-          <p:cNvPr id="82" name="Shape 81"/>
-          <p:cNvCxnSpPr/>
-          <p:nvPr/>
-        </p:nvCxnSpPr>
-        <p:spPr>
-          <a:xfrm flipV="1">
-            <a:off x="971550" y="2781300"/>
-            <a:ext cx="431800" cy="287338"/>
-          </a:xfrm>
-          <a:prstGeom prst="curvedConnector2">
-            <a:avLst/>
-          </a:prstGeom>
-          <a:ln w="28575">
-            <a:tailEnd type="arrow"/>
-          </a:ln>
-        </p:spPr>
-        <p:style>
-          <a:lnRef idx="1">
-            <a:schemeClr val="accent1"/>
-          </a:lnRef>
-          <a:fillRef idx="0">
-            <a:schemeClr val="accent1"/>
-          </a:fillRef>
-          <a:effectRef idx="0">
-            <a:schemeClr val="accent1"/>
-          </a:effectRef>
-          <a:fontRef idx="minor">
-            <a:schemeClr val="tx1"/>
-          </a:fontRef>
-        </p:style>
-      </p:cxnSp>
-      <p:cxnSp>
-        <p:nvCxnSpPr>
-          <p:cNvPr id="84" name="Shape 83"/>
-          <p:cNvCxnSpPr>
-            <a:stCxn id="78" idx="7"/>
-          </p:cNvCxnSpPr>
-          <p:nvPr/>
-        </p:nvCxnSpPr>
-        <p:spPr>
-          <a:xfrm rot="5400000" flipH="1" flipV="1">
-            <a:off x="1000919" y="2564607"/>
-            <a:ext cx="185737" cy="330200"/>
-          </a:xfrm>
-          <a:prstGeom prst="curvedConnector2">
-            <a:avLst/>
-          </a:prstGeom>
-          <a:ln w="28575">
-            <a:tailEnd type="arrow"/>
-          </a:ln>
-        </p:spPr>
-        <p:style>
-          <a:lnRef idx="1">
-            <a:schemeClr val="accent1"/>
-          </a:lnRef>
-          <a:fillRef idx="0">
-            <a:schemeClr val="accent1"/>
-          </a:fillRef>
-          <a:effectRef idx="0">
-            <a:schemeClr val="accent1"/>
-          </a:effectRef>
-          <a:fontRef idx="minor">
-            <a:schemeClr val="tx1"/>
-          </a:fontRef>
-        </p:style>
-      </p:cxnSp>
-      <p:cxnSp>
-        <p:nvCxnSpPr>
-          <p:cNvPr id="44" name="Curved Connector 43"/>
-          <p:cNvCxnSpPr>
-            <a:stCxn id="80" idx="4"/>
-            <a:endCxn id="19" idx="4"/>
-          </p:cNvCxnSpPr>
-          <p:nvPr/>
-        </p:nvCxnSpPr>
-        <p:spPr>
-          <a:xfrm rot="16200000" flipH="1">
-            <a:off x="3131344" y="4148931"/>
-            <a:ext cx="71438" cy="936625"/>
-          </a:xfrm>
-          <a:prstGeom prst="curvedConnector3">
-            <a:avLst>
-              <a:gd name="adj1" fmla="val 417465"/>
-            </a:avLst>
-          </a:prstGeom>
-          <a:ln w="28575">
-            <a:tailEnd type="arrow"/>
-          </a:ln>
-        </p:spPr>
-        <p:style>
-          <a:lnRef idx="1">
-            <a:schemeClr val="accent1"/>
-          </a:lnRef>
-          <a:fillRef idx="0">
-            <a:schemeClr val="accent1"/>
-          </a:fillRef>
-          <a:effectRef idx="0">
-            <a:schemeClr val="accent1"/>
-          </a:effectRef>
-          <a:fontRef idx="minor">
-            <a:schemeClr val="tx1"/>
-          </a:fontRef>
-        </p:style>
-      </p:cxnSp>
-      <p:cxnSp>
-        <p:nvCxnSpPr>
-          <p:cNvPr id="58" name="Curved Connector 57"/>
-          <p:cNvCxnSpPr/>
-          <p:nvPr/>
-        </p:nvCxnSpPr>
-        <p:spPr>
-          <a:xfrm rot="16200000" flipH="1">
-            <a:off x="3132138" y="4149725"/>
-            <a:ext cx="71438" cy="935037"/>
-          </a:xfrm>
-          <a:prstGeom prst="curvedConnector3">
-            <a:avLst>
-              <a:gd name="adj1" fmla="val 1327931"/>
-            </a:avLst>
-          </a:prstGeom>
-          <a:ln w="28575">
-            <a:tailEnd type="arrow"/>
-          </a:ln>
-        </p:spPr>
-        <p:style>
-          <a:lnRef idx="1">
-            <a:schemeClr val="accent1"/>
-          </a:lnRef>
-          <a:fillRef idx="0">
-            <a:schemeClr val="accent1"/>
-          </a:fillRef>
-          <a:effectRef idx="0">
-            <a:schemeClr val="accent1"/>
-          </a:effectRef>
-          <a:fontRef idx="minor">
-            <a:schemeClr val="tx1"/>
-          </a:fontRef>
-        </p:style>
-      </p:cxnSp>
-      <p:sp>
-        <p:nvSpPr>
-          <p:cNvPr id="63" name="Oval 62"/>
-          <p:cNvSpPr/>
-          <p:nvPr/>
-        </p:nvSpPr>
-        <p:spPr>
-          <a:xfrm rot="20006507">
-            <a:off x="3240088" y="1814513"/>
-            <a:ext cx="1323975" cy="2087562"/>
-          </a:xfrm>
-          <a:prstGeom prst="ellipse">
-            <a:avLst/>
-          </a:prstGeom>
-          <a:noFill/>
-          <a:ln>
-            <a:solidFill>
-              <a:srgbClr val="FF0000"/>
-            </a:solidFill>
-          </a:ln>
-        </p:spPr>
-        <p:style>
-          <a:lnRef idx="2">
-            <a:schemeClr val="accent1">
-              <a:shade val="50000"/>
-            </a:schemeClr>
-          </a:lnRef>
-          <a:fillRef idx="1">
-            <a:schemeClr val="accent1"/>
-          </a:fillRef>
-          <a:effectRef idx="0">
-            <a:schemeClr val="accent1"/>
-          </a:effectRef>
-          <a:fontRef idx="minor">
-            <a:schemeClr val="lt1"/>
-          </a:fontRef>
-        </p:style>
-        <p:txBody>
-          <a:bodyPr anchor="ctr"/>
-          <a:lstStyle/>
-          <a:p>
-            <a:pPr algn="ctr">
-              <a:defRPr/>
-            </a:pPr>
-            <a:endParaRPr lang="et-EE" dirty="0">
-              <a:solidFill>
-                <a:srgbClr val="FF0000"/>
-              </a:solidFill>
-            </a:endParaRPr>
+            <a:endParaRPr lang="et-EE" smtClean="0"/>
+          </a:p>
+          <a:p>
+            <a:pPr lvl="1"/>
+            <a:r>
+              <a:rPr lang="et-EE" smtClean="0"/>
+              <a:t>Etapid</a:t>
+            </a:r>
+          </a:p>
+          <a:p>
+            <a:pPr lvl="1"/>
+            <a:r>
+              <a:rPr lang="et-EE" smtClean="0"/>
+              <a:t>Operatsioonid</a:t>
+            </a:r>
+          </a:p>
+          <a:p>
+            <a:pPr lvl="1"/>
+            <a:endParaRPr lang="et-EE" smtClean="0"/>
           </a:p>
         </p:txBody>
       </p:sp>
@@ -12715,7 +12219,7 @@
       </p:grpSpPr>
       <p:sp>
         <p:nvSpPr>
-          <p:cNvPr id="16386" name="Title 1"/>
+          <p:cNvPr id="17410" name="Title 1"/>
           <p:cNvSpPr>
             <a:spLocks noGrp="1"/>
           </p:cNvSpPr>
@@ -12725,21 +12229,19 @@
         </p:nvSpPr>
         <p:spPr/>
         <p:txBody>
-          <a:bodyPr>
-            <a:normAutofit fontScale="90000"/>
-          </a:bodyPr>
+          <a:bodyPr/>
           <a:lstStyle/>
           <a:p>
             <a:r>
               <a:rPr lang="et-EE" smtClean="0"/>
-              <a:t>Kuidas mugavalt teha õigeid sõnastikke?</a:t>
-            </a:r>
-          </a:p>
-        </p:txBody>
-      </p:sp>
-      <p:sp>
-        <p:nvSpPr>
-          <p:cNvPr id="16387" name="Content Placeholder 2"/>
+              <a:t>Lihtne pooleli sõnastik</a:t>
+            </a:r>
+          </a:p>
+        </p:txBody>
+      </p:sp>
+      <p:sp>
+        <p:nvSpPr>
+          <p:cNvPr id="17411" name="Content Placeholder 2"/>
           <p:cNvSpPr>
             <a:spLocks noGrp="1"/>
           </p:cNvSpPr>
@@ -12749,37 +12251,1141 @@
         </p:nvSpPr>
         <p:spPr>
           <a:xfrm>
-            <a:off x="457200" y="1628775"/>
-            <a:ext cx="8229600" cy="4525963"/>
+            <a:off x="374650" y="1557338"/>
+            <a:ext cx="8229600" cy="4525962"/>
           </a:xfrm>
         </p:spPr>
         <p:txBody>
           <a:bodyPr/>
           <a:lstStyle/>
           <a:p>
-            <a:pPr>
+            <a:pPr indent="0">
+              <a:spcBef>
+                <a:spcPct val="0"/>
+              </a:spcBef>
               <a:buFont typeface="Arial" charset="0"/>
               <a:buNone/>
             </a:pPr>
-            <a:endParaRPr lang="et-EE" smtClean="0"/>
-          </a:p>
-          <a:p>
-            <a:pPr lvl="1"/>
-            <a:r>
-              <a:rPr lang="et-EE" smtClean="0"/>
-              <a:t>Etapid</a:t>
-            </a:r>
-          </a:p>
-          <a:p>
-            <a:pPr lvl="1"/>
-            <a:r>
-              <a:rPr lang="et-EE" smtClean="0"/>
-              <a:t>Operatsioonid</a:t>
-            </a:r>
-          </a:p>
-          <a:p>
-            <a:pPr lvl="1"/>
-            <a:endParaRPr lang="et-EE" smtClean="0"/>
+            <a:endParaRPr lang="et-EE" sz="1200" smtClean="0"/>
+          </a:p>
+          <a:p>
+            <a:pPr indent="0">
+              <a:spcBef>
+                <a:spcPct val="0"/>
+              </a:spcBef>
+              <a:buFont typeface="Arial" charset="0"/>
+              <a:buNone/>
+            </a:pPr>
+            <a:endParaRPr lang="et-EE" sz="1200" smtClean="0"/>
+          </a:p>
+          <a:p>
+            <a:pPr indent="0">
+              <a:spcBef>
+                <a:spcPct val="0"/>
+              </a:spcBef>
+              <a:buFont typeface="Arial" charset="0"/>
+              <a:buNone/>
+            </a:pPr>
+            <a:r>
+              <a:rPr lang="et-EE" sz="1200" smtClean="0"/>
+              <a:t>                      </a:t>
+            </a:r>
+            <a:r>
+              <a:rPr lang="et-EE" sz="2400" smtClean="0"/>
+              <a:t>                               d</a:t>
+            </a:r>
+          </a:p>
+          <a:p>
+            <a:pPr indent="0">
+              <a:spcBef>
+                <a:spcPct val="0"/>
+              </a:spcBef>
+              <a:buFont typeface="Arial" charset="0"/>
+              <a:buNone/>
+            </a:pPr>
+            <a:r>
+              <a:rPr lang="et-EE" sz="1200" smtClean="0"/>
+              <a:t>    </a:t>
+            </a:r>
+            <a:r>
+              <a:rPr lang="et-EE" sz="2400" smtClean="0"/>
+              <a:t>          </a:t>
+            </a:r>
+          </a:p>
+          <a:p>
+            <a:pPr indent="0">
+              <a:spcBef>
+                <a:spcPct val="0"/>
+              </a:spcBef>
+              <a:buFont typeface="Arial" charset="0"/>
+              <a:buNone/>
+            </a:pPr>
+            <a:r>
+              <a:rPr lang="et-EE" sz="1200" smtClean="0"/>
+              <a:t>       </a:t>
+            </a:r>
+            <a:r>
+              <a:rPr lang="et-EE" sz="2400" smtClean="0"/>
+              <a:t>                                       i</a:t>
+            </a:r>
+          </a:p>
+          <a:p>
+            <a:pPr indent="0">
+              <a:spcBef>
+                <a:spcPct val="0"/>
+              </a:spcBef>
+              <a:buFont typeface="Arial" charset="0"/>
+              <a:buNone/>
+            </a:pPr>
+            <a:endParaRPr lang="et-EE" sz="800" smtClean="0"/>
+          </a:p>
+          <a:p>
+            <a:pPr indent="0">
+              <a:spcBef>
+                <a:spcPct val="0"/>
+              </a:spcBef>
+              <a:buFont typeface="Arial" charset="0"/>
+              <a:buNone/>
+            </a:pPr>
+            <a:r>
+              <a:rPr lang="et-EE" sz="2400" smtClean="0"/>
+              <a:t>                         </a:t>
+            </a:r>
+          </a:p>
+          <a:p>
+            <a:pPr indent="0">
+              <a:spcBef>
+                <a:spcPct val="0"/>
+              </a:spcBef>
+              <a:buFont typeface="Arial" charset="0"/>
+              <a:buNone/>
+            </a:pPr>
+            <a:r>
+              <a:rPr lang="et-EE" sz="2400" smtClean="0"/>
+              <a:t>                                                      {W}</a:t>
+            </a:r>
+          </a:p>
+          <a:p>
+            <a:pPr indent="0">
+              <a:spcBef>
+                <a:spcPct val="0"/>
+              </a:spcBef>
+              <a:buFont typeface="Arial" charset="0"/>
+              <a:buNone/>
+            </a:pPr>
+            <a:r>
+              <a:rPr lang="et-EE" sz="2400" smtClean="0"/>
+              <a:t>p                o            s            t</a:t>
+            </a:r>
+            <a:endParaRPr lang="et-EE" sz="800" smtClean="0"/>
+          </a:p>
+          <a:p>
+            <a:pPr indent="0">
+              <a:spcBef>
+                <a:spcPct val="0"/>
+              </a:spcBef>
+              <a:buFont typeface="Arial" charset="0"/>
+              <a:buNone/>
+            </a:pPr>
+            <a:endParaRPr lang="et-EE" sz="800" smtClean="0"/>
+          </a:p>
+          <a:p>
+            <a:pPr indent="0">
+              <a:spcBef>
+                <a:spcPct val="0"/>
+              </a:spcBef>
+              <a:buFont typeface="Arial" charset="0"/>
+              <a:buNone/>
+            </a:pPr>
+            <a:r>
+              <a:rPr lang="et-EE" sz="2400" smtClean="0"/>
+              <a:t>                                </a:t>
+            </a:r>
+            <a:r>
+              <a:rPr lang="et-EE" sz="2400" smtClean="0">
+                <a:solidFill>
+                  <a:srgbClr val="FF0000"/>
+                </a:solidFill>
+              </a:rPr>
+              <a:t>t                </a:t>
+            </a:r>
+            <a:r>
+              <a:rPr lang="et-EE" sz="2400" smtClean="0"/>
+              <a:t>t</a:t>
+            </a:r>
+          </a:p>
+          <a:p>
+            <a:pPr indent="0">
+              <a:spcBef>
+                <a:spcPct val="0"/>
+              </a:spcBef>
+              <a:buFont typeface="Arial" charset="0"/>
+              <a:buNone/>
+            </a:pPr>
+            <a:endParaRPr lang="et-EE" sz="2400" smtClean="0"/>
+          </a:p>
+          <a:p>
+            <a:pPr indent="0">
+              <a:spcBef>
+                <a:spcPct val="0"/>
+              </a:spcBef>
+              <a:buFont typeface="Arial" charset="0"/>
+              <a:buNone/>
+            </a:pPr>
+            <a:r>
+              <a:rPr lang="et-EE" sz="2400" smtClean="0"/>
+              <a:t>                                  </a:t>
+            </a:r>
+            <a:r>
+              <a:rPr lang="et-EE" sz="2400" smtClean="0">
+                <a:solidFill>
+                  <a:srgbClr val="FF0000"/>
+                </a:solidFill>
+              </a:rPr>
+              <a:t>l</a:t>
+            </a:r>
+          </a:p>
+          <a:p>
+            <a:pPr indent="0">
+              <a:spcBef>
+                <a:spcPct val="0"/>
+              </a:spcBef>
+              <a:buFont typeface="Arial" charset="0"/>
+              <a:buNone/>
+            </a:pPr>
+            <a:r>
+              <a:rPr lang="et-EE" sz="2400" smtClean="0"/>
+              <a:t>{W} – nõrk aste          post{W}id, pott{W}id, polt{W}id </a:t>
+            </a:r>
+          </a:p>
+          <a:p>
+            <a:pPr indent="0">
+              <a:spcBef>
+                <a:spcPct val="0"/>
+              </a:spcBef>
+              <a:buFont typeface="Arial" charset="0"/>
+              <a:buNone/>
+            </a:pPr>
+            <a:endParaRPr lang="et-EE" sz="2400" smtClean="0"/>
+          </a:p>
+        </p:txBody>
+      </p:sp>
+      <p:sp>
+        <p:nvSpPr>
+          <p:cNvPr id="11" name="Oval 10"/>
+          <p:cNvSpPr/>
+          <p:nvPr/>
+        </p:nvSpPr>
+        <p:spPr>
+          <a:xfrm>
+            <a:off x="3203575" y="2420938"/>
+            <a:ext cx="287338" cy="287337"/>
+          </a:xfrm>
+          <a:prstGeom prst="ellipse">
+            <a:avLst/>
+          </a:prstGeom>
+          <a:noFill/>
+        </p:spPr>
+        <p:style>
+          <a:lnRef idx="2">
+            <a:schemeClr val="accent1">
+              <a:shade val="50000"/>
+            </a:schemeClr>
+          </a:lnRef>
+          <a:fillRef idx="1">
+            <a:schemeClr val="accent1"/>
+          </a:fillRef>
+          <a:effectRef idx="0">
+            <a:schemeClr val="accent1"/>
+          </a:effectRef>
+          <a:fontRef idx="minor">
+            <a:schemeClr val="lt1"/>
+          </a:fontRef>
+        </p:style>
+        <p:txBody>
+          <a:bodyPr anchor="ctr"/>
+          <a:lstStyle/>
+          <a:p>
+            <a:pPr algn="ctr">
+              <a:defRPr/>
+            </a:pPr>
+            <a:endParaRPr lang="et-EE"/>
+          </a:p>
+        </p:txBody>
+      </p:sp>
+      <p:sp>
+        <p:nvSpPr>
+          <p:cNvPr id="12" name="Oval 11"/>
+          <p:cNvSpPr/>
+          <p:nvPr/>
+        </p:nvSpPr>
+        <p:spPr>
+          <a:xfrm>
+            <a:off x="3995738" y="2420938"/>
+            <a:ext cx="287337" cy="287337"/>
+          </a:xfrm>
+          <a:prstGeom prst="ellipse">
+            <a:avLst/>
+          </a:prstGeom>
+          <a:noFill/>
+        </p:spPr>
+        <p:style>
+          <a:lnRef idx="2">
+            <a:schemeClr val="accent1">
+              <a:shade val="50000"/>
+            </a:schemeClr>
+          </a:lnRef>
+          <a:fillRef idx="1">
+            <a:schemeClr val="accent1"/>
+          </a:fillRef>
+          <a:effectRef idx="0">
+            <a:schemeClr val="accent1"/>
+          </a:effectRef>
+          <a:fontRef idx="minor">
+            <a:schemeClr val="lt1"/>
+          </a:fontRef>
+        </p:style>
+        <p:txBody>
+          <a:bodyPr anchor="ctr"/>
+          <a:lstStyle/>
+          <a:p>
+            <a:pPr algn="ctr">
+              <a:defRPr/>
+            </a:pPr>
+            <a:endParaRPr lang="et-EE"/>
+          </a:p>
+        </p:txBody>
+      </p:sp>
+      <p:sp>
+        <p:nvSpPr>
+          <p:cNvPr id="13" name="Oval 12"/>
+          <p:cNvSpPr/>
+          <p:nvPr/>
+        </p:nvSpPr>
+        <p:spPr>
+          <a:xfrm>
+            <a:off x="3851275" y="3500438"/>
+            <a:ext cx="287338" cy="288925"/>
+          </a:xfrm>
+          <a:prstGeom prst="ellipse">
+            <a:avLst/>
+          </a:prstGeom>
+          <a:noFill/>
+        </p:spPr>
+        <p:style>
+          <a:lnRef idx="2">
+            <a:schemeClr val="accent1">
+              <a:shade val="50000"/>
+            </a:schemeClr>
+          </a:lnRef>
+          <a:fillRef idx="1">
+            <a:schemeClr val="accent1"/>
+          </a:fillRef>
+          <a:effectRef idx="0">
+            <a:schemeClr val="accent1"/>
+          </a:effectRef>
+          <a:fontRef idx="minor">
+            <a:schemeClr val="lt1"/>
+          </a:fontRef>
+        </p:style>
+        <p:txBody>
+          <a:bodyPr anchor="ctr"/>
+          <a:lstStyle/>
+          <a:p>
+            <a:pPr algn="ctr">
+              <a:defRPr/>
+            </a:pPr>
+            <a:endParaRPr lang="et-EE"/>
+          </a:p>
+        </p:txBody>
+      </p:sp>
+      <p:sp>
+        <p:nvSpPr>
+          <p:cNvPr id="19" name="Oval 18"/>
+          <p:cNvSpPr/>
+          <p:nvPr/>
+        </p:nvSpPr>
+        <p:spPr>
+          <a:xfrm>
+            <a:off x="3492500" y="4365625"/>
+            <a:ext cx="287338" cy="287338"/>
+          </a:xfrm>
+          <a:prstGeom prst="ellipse">
+            <a:avLst/>
+          </a:prstGeom>
+          <a:noFill/>
+        </p:spPr>
+        <p:style>
+          <a:lnRef idx="2">
+            <a:schemeClr val="accent1">
+              <a:shade val="50000"/>
+            </a:schemeClr>
+          </a:lnRef>
+          <a:fillRef idx="1">
+            <a:schemeClr val="accent1"/>
+          </a:fillRef>
+          <a:effectRef idx="0">
+            <a:schemeClr val="accent1"/>
+          </a:effectRef>
+          <a:fontRef idx="minor">
+            <a:schemeClr val="lt1"/>
+          </a:fontRef>
+        </p:style>
+        <p:txBody>
+          <a:bodyPr anchor="ctr"/>
+          <a:lstStyle/>
+          <a:p>
+            <a:pPr algn="ctr">
+              <a:defRPr/>
+            </a:pPr>
+            <a:endParaRPr lang="et-EE"/>
+          </a:p>
+        </p:txBody>
+      </p:sp>
+      <p:cxnSp>
+        <p:nvCxnSpPr>
+          <p:cNvPr id="37" name="Straight Arrow Connector 36"/>
+          <p:cNvCxnSpPr>
+            <a:stCxn id="11" idx="6"/>
+            <a:endCxn id="12" idx="2"/>
+          </p:cNvCxnSpPr>
+          <p:nvPr/>
+        </p:nvCxnSpPr>
+        <p:spPr>
+          <a:xfrm>
+            <a:off x="3490913" y="2565400"/>
+            <a:ext cx="504825" cy="0"/>
+          </a:xfrm>
+          <a:prstGeom prst="straightConnector1">
+            <a:avLst/>
+          </a:prstGeom>
+          <a:ln w="28575">
+            <a:tailEnd type="arrow"/>
+          </a:ln>
+        </p:spPr>
+        <p:style>
+          <a:lnRef idx="1">
+            <a:schemeClr val="accent1"/>
+          </a:lnRef>
+          <a:fillRef idx="0">
+            <a:schemeClr val="accent1"/>
+          </a:fillRef>
+          <a:effectRef idx="0">
+            <a:schemeClr val="accent1"/>
+          </a:effectRef>
+          <a:fontRef idx="minor">
+            <a:schemeClr val="tx1"/>
+          </a:fontRef>
+        </p:style>
+      </p:cxnSp>
+      <p:cxnSp>
+        <p:nvCxnSpPr>
+          <p:cNvPr id="39" name="Straight Arrow Connector 38"/>
+          <p:cNvCxnSpPr/>
+          <p:nvPr/>
+        </p:nvCxnSpPr>
+        <p:spPr>
+          <a:xfrm>
+            <a:off x="1906588" y="4400550"/>
+            <a:ext cx="649287" cy="36513"/>
+          </a:xfrm>
+          <a:prstGeom prst="straightConnector1">
+            <a:avLst/>
+          </a:prstGeom>
+          <a:ln w="28575">
+            <a:tailEnd type="arrow"/>
+          </a:ln>
+        </p:spPr>
+        <p:style>
+          <a:lnRef idx="1">
+            <a:schemeClr val="accent1"/>
+          </a:lnRef>
+          <a:fillRef idx="0">
+            <a:schemeClr val="accent1"/>
+          </a:fillRef>
+          <a:effectRef idx="0">
+            <a:schemeClr val="accent1"/>
+          </a:effectRef>
+          <a:fontRef idx="minor">
+            <a:schemeClr val="tx1"/>
+          </a:fontRef>
+        </p:style>
+      </p:cxnSp>
+      <p:cxnSp>
+        <p:nvCxnSpPr>
+          <p:cNvPr id="41" name="Straight Arrow Connector 40"/>
+          <p:cNvCxnSpPr>
+            <a:endCxn id="19" idx="2"/>
+          </p:cNvCxnSpPr>
+          <p:nvPr/>
+        </p:nvCxnSpPr>
+        <p:spPr>
+          <a:xfrm>
+            <a:off x="2843213" y="4473575"/>
+            <a:ext cx="649287" cy="34925"/>
+          </a:xfrm>
+          <a:prstGeom prst="straightConnector1">
+            <a:avLst/>
+          </a:prstGeom>
+          <a:ln w="28575">
+            <a:tailEnd type="arrow"/>
+          </a:ln>
+        </p:spPr>
+        <p:style>
+          <a:lnRef idx="1">
+            <a:schemeClr val="accent1"/>
+          </a:lnRef>
+          <a:fillRef idx="0">
+            <a:schemeClr val="accent1"/>
+          </a:fillRef>
+          <a:effectRef idx="0">
+            <a:schemeClr val="accent1"/>
+          </a:effectRef>
+          <a:fontRef idx="minor">
+            <a:schemeClr val="tx1"/>
+          </a:fontRef>
+        </p:style>
+      </p:cxnSp>
+      <p:cxnSp>
+        <p:nvCxnSpPr>
+          <p:cNvPr id="47" name="Shape 46"/>
+          <p:cNvCxnSpPr/>
+          <p:nvPr/>
+        </p:nvCxnSpPr>
+        <p:spPr>
+          <a:xfrm rot="16200000" flipH="1">
+            <a:off x="484982" y="3339306"/>
+            <a:ext cx="1363662" cy="822325"/>
+          </a:xfrm>
+          <a:prstGeom prst="curvedConnector2">
+            <a:avLst/>
+          </a:prstGeom>
+          <a:ln w="28575">
+            <a:tailEnd type="arrow"/>
+          </a:ln>
+        </p:spPr>
+        <p:style>
+          <a:lnRef idx="1">
+            <a:schemeClr val="accent1"/>
+          </a:lnRef>
+          <a:fillRef idx="0">
+            <a:schemeClr val="accent1"/>
+          </a:fillRef>
+          <a:effectRef idx="0">
+            <a:schemeClr val="accent1"/>
+          </a:effectRef>
+          <a:fontRef idx="minor">
+            <a:schemeClr val="tx1"/>
+          </a:fontRef>
+        </p:style>
+      </p:cxnSp>
+      <p:cxnSp>
+        <p:nvCxnSpPr>
+          <p:cNvPr id="59" name="Straight Arrow Connector 58"/>
+          <p:cNvCxnSpPr>
+            <a:stCxn id="13" idx="1"/>
+            <a:endCxn id="11" idx="5"/>
+          </p:cNvCxnSpPr>
+          <p:nvPr/>
+        </p:nvCxnSpPr>
+        <p:spPr>
+          <a:xfrm flipH="1" flipV="1">
+            <a:off x="3449638" y="2667000"/>
+            <a:ext cx="444500" cy="876300"/>
+          </a:xfrm>
+          <a:prstGeom prst="straightConnector1">
+            <a:avLst/>
+          </a:prstGeom>
+          <a:ln w="28575">
+            <a:tailEnd type="arrow"/>
+          </a:ln>
+        </p:spPr>
+        <p:style>
+          <a:lnRef idx="1">
+            <a:schemeClr val="accent1"/>
+          </a:lnRef>
+          <a:fillRef idx="0">
+            <a:schemeClr val="accent1"/>
+          </a:fillRef>
+          <a:effectRef idx="0">
+            <a:schemeClr val="accent1"/>
+          </a:effectRef>
+          <a:fontRef idx="minor">
+            <a:schemeClr val="tx1"/>
+          </a:fontRef>
+        </p:style>
+      </p:cxnSp>
+      <p:sp>
+        <p:nvSpPr>
+          <p:cNvPr id="60" name="Oval 59"/>
+          <p:cNvSpPr/>
+          <p:nvPr/>
+        </p:nvSpPr>
+        <p:spPr>
+          <a:xfrm>
+            <a:off x="3276600" y="2492375"/>
+            <a:ext cx="142875" cy="144463"/>
+          </a:xfrm>
+          <a:prstGeom prst="ellipse">
+            <a:avLst/>
+          </a:prstGeom>
+          <a:noFill/>
+        </p:spPr>
+        <p:style>
+          <a:lnRef idx="2">
+            <a:schemeClr val="accent1">
+              <a:shade val="50000"/>
+            </a:schemeClr>
+          </a:lnRef>
+          <a:fillRef idx="1">
+            <a:schemeClr val="accent1"/>
+          </a:fillRef>
+          <a:effectRef idx="0">
+            <a:schemeClr val="accent1"/>
+          </a:effectRef>
+          <a:fontRef idx="minor">
+            <a:schemeClr val="lt1"/>
+          </a:fontRef>
+        </p:style>
+        <p:txBody>
+          <a:bodyPr anchor="ctr"/>
+          <a:lstStyle/>
+          <a:p>
+            <a:pPr algn="ctr">
+              <a:defRPr/>
+            </a:pPr>
+            <a:endParaRPr lang="et-EE"/>
+          </a:p>
+        </p:txBody>
+      </p:sp>
+      <p:sp>
+        <p:nvSpPr>
+          <p:cNvPr id="65" name="Oval 64"/>
+          <p:cNvSpPr/>
+          <p:nvPr/>
+        </p:nvSpPr>
+        <p:spPr>
+          <a:xfrm>
+            <a:off x="4067175" y="2492375"/>
+            <a:ext cx="144463" cy="144463"/>
+          </a:xfrm>
+          <a:prstGeom prst="ellipse">
+            <a:avLst/>
+          </a:prstGeom>
+          <a:noFill/>
+        </p:spPr>
+        <p:style>
+          <a:lnRef idx="2">
+            <a:schemeClr val="accent1">
+              <a:shade val="50000"/>
+            </a:schemeClr>
+          </a:lnRef>
+          <a:fillRef idx="1">
+            <a:schemeClr val="accent1"/>
+          </a:fillRef>
+          <a:effectRef idx="0">
+            <a:schemeClr val="accent1"/>
+          </a:effectRef>
+          <a:fontRef idx="minor">
+            <a:schemeClr val="lt1"/>
+          </a:fontRef>
+        </p:style>
+        <p:txBody>
+          <a:bodyPr anchor="ctr"/>
+          <a:lstStyle/>
+          <a:p>
+            <a:pPr algn="ctr">
+              <a:defRPr/>
+            </a:pPr>
+            <a:endParaRPr lang="et-EE"/>
+          </a:p>
+        </p:txBody>
+      </p:sp>
+      <p:sp>
+        <p:nvSpPr>
+          <p:cNvPr id="79" name="Oval 78"/>
+          <p:cNvSpPr/>
+          <p:nvPr/>
+        </p:nvSpPr>
+        <p:spPr>
+          <a:xfrm>
+            <a:off x="1619250" y="4292600"/>
+            <a:ext cx="287338" cy="288925"/>
+          </a:xfrm>
+          <a:prstGeom prst="ellipse">
+            <a:avLst/>
+          </a:prstGeom>
+          <a:noFill/>
+        </p:spPr>
+        <p:style>
+          <a:lnRef idx="2">
+            <a:schemeClr val="accent1">
+              <a:shade val="50000"/>
+            </a:schemeClr>
+          </a:lnRef>
+          <a:fillRef idx="1">
+            <a:schemeClr val="accent1"/>
+          </a:fillRef>
+          <a:effectRef idx="0">
+            <a:schemeClr val="accent1"/>
+          </a:effectRef>
+          <a:fontRef idx="minor">
+            <a:schemeClr val="lt1"/>
+          </a:fontRef>
+        </p:style>
+        <p:txBody>
+          <a:bodyPr anchor="ctr"/>
+          <a:lstStyle/>
+          <a:p>
+            <a:pPr algn="ctr">
+              <a:defRPr/>
+            </a:pPr>
+            <a:endParaRPr lang="et-EE"/>
+          </a:p>
+        </p:txBody>
+      </p:sp>
+      <p:sp>
+        <p:nvSpPr>
+          <p:cNvPr id="80" name="Oval 79"/>
+          <p:cNvSpPr/>
+          <p:nvPr/>
+        </p:nvSpPr>
+        <p:spPr>
+          <a:xfrm>
+            <a:off x="2555875" y="4292600"/>
+            <a:ext cx="287338" cy="288925"/>
+          </a:xfrm>
+          <a:prstGeom prst="ellipse">
+            <a:avLst/>
+          </a:prstGeom>
+          <a:noFill/>
+        </p:spPr>
+        <p:style>
+          <a:lnRef idx="2">
+            <a:schemeClr val="accent1">
+              <a:shade val="50000"/>
+            </a:schemeClr>
+          </a:lnRef>
+          <a:fillRef idx="1">
+            <a:schemeClr val="accent1"/>
+          </a:fillRef>
+          <a:effectRef idx="0">
+            <a:schemeClr val="accent1"/>
+          </a:effectRef>
+          <a:fontRef idx="minor">
+            <a:schemeClr val="lt1"/>
+          </a:fontRef>
+        </p:style>
+        <p:txBody>
+          <a:bodyPr anchor="ctr"/>
+          <a:lstStyle/>
+          <a:p>
+            <a:pPr algn="ctr">
+              <a:defRPr/>
+            </a:pPr>
+            <a:endParaRPr lang="et-EE"/>
+          </a:p>
+        </p:txBody>
+      </p:sp>
+      <p:cxnSp>
+        <p:nvCxnSpPr>
+          <p:cNvPr id="44" name="Curved Connector 43"/>
+          <p:cNvCxnSpPr>
+            <a:stCxn id="80" idx="4"/>
+            <a:endCxn id="19" idx="4"/>
+          </p:cNvCxnSpPr>
+          <p:nvPr/>
+        </p:nvCxnSpPr>
+        <p:spPr>
+          <a:xfrm rot="16200000" flipH="1">
+            <a:off x="3131344" y="4148931"/>
+            <a:ext cx="71438" cy="936625"/>
+          </a:xfrm>
+          <a:prstGeom prst="curvedConnector3">
+            <a:avLst>
+              <a:gd name="adj1" fmla="val 417465"/>
+            </a:avLst>
+          </a:prstGeom>
+          <a:ln w="28575">
+            <a:tailEnd type="arrow"/>
+          </a:ln>
+        </p:spPr>
+        <p:style>
+          <a:lnRef idx="1">
+            <a:schemeClr val="accent1"/>
+          </a:lnRef>
+          <a:fillRef idx="0">
+            <a:schemeClr val="accent1"/>
+          </a:fillRef>
+          <a:effectRef idx="0">
+            <a:schemeClr val="accent1"/>
+          </a:effectRef>
+          <a:fontRef idx="minor">
+            <a:schemeClr val="tx1"/>
+          </a:fontRef>
+        </p:style>
+      </p:cxnSp>
+      <p:cxnSp>
+        <p:nvCxnSpPr>
+          <p:cNvPr id="58" name="Curved Connector 57"/>
+          <p:cNvCxnSpPr/>
+          <p:nvPr/>
+        </p:nvCxnSpPr>
+        <p:spPr>
+          <a:xfrm rot="16200000" flipH="1">
+            <a:off x="3132138" y="4149725"/>
+            <a:ext cx="71438" cy="935037"/>
+          </a:xfrm>
+          <a:prstGeom prst="curvedConnector3">
+            <a:avLst>
+              <a:gd name="adj1" fmla="val 1327931"/>
+            </a:avLst>
+          </a:prstGeom>
+          <a:ln w="28575">
+            <a:tailEnd type="arrow"/>
+          </a:ln>
+        </p:spPr>
+        <p:style>
+          <a:lnRef idx="1">
+            <a:schemeClr val="accent1"/>
+          </a:lnRef>
+          <a:fillRef idx="0">
+            <a:schemeClr val="accent1"/>
+          </a:fillRef>
+          <a:effectRef idx="0">
+            <a:schemeClr val="accent1"/>
+          </a:effectRef>
+          <a:fontRef idx="minor">
+            <a:schemeClr val="tx1"/>
+          </a:fontRef>
+        </p:style>
+      </p:cxnSp>
+      <p:sp>
+        <p:nvSpPr>
+          <p:cNvPr id="63" name="Oval 62"/>
+          <p:cNvSpPr/>
+          <p:nvPr/>
+        </p:nvSpPr>
+        <p:spPr>
+          <a:xfrm rot="20006507">
+            <a:off x="3240088" y="1814513"/>
+            <a:ext cx="1323975" cy="2087562"/>
+          </a:xfrm>
+          <a:prstGeom prst="ellipse">
+            <a:avLst/>
+          </a:prstGeom>
+          <a:noFill/>
+          <a:ln>
+            <a:solidFill>
+              <a:srgbClr val="FF0000"/>
+            </a:solidFill>
+          </a:ln>
+        </p:spPr>
+        <p:style>
+          <a:lnRef idx="2">
+            <a:schemeClr val="accent1">
+              <a:shade val="50000"/>
+            </a:schemeClr>
+          </a:lnRef>
+          <a:fillRef idx="1">
+            <a:schemeClr val="accent1"/>
+          </a:fillRef>
+          <a:effectRef idx="0">
+            <a:schemeClr val="accent1"/>
+          </a:effectRef>
+          <a:fontRef idx="minor">
+            <a:schemeClr val="lt1"/>
+          </a:fontRef>
+        </p:style>
+        <p:txBody>
+          <a:bodyPr anchor="ctr"/>
+          <a:lstStyle/>
+          <a:p>
+            <a:pPr algn="ctr">
+              <a:defRPr/>
+            </a:pPr>
+            <a:endParaRPr lang="et-EE" dirty="0">
+              <a:solidFill>
+                <a:srgbClr val="FF0000"/>
+              </a:solidFill>
+            </a:endParaRPr>
+          </a:p>
+        </p:txBody>
+      </p:sp>
+      <p:sp>
+        <p:nvSpPr>
+          <p:cNvPr id="40" name="Oval 39"/>
+          <p:cNvSpPr/>
+          <p:nvPr/>
+        </p:nvSpPr>
+        <p:spPr>
+          <a:xfrm>
+            <a:off x="611188" y="2781300"/>
+            <a:ext cx="287337" cy="287338"/>
+          </a:xfrm>
+          <a:prstGeom prst="ellipse">
+            <a:avLst/>
+          </a:prstGeom>
+          <a:noFill/>
+        </p:spPr>
+        <p:style>
+          <a:lnRef idx="2">
+            <a:schemeClr val="accent1">
+              <a:shade val="50000"/>
+            </a:schemeClr>
+          </a:lnRef>
+          <a:fillRef idx="1">
+            <a:schemeClr val="accent1"/>
+          </a:fillRef>
+          <a:effectRef idx="0">
+            <a:schemeClr val="accent1"/>
+          </a:effectRef>
+          <a:fontRef idx="minor">
+            <a:schemeClr val="lt1"/>
+          </a:fontRef>
+        </p:style>
+        <p:txBody>
+          <a:bodyPr anchor="ctr"/>
+          <a:lstStyle/>
+          <a:p>
+            <a:pPr algn="ctr">
+              <a:defRPr/>
+            </a:pPr>
+            <a:endParaRPr lang="et-EE"/>
+          </a:p>
+        </p:txBody>
+      </p:sp>
+      <p:sp>
+        <p:nvSpPr>
+          <p:cNvPr id="42" name="Oval 41"/>
+          <p:cNvSpPr/>
+          <p:nvPr/>
+        </p:nvSpPr>
+        <p:spPr>
+          <a:xfrm>
+            <a:off x="4643438" y="4005263"/>
+            <a:ext cx="287337" cy="287337"/>
+          </a:xfrm>
+          <a:prstGeom prst="ellipse">
+            <a:avLst/>
+          </a:prstGeom>
+          <a:noFill/>
+        </p:spPr>
+        <p:style>
+          <a:lnRef idx="2">
+            <a:schemeClr val="accent1">
+              <a:shade val="50000"/>
+            </a:schemeClr>
+          </a:lnRef>
+          <a:fillRef idx="1">
+            <a:schemeClr val="accent1"/>
+          </a:fillRef>
+          <a:effectRef idx="0">
+            <a:schemeClr val="accent1"/>
+          </a:effectRef>
+          <a:fontRef idx="minor">
+            <a:schemeClr val="lt1"/>
+          </a:fontRef>
+        </p:style>
+        <p:txBody>
+          <a:bodyPr anchor="ctr"/>
+          <a:lstStyle/>
+          <a:p>
+            <a:pPr algn="ctr">
+              <a:defRPr/>
+            </a:pPr>
+            <a:endParaRPr lang="et-EE"/>
+          </a:p>
+        </p:txBody>
+      </p:sp>
+      <p:sp>
+        <p:nvSpPr>
+          <p:cNvPr id="45" name="Oval 44"/>
+          <p:cNvSpPr/>
+          <p:nvPr/>
+        </p:nvSpPr>
+        <p:spPr>
+          <a:xfrm>
+            <a:off x="4572000" y="4868863"/>
+            <a:ext cx="287338" cy="288925"/>
+          </a:xfrm>
+          <a:prstGeom prst="ellipse">
+            <a:avLst/>
+          </a:prstGeom>
+          <a:noFill/>
+        </p:spPr>
+        <p:style>
+          <a:lnRef idx="2">
+            <a:schemeClr val="accent1">
+              <a:shade val="50000"/>
+            </a:schemeClr>
+          </a:lnRef>
+          <a:fillRef idx="1">
+            <a:schemeClr val="accent1"/>
+          </a:fillRef>
+          <a:effectRef idx="0">
+            <a:schemeClr val="accent1"/>
+          </a:effectRef>
+          <a:fontRef idx="minor">
+            <a:schemeClr val="lt1"/>
+          </a:fontRef>
+        </p:style>
+        <p:txBody>
+          <a:bodyPr anchor="ctr"/>
+          <a:lstStyle/>
+          <a:p>
+            <a:pPr algn="ctr">
+              <a:defRPr/>
+            </a:pPr>
+            <a:endParaRPr lang="et-EE"/>
+          </a:p>
+        </p:txBody>
+      </p:sp>
+      <p:cxnSp>
+        <p:nvCxnSpPr>
+          <p:cNvPr id="48" name="Straight Arrow Connector 47"/>
+          <p:cNvCxnSpPr>
+            <a:stCxn id="19" idx="5"/>
+          </p:cNvCxnSpPr>
+          <p:nvPr/>
+        </p:nvCxnSpPr>
+        <p:spPr>
+          <a:xfrm>
+            <a:off x="3736975" y="4611688"/>
+            <a:ext cx="835025" cy="401637"/>
+          </a:xfrm>
+          <a:prstGeom prst="straightConnector1">
+            <a:avLst/>
+          </a:prstGeom>
+          <a:ln w="28575">
+            <a:tailEnd type="arrow"/>
+          </a:ln>
+        </p:spPr>
+        <p:style>
+          <a:lnRef idx="1">
+            <a:schemeClr val="accent1"/>
+          </a:lnRef>
+          <a:fillRef idx="0">
+            <a:schemeClr val="accent1"/>
+          </a:fillRef>
+          <a:effectRef idx="0">
+            <a:schemeClr val="accent1"/>
+          </a:effectRef>
+          <a:fontRef idx="minor">
+            <a:schemeClr val="tx1"/>
+          </a:fontRef>
+        </p:style>
+      </p:cxnSp>
+      <p:cxnSp>
+        <p:nvCxnSpPr>
+          <p:cNvPr id="52" name="Straight Arrow Connector 51"/>
+          <p:cNvCxnSpPr>
+            <a:stCxn id="19" idx="6"/>
+          </p:cNvCxnSpPr>
+          <p:nvPr/>
+        </p:nvCxnSpPr>
+        <p:spPr>
+          <a:xfrm flipV="1">
+            <a:off x="3779838" y="4221163"/>
+            <a:ext cx="863600" cy="287337"/>
+          </a:xfrm>
+          <a:prstGeom prst="straightConnector1">
+            <a:avLst/>
+          </a:prstGeom>
+          <a:ln w="28575">
+            <a:tailEnd type="arrow"/>
+          </a:ln>
+        </p:spPr>
+        <p:style>
+          <a:lnRef idx="1">
+            <a:schemeClr val="accent1"/>
+          </a:lnRef>
+          <a:fillRef idx="0">
+            <a:schemeClr val="accent1"/>
+          </a:fillRef>
+          <a:effectRef idx="0">
+            <a:schemeClr val="accent1"/>
+          </a:effectRef>
+          <a:fontRef idx="minor">
+            <a:schemeClr val="tx1"/>
+          </a:fontRef>
+        </p:style>
+      </p:cxnSp>
+      <p:cxnSp>
+        <p:nvCxnSpPr>
+          <p:cNvPr id="66" name="Straight Arrow Connector 65"/>
+          <p:cNvCxnSpPr>
+            <a:stCxn id="42" idx="1"/>
+          </p:cNvCxnSpPr>
+          <p:nvPr/>
+        </p:nvCxnSpPr>
+        <p:spPr>
+          <a:xfrm flipH="1" flipV="1">
+            <a:off x="4140200" y="3716338"/>
+            <a:ext cx="546100" cy="330200"/>
+          </a:xfrm>
+          <a:prstGeom prst="straightConnector1">
+            <a:avLst/>
+          </a:prstGeom>
+          <a:ln w="28575">
+            <a:tailEnd type="arrow"/>
+          </a:ln>
+        </p:spPr>
+        <p:style>
+          <a:lnRef idx="1">
+            <a:schemeClr val="accent1"/>
+          </a:lnRef>
+          <a:fillRef idx="0">
+            <a:schemeClr val="accent1"/>
+          </a:fillRef>
+          <a:effectRef idx="0">
+            <a:schemeClr val="accent1"/>
+          </a:effectRef>
+          <a:fontRef idx="minor">
+            <a:schemeClr val="tx1"/>
+          </a:fontRef>
+        </p:style>
+      </p:cxnSp>
+      <p:sp>
+        <p:nvSpPr>
+          <p:cNvPr id="68" name="Oval 67"/>
+          <p:cNvSpPr/>
+          <p:nvPr/>
+        </p:nvSpPr>
+        <p:spPr>
+          <a:xfrm>
+            <a:off x="4643438" y="4941888"/>
+            <a:ext cx="144462" cy="142875"/>
+          </a:xfrm>
+          <a:prstGeom prst="ellipse">
+            <a:avLst/>
+          </a:prstGeom>
+          <a:noFill/>
+        </p:spPr>
+        <p:style>
+          <a:lnRef idx="2">
+            <a:schemeClr val="accent1">
+              <a:shade val="50000"/>
+            </a:schemeClr>
+          </a:lnRef>
+          <a:fillRef idx="1">
+            <a:schemeClr val="accent1"/>
+          </a:fillRef>
+          <a:effectRef idx="0">
+            <a:schemeClr val="accent1"/>
+          </a:effectRef>
+          <a:fontRef idx="minor">
+            <a:schemeClr val="lt1"/>
+          </a:fontRef>
+        </p:style>
+        <p:txBody>
+          <a:bodyPr anchor="ctr"/>
+          <a:lstStyle/>
+          <a:p>
+            <a:pPr algn="ctr">
+              <a:defRPr/>
+            </a:pPr>
+            <a:endParaRPr lang="et-EE"/>
           </a:p>
         </p:txBody>
       </p:sp>
@@ -12810,1203 +13416,6 @@
       </p:grpSpPr>
       <p:sp>
         <p:nvSpPr>
-          <p:cNvPr id="17410" name="Title 1"/>
-          <p:cNvSpPr>
-            <a:spLocks noGrp="1"/>
-          </p:cNvSpPr>
-          <p:nvPr>
-            <p:ph type="title"/>
-          </p:nvPr>
-        </p:nvSpPr>
-        <p:spPr/>
-        <p:txBody>
-          <a:bodyPr/>
-          <a:lstStyle/>
-          <a:p>
-            <a:r>
-              <a:rPr lang="et-EE" smtClean="0"/>
-              <a:t>Lihtne pooleli sõnastik</a:t>
-            </a:r>
-          </a:p>
-        </p:txBody>
-      </p:sp>
-      <p:sp>
-        <p:nvSpPr>
-          <p:cNvPr id="17411" name="Content Placeholder 2"/>
-          <p:cNvSpPr>
-            <a:spLocks noGrp="1"/>
-          </p:cNvSpPr>
-          <p:nvPr>
-            <p:ph idx="1"/>
-          </p:nvPr>
-        </p:nvSpPr>
-        <p:spPr>
-          <a:xfrm>
-            <a:off x="374650" y="1557338"/>
-            <a:ext cx="8229600" cy="4525962"/>
-          </a:xfrm>
-        </p:spPr>
-        <p:txBody>
-          <a:bodyPr/>
-          <a:lstStyle/>
-          <a:p>
-            <a:pPr indent="0">
-              <a:spcBef>
-                <a:spcPct val="0"/>
-              </a:spcBef>
-              <a:buFont typeface="Arial" charset="0"/>
-              <a:buNone/>
-            </a:pPr>
-            <a:endParaRPr lang="et-EE" sz="1200" smtClean="0"/>
-          </a:p>
-          <a:p>
-            <a:pPr indent="0">
-              <a:spcBef>
-                <a:spcPct val="0"/>
-              </a:spcBef>
-              <a:buFont typeface="Arial" charset="0"/>
-              <a:buNone/>
-            </a:pPr>
-            <a:endParaRPr lang="et-EE" sz="1200" smtClean="0"/>
-          </a:p>
-          <a:p>
-            <a:pPr indent="0">
-              <a:spcBef>
-                <a:spcPct val="0"/>
-              </a:spcBef>
-              <a:buFont typeface="Arial" charset="0"/>
-              <a:buNone/>
-            </a:pPr>
-            <a:r>
-              <a:rPr lang="et-EE" sz="1200" smtClean="0"/>
-              <a:t>                      </a:t>
-            </a:r>
-            <a:r>
-              <a:rPr lang="et-EE" sz="2400" smtClean="0"/>
-              <a:t>                               d</a:t>
-            </a:r>
-          </a:p>
-          <a:p>
-            <a:pPr indent="0">
-              <a:spcBef>
-                <a:spcPct val="0"/>
-              </a:spcBef>
-              <a:buFont typeface="Arial" charset="0"/>
-              <a:buNone/>
-            </a:pPr>
-            <a:r>
-              <a:rPr lang="et-EE" sz="1200" smtClean="0"/>
-              <a:t>    </a:t>
-            </a:r>
-            <a:r>
-              <a:rPr lang="et-EE" sz="2400" smtClean="0"/>
-              <a:t>          </a:t>
-            </a:r>
-          </a:p>
-          <a:p>
-            <a:pPr indent="0">
-              <a:spcBef>
-                <a:spcPct val="0"/>
-              </a:spcBef>
-              <a:buFont typeface="Arial" charset="0"/>
-              <a:buNone/>
-            </a:pPr>
-            <a:r>
-              <a:rPr lang="et-EE" sz="1200" smtClean="0"/>
-              <a:t>       </a:t>
-            </a:r>
-            <a:r>
-              <a:rPr lang="et-EE" sz="2400" smtClean="0"/>
-              <a:t>                                       i</a:t>
-            </a:r>
-          </a:p>
-          <a:p>
-            <a:pPr indent="0">
-              <a:spcBef>
-                <a:spcPct val="0"/>
-              </a:spcBef>
-              <a:buFont typeface="Arial" charset="0"/>
-              <a:buNone/>
-            </a:pPr>
-            <a:endParaRPr lang="et-EE" sz="800" smtClean="0"/>
-          </a:p>
-          <a:p>
-            <a:pPr indent="0">
-              <a:spcBef>
-                <a:spcPct val="0"/>
-              </a:spcBef>
-              <a:buFont typeface="Arial" charset="0"/>
-              <a:buNone/>
-            </a:pPr>
-            <a:r>
-              <a:rPr lang="et-EE" sz="2400" smtClean="0"/>
-              <a:t>                         </a:t>
-            </a:r>
-          </a:p>
-          <a:p>
-            <a:pPr indent="0">
-              <a:spcBef>
-                <a:spcPct val="0"/>
-              </a:spcBef>
-              <a:buFont typeface="Arial" charset="0"/>
-              <a:buNone/>
-            </a:pPr>
-            <a:r>
-              <a:rPr lang="et-EE" sz="2400" smtClean="0"/>
-              <a:t>                                                      {W}</a:t>
-            </a:r>
-          </a:p>
-          <a:p>
-            <a:pPr indent="0">
-              <a:spcBef>
-                <a:spcPct val="0"/>
-              </a:spcBef>
-              <a:buFont typeface="Arial" charset="0"/>
-              <a:buNone/>
-            </a:pPr>
-            <a:r>
-              <a:rPr lang="et-EE" sz="2400" smtClean="0"/>
-              <a:t>p                o            s            t</a:t>
-            </a:r>
-            <a:endParaRPr lang="et-EE" sz="800" smtClean="0"/>
-          </a:p>
-          <a:p>
-            <a:pPr indent="0">
-              <a:spcBef>
-                <a:spcPct val="0"/>
-              </a:spcBef>
-              <a:buFont typeface="Arial" charset="0"/>
-              <a:buNone/>
-            </a:pPr>
-            <a:endParaRPr lang="et-EE" sz="800" smtClean="0"/>
-          </a:p>
-          <a:p>
-            <a:pPr indent="0">
-              <a:spcBef>
-                <a:spcPct val="0"/>
-              </a:spcBef>
-              <a:buFont typeface="Arial" charset="0"/>
-              <a:buNone/>
-            </a:pPr>
-            <a:r>
-              <a:rPr lang="et-EE" sz="2400" smtClean="0"/>
-              <a:t>                                </a:t>
-            </a:r>
-            <a:r>
-              <a:rPr lang="et-EE" sz="2400" smtClean="0">
-                <a:solidFill>
-                  <a:srgbClr val="FF0000"/>
-                </a:solidFill>
-              </a:rPr>
-              <a:t>t                </a:t>
-            </a:r>
-            <a:r>
-              <a:rPr lang="et-EE" sz="2400" smtClean="0"/>
-              <a:t>t</a:t>
-            </a:r>
-          </a:p>
-          <a:p>
-            <a:pPr indent="0">
-              <a:spcBef>
-                <a:spcPct val="0"/>
-              </a:spcBef>
-              <a:buFont typeface="Arial" charset="0"/>
-              <a:buNone/>
-            </a:pPr>
-            <a:endParaRPr lang="et-EE" sz="2400" smtClean="0"/>
-          </a:p>
-          <a:p>
-            <a:pPr indent="0">
-              <a:spcBef>
-                <a:spcPct val="0"/>
-              </a:spcBef>
-              <a:buFont typeface="Arial" charset="0"/>
-              <a:buNone/>
-            </a:pPr>
-            <a:r>
-              <a:rPr lang="et-EE" sz="2400" smtClean="0"/>
-              <a:t>                                  </a:t>
-            </a:r>
-            <a:r>
-              <a:rPr lang="et-EE" sz="2400" smtClean="0">
-                <a:solidFill>
-                  <a:srgbClr val="FF0000"/>
-                </a:solidFill>
-              </a:rPr>
-              <a:t>l</a:t>
-            </a:r>
-          </a:p>
-          <a:p>
-            <a:pPr indent="0">
-              <a:spcBef>
-                <a:spcPct val="0"/>
-              </a:spcBef>
-              <a:buFont typeface="Arial" charset="0"/>
-              <a:buNone/>
-            </a:pPr>
-            <a:r>
-              <a:rPr lang="et-EE" sz="2400" smtClean="0"/>
-              <a:t>{W} – nõrk aste          post{W}id, pott{W}id, polt{W}id </a:t>
-            </a:r>
-          </a:p>
-          <a:p>
-            <a:pPr indent="0">
-              <a:spcBef>
-                <a:spcPct val="0"/>
-              </a:spcBef>
-              <a:buFont typeface="Arial" charset="0"/>
-              <a:buNone/>
-            </a:pPr>
-            <a:endParaRPr lang="et-EE" sz="2400" smtClean="0"/>
-          </a:p>
-        </p:txBody>
-      </p:sp>
-      <p:sp>
-        <p:nvSpPr>
-          <p:cNvPr id="11" name="Oval 10"/>
-          <p:cNvSpPr/>
-          <p:nvPr/>
-        </p:nvSpPr>
-        <p:spPr>
-          <a:xfrm>
-            <a:off x="3203575" y="2420938"/>
-            <a:ext cx="287338" cy="287337"/>
-          </a:xfrm>
-          <a:prstGeom prst="ellipse">
-            <a:avLst/>
-          </a:prstGeom>
-          <a:noFill/>
-        </p:spPr>
-        <p:style>
-          <a:lnRef idx="2">
-            <a:schemeClr val="accent1">
-              <a:shade val="50000"/>
-            </a:schemeClr>
-          </a:lnRef>
-          <a:fillRef idx="1">
-            <a:schemeClr val="accent1"/>
-          </a:fillRef>
-          <a:effectRef idx="0">
-            <a:schemeClr val="accent1"/>
-          </a:effectRef>
-          <a:fontRef idx="minor">
-            <a:schemeClr val="lt1"/>
-          </a:fontRef>
-        </p:style>
-        <p:txBody>
-          <a:bodyPr anchor="ctr"/>
-          <a:lstStyle/>
-          <a:p>
-            <a:pPr algn="ctr">
-              <a:defRPr/>
-            </a:pPr>
-            <a:endParaRPr lang="et-EE"/>
-          </a:p>
-        </p:txBody>
-      </p:sp>
-      <p:sp>
-        <p:nvSpPr>
-          <p:cNvPr id="12" name="Oval 11"/>
-          <p:cNvSpPr/>
-          <p:nvPr/>
-        </p:nvSpPr>
-        <p:spPr>
-          <a:xfrm>
-            <a:off x="3995738" y="2420938"/>
-            <a:ext cx="287337" cy="287337"/>
-          </a:xfrm>
-          <a:prstGeom prst="ellipse">
-            <a:avLst/>
-          </a:prstGeom>
-          <a:noFill/>
-        </p:spPr>
-        <p:style>
-          <a:lnRef idx="2">
-            <a:schemeClr val="accent1">
-              <a:shade val="50000"/>
-            </a:schemeClr>
-          </a:lnRef>
-          <a:fillRef idx="1">
-            <a:schemeClr val="accent1"/>
-          </a:fillRef>
-          <a:effectRef idx="0">
-            <a:schemeClr val="accent1"/>
-          </a:effectRef>
-          <a:fontRef idx="minor">
-            <a:schemeClr val="lt1"/>
-          </a:fontRef>
-        </p:style>
-        <p:txBody>
-          <a:bodyPr anchor="ctr"/>
-          <a:lstStyle/>
-          <a:p>
-            <a:pPr algn="ctr">
-              <a:defRPr/>
-            </a:pPr>
-            <a:endParaRPr lang="et-EE"/>
-          </a:p>
-        </p:txBody>
-      </p:sp>
-      <p:sp>
-        <p:nvSpPr>
-          <p:cNvPr id="13" name="Oval 12"/>
-          <p:cNvSpPr/>
-          <p:nvPr/>
-        </p:nvSpPr>
-        <p:spPr>
-          <a:xfrm>
-            <a:off x="3851275" y="3500438"/>
-            <a:ext cx="287338" cy="288925"/>
-          </a:xfrm>
-          <a:prstGeom prst="ellipse">
-            <a:avLst/>
-          </a:prstGeom>
-          <a:noFill/>
-        </p:spPr>
-        <p:style>
-          <a:lnRef idx="2">
-            <a:schemeClr val="accent1">
-              <a:shade val="50000"/>
-            </a:schemeClr>
-          </a:lnRef>
-          <a:fillRef idx="1">
-            <a:schemeClr val="accent1"/>
-          </a:fillRef>
-          <a:effectRef idx="0">
-            <a:schemeClr val="accent1"/>
-          </a:effectRef>
-          <a:fontRef idx="minor">
-            <a:schemeClr val="lt1"/>
-          </a:fontRef>
-        </p:style>
-        <p:txBody>
-          <a:bodyPr anchor="ctr"/>
-          <a:lstStyle/>
-          <a:p>
-            <a:pPr algn="ctr">
-              <a:defRPr/>
-            </a:pPr>
-            <a:endParaRPr lang="et-EE"/>
-          </a:p>
-        </p:txBody>
-      </p:sp>
-      <p:sp>
-        <p:nvSpPr>
-          <p:cNvPr id="19" name="Oval 18"/>
-          <p:cNvSpPr/>
-          <p:nvPr/>
-        </p:nvSpPr>
-        <p:spPr>
-          <a:xfrm>
-            <a:off x="3492500" y="4365625"/>
-            <a:ext cx="287338" cy="287338"/>
-          </a:xfrm>
-          <a:prstGeom prst="ellipse">
-            <a:avLst/>
-          </a:prstGeom>
-          <a:noFill/>
-        </p:spPr>
-        <p:style>
-          <a:lnRef idx="2">
-            <a:schemeClr val="accent1">
-              <a:shade val="50000"/>
-            </a:schemeClr>
-          </a:lnRef>
-          <a:fillRef idx="1">
-            <a:schemeClr val="accent1"/>
-          </a:fillRef>
-          <a:effectRef idx="0">
-            <a:schemeClr val="accent1"/>
-          </a:effectRef>
-          <a:fontRef idx="minor">
-            <a:schemeClr val="lt1"/>
-          </a:fontRef>
-        </p:style>
-        <p:txBody>
-          <a:bodyPr anchor="ctr"/>
-          <a:lstStyle/>
-          <a:p>
-            <a:pPr algn="ctr">
-              <a:defRPr/>
-            </a:pPr>
-            <a:endParaRPr lang="et-EE"/>
-          </a:p>
-        </p:txBody>
-      </p:sp>
-      <p:cxnSp>
-        <p:nvCxnSpPr>
-          <p:cNvPr id="37" name="Straight Arrow Connector 36"/>
-          <p:cNvCxnSpPr>
-            <a:stCxn id="11" idx="6"/>
-            <a:endCxn id="12" idx="2"/>
-          </p:cNvCxnSpPr>
-          <p:nvPr/>
-        </p:nvCxnSpPr>
-        <p:spPr>
-          <a:xfrm>
-            <a:off x="3490913" y="2565400"/>
-            <a:ext cx="504825" cy="0"/>
-          </a:xfrm>
-          <a:prstGeom prst="straightConnector1">
-            <a:avLst/>
-          </a:prstGeom>
-          <a:ln w="28575">
-            <a:tailEnd type="arrow"/>
-          </a:ln>
-        </p:spPr>
-        <p:style>
-          <a:lnRef idx="1">
-            <a:schemeClr val="accent1"/>
-          </a:lnRef>
-          <a:fillRef idx="0">
-            <a:schemeClr val="accent1"/>
-          </a:fillRef>
-          <a:effectRef idx="0">
-            <a:schemeClr val="accent1"/>
-          </a:effectRef>
-          <a:fontRef idx="minor">
-            <a:schemeClr val="tx1"/>
-          </a:fontRef>
-        </p:style>
-      </p:cxnSp>
-      <p:cxnSp>
-        <p:nvCxnSpPr>
-          <p:cNvPr id="39" name="Straight Arrow Connector 38"/>
-          <p:cNvCxnSpPr/>
-          <p:nvPr/>
-        </p:nvCxnSpPr>
-        <p:spPr>
-          <a:xfrm>
-            <a:off x="1906588" y="4400550"/>
-            <a:ext cx="649287" cy="36513"/>
-          </a:xfrm>
-          <a:prstGeom prst="straightConnector1">
-            <a:avLst/>
-          </a:prstGeom>
-          <a:ln w="28575">
-            <a:tailEnd type="arrow"/>
-          </a:ln>
-        </p:spPr>
-        <p:style>
-          <a:lnRef idx="1">
-            <a:schemeClr val="accent1"/>
-          </a:lnRef>
-          <a:fillRef idx="0">
-            <a:schemeClr val="accent1"/>
-          </a:fillRef>
-          <a:effectRef idx="0">
-            <a:schemeClr val="accent1"/>
-          </a:effectRef>
-          <a:fontRef idx="minor">
-            <a:schemeClr val="tx1"/>
-          </a:fontRef>
-        </p:style>
-      </p:cxnSp>
-      <p:cxnSp>
-        <p:nvCxnSpPr>
-          <p:cNvPr id="41" name="Straight Arrow Connector 40"/>
-          <p:cNvCxnSpPr>
-            <a:endCxn id="19" idx="2"/>
-          </p:cNvCxnSpPr>
-          <p:nvPr/>
-        </p:nvCxnSpPr>
-        <p:spPr>
-          <a:xfrm>
-            <a:off x="2843213" y="4473575"/>
-            <a:ext cx="649287" cy="34925"/>
-          </a:xfrm>
-          <a:prstGeom prst="straightConnector1">
-            <a:avLst/>
-          </a:prstGeom>
-          <a:ln w="28575">
-            <a:tailEnd type="arrow"/>
-          </a:ln>
-        </p:spPr>
-        <p:style>
-          <a:lnRef idx="1">
-            <a:schemeClr val="accent1"/>
-          </a:lnRef>
-          <a:fillRef idx="0">
-            <a:schemeClr val="accent1"/>
-          </a:fillRef>
-          <a:effectRef idx="0">
-            <a:schemeClr val="accent1"/>
-          </a:effectRef>
-          <a:fontRef idx="minor">
-            <a:schemeClr val="tx1"/>
-          </a:fontRef>
-        </p:style>
-      </p:cxnSp>
-      <p:cxnSp>
-        <p:nvCxnSpPr>
-          <p:cNvPr id="47" name="Shape 46"/>
-          <p:cNvCxnSpPr/>
-          <p:nvPr/>
-        </p:nvCxnSpPr>
-        <p:spPr>
-          <a:xfrm rot="16200000" flipH="1">
-            <a:off x="484982" y="3339306"/>
-            <a:ext cx="1363662" cy="822325"/>
-          </a:xfrm>
-          <a:prstGeom prst="curvedConnector2">
-            <a:avLst/>
-          </a:prstGeom>
-          <a:ln w="28575">
-            <a:tailEnd type="arrow"/>
-          </a:ln>
-        </p:spPr>
-        <p:style>
-          <a:lnRef idx="1">
-            <a:schemeClr val="accent1"/>
-          </a:lnRef>
-          <a:fillRef idx="0">
-            <a:schemeClr val="accent1"/>
-          </a:fillRef>
-          <a:effectRef idx="0">
-            <a:schemeClr val="accent1"/>
-          </a:effectRef>
-          <a:fontRef idx="minor">
-            <a:schemeClr val="tx1"/>
-          </a:fontRef>
-        </p:style>
-      </p:cxnSp>
-      <p:cxnSp>
-        <p:nvCxnSpPr>
-          <p:cNvPr id="59" name="Straight Arrow Connector 58"/>
-          <p:cNvCxnSpPr>
-            <a:stCxn id="13" idx="1"/>
-            <a:endCxn id="11" idx="5"/>
-          </p:cNvCxnSpPr>
-          <p:nvPr/>
-        </p:nvCxnSpPr>
-        <p:spPr>
-          <a:xfrm flipH="1" flipV="1">
-            <a:off x="3449638" y="2667000"/>
-            <a:ext cx="444500" cy="876300"/>
-          </a:xfrm>
-          <a:prstGeom prst="straightConnector1">
-            <a:avLst/>
-          </a:prstGeom>
-          <a:ln w="28575">
-            <a:tailEnd type="arrow"/>
-          </a:ln>
-        </p:spPr>
-        <p:style>
-          <a:lnRef idx="1">
-            <a:schemeClr val="accent1"/>
-          </a:lnRef>
-          <a:fillRef idx="0">
-            <a:schemeClr val="accent1"/>
-          </a:fillRef>
-          <a:effectRef idx="0">
-            <a:schemeClr val="accent1"/>
-          </a:effectRef>
-          <a:fontRef idx="minor">
-            <a:schemeClr val="tx1"/>
-          </a:fontRef>
-        </p:style>
-      </p:cxnSp>
-      <p:sp>
-        <p:nvSpPr>
-          <p:cNvPr id="60" name="Oval 59"/>
-          <p:cNvSpPr/>
-          <p:nvPr/>
-        </p:nvSpPr>
-        <p:spPr>
-          <a:xfrm>
-            <a:off x="3276600" y="2492375"/>
-            <a:ext cx="142875" cy="144463"/>
-          </a:xfrm>
-          <a:prstGeom prst="ellipse">
-            <a:avLst/>
-          </a:prstGeom>
-          <a:noFill/>
-        </p:spPr>
-        <p:style>
-          <a:lnRef idx="2">
-            <a:schemeClr val="accent1">
-              <a:shade val="50000"/>
-            </a:schemeClr>
-          </a:lnRef>
-          <a:fillRef idx="1">
-            <a:schemeClr val="accent1"/>
-          </a:fillRef>
-          <a:effectRef idx="0">
-            <a:schemeClr val="accent1"/>
-          </a:effectRef>
-          <a:fontRef idx="minor">
-            <a:schemeClr val="lt1"/>
-          </a:fontRef>
-        </p:style>
-        <p:txBody>
-          <a:bodyPr anchor="ctr"/>
-          <a:lstStyle/>
-          <a:p>
-            <a:pPr algn="ctr">
-              <a:defRPr/>
-            </a:pPr>
-            <a:endParaRPr lang="et-EE"/>
-          </a:p>
-        </p:txBody>
-      </p:sp>
-      <p:sp>
-        <p:nvSpPr>
-          <p:cNvPr id="65" name="Oval 64"/>
-          <p:cNvSpPr/>
-          <p:nvPr/>
-        </p:nvSpPr>
-        <p:spPr>
-          <a:xfrm>
-            <a:off x="4067175" y="2492375"/>
-            <a:ext cx="144463" cy="144463"/>
-          </a:xfrm>
-          <a:prstGeom prst="ellipse">
-            <a:avLst/>
-          </a:prstGeom>
-          <a:noFill/>
-        </p:spPr>
-        <p:style>
-          <a:lnRef idx="2">
-            <a:schemeClr val="accent1">
-              <a:shade val="50000"/>
-            </a:schemeClr>
-          </a:lnRef>
-          <a:fillRef idx="1">
-            <a:schemeClr val="accent1"/>
-          </a:fillRef>
-          <a:effectRef idx="0">
-            <a:schemeClr val="accent1"/>
-          </a:effectRef>
-          <a:fontRef idx="minor">
-            <a:schemeClr val="lt1"/>
-          </a:fontRef>
-        </p:style>
-        <p:txBody>
-          <a:bodyPr anchor="ctr"/>
-          <a:lstStyle/>
-          <a:p>
-            <a:pPr algn="ctr">
-              <a:defRPr/>
-            </a:pPr>
-            <a:endParaRPr lang="et-EE"/>
-          </a:p>
-        </p:txBody>
-      </p:sp>
-      <p:sp>
-        <p:nvSpPr>
-          <p:cNvPr id="79" name="Oval 78"/>
-          <p:cNvSpPr/>
-          <p:nvPr/>
-        </p:nvSpPr>
-        <p:spPr>
-          <a:xfrm>
-            <a:off x="1619250" y="4292600"/>
-            <a:ext cx="287338" cy="288925"/>
-          </a:xfrm>
-          <a:prstGeom prst="ellipse">
-            <a:avLst/>
-          </a:prstGeom>
-          <a:noFill/>
-        </p:spPr>
-        <p:style>
-          <a:lnRef idx="2">
-            <a:schemeClr val="accent1">
-              <a:shade val="50000"/>
-            </a:schemeClr>
-          </a:lnRef>
-          <a:fillRef idx="1">
-            <a:schemeClr val="accent1"/>
-          </a:fillRef>
-          <a:effectRef idx="0">
-            <a:schemeClr val="accent1"/>
-          </a:effectRef>
-          <a:fontRef idx="minor">
-            <a:schemeClr val="lt1"/>
-          </a:fontRef>
-        </p:style>
-        <p:txBody>
-          <a:bodyPr anchor="ctr"/>
-          <a:lstStyle/>
-          <a:p>
-            <a:pPr algn="ctr">
-              <a:defRPr/>
-            </a:pPr>
-            <a:endParaRPr lang="et-EE"/>
-          </a:p>
-        </p:txBody>
-      </p:sp>
-      <p:sp>
-        <p:nvSpPr>
-          <p:cNvPr id="80" name="Oval 79"/>
-          <p:cNvSpPr/>
-          <p:nvPr/>
-        </p:nvSpPr>
-        <p:spPr>
-          <a:xfrm>
-            <a:off x="2555875" y="4292600"/>
-            <a:ext cx="287338" cy="288925"/>
-          </a:xfrm>
-          <a:prstGeom prst="ellipse">
-            <a:avLst/>
-          </a:prstGeom>
-          <a:noFill/>
-        </p:spPr>
-        <p:style>
-          <a:lnRef idx="2">
-            <a:schemeClr val="accent1">
-              <a:shade val="50000"/>
-            </a:schemeClr>
-          </a:lnRef>
-          <a:fillRef idx="1">
-            <a:schemeClr val="accent1"/>
-          </a:fillRef>
-          <a:effectRef idx="0">
-            <a:schemeClr val="accent1"/>
-          </a:effectRef>
-          <a:fontRef idx="minor">
-            <a:schemeClr val="lt1"/>
-          </a:fontRef>
-        </p:style>
-        <p:txBody>
-          <a:bodyPr anchor="ctr"/>
-          <a:lstStyle/>
-          <a:p>
-            <a:pPr algn="ctr">
-              <a:defRPr/>
-            </a:pPr>
-            <a:endParaRPr lang="et-EE"/>
-          </a:p>
-        </p:txBody>
-      </p:sp>
-      <p:cxnSp>
-        <p:nvCxnSpPr>
-          <p:cNvPr id="44" name="Curved Connector 43"/>
-          <p:cNvCxnSpPr>
-            <a:stCxn id="80" idx="4"/>
-            <a:endCxn id="19" idx="4"/>
-          </p:cNvCxnSpPr>
-          <p:nvPr/>
-        </p:nvCxnSpPr>
-        <p:spPr>
-          <a:xfrm rot="16200000" flipH="1">
-            <a:off x="3131344" y="4148931"/>
-            <a:ext cx="71438" cy="936625"/>
-          </a:xfrm>
-          <a:prstGeom prst="curvedConnector3">
-            <a:avLst>
-              <a:gd name="adj1" fmla="val 417465"/>
-            </a:avLst>
-          </a:prstGeom>
-          <a:ln w="28575">
-            <a:tailEnd type="arrow"/>
-          </a:ln>
-        </p:spPr>
-        <p:style>
-          <a:lnRef idx="1">
-            <a:schemeClr val="accent1"/>
-          </a:lnRef>
-          <a:fillRef idx="0">
-            <a:schemeClr val="accent1"/>
-          </a:fillRef>
-          <a:effectRef idx="0">
-            <a:schemeClr val="accent1"/>
-          </a:effectRef>
-          <a:fontRef idx="minor">
-            <a:schemeClr val="tx1"/>
-          </a:fontRef>
-        </p:style>
-      </p:cxnSp>
-      <p:cxnSp>
-        <p:nvCxnSpPr>
-          <p:cNvPr id="58" name="Curved Connector 57"/>
-          <p:cNvCxnSpPr/>
-          <p:nvPr/>
-        </p:nvCxnSpPr>
-        <p:spPr>
-          <a:xfrm rot="16200000" flipH="1">
-            <a:off x="3132138" y="4149725"/>
-            <a:ext cx="71438" cy="935037"/>
-          </a:xfrm>
-          <a:prstGeom prst="curvedConnector3">
-            <a:avLst>
-              <a:gd name="adj1" fmla="val 1327931"/>
-            </a:avLst>
-          </a:prstGeom>
-          <a:ln w="28575">
-            <a:tailEnd type="arrow"/>
-          </a:ln>
-        </p:spPr>
-        <p:style>
-          <a:lnRef idx="1">
-            <a:schemeClr val="accent1"/>
-          </a:lnRef>
-          <a:fillRef idx="0">
-            <a:schemeClr val="accent1"/>
-          </a:fillRef>
-          <a:effectRef idx="0">
-            <a:schemeClr val="accent1"/>
-          </a:effectRef>
-          <a:fontRef idx="minor">
-            <a:schemeClr val="tx1"/>
-          </a:fontRef>
-        </p:style>
-      </p:cxnSp>
-      <p:sp>
-        <p:nvSpPr>
-          <p:cNvPr id="63" name="Oval 62"/>
-          <p:cNvSpPr/>
-          <p:nvPr/>
-        </p:nvSpPr>
-        <p:spPr>
-          <a:xfrm rot="20006507">
-            <a:off x="3240088" y="1814513"/>
-            <a:ext cx="1323975" cy="2087562"/>
-          </a:xfrm>
-          <a:prstGeom prst="ellipse">
-            <a:avLst/>
-          </a:prstGeom>
-          <a:noFill/>
-          <a:ln>
-            <a:solidFill>
-              <a:srgbClr val="FF0000"/>
-            </a:solidFill>
-          </a:ln>
-        </p:spPr>
-        <p:style>
-          <a:lnRef idx="2">
-            <a:schemeClr val="accent1">
-              <a:shade val="50000"/>
-            </a:schemeClr>
-          </a:lnRef>
-          <a:fillRef idx="1">
-            <a:schemeClr val="accent1"/>
-          </a:fillRef>
-          <a:effectRef idx="0">
-            <a:schemeClr val="accent1"/>
-          </a:effectRef>
-          <a:fontRef idx="minor">
-            <a:schemeClr val="lt1"/>
-          </a:fontRef>
-        </p:style>
-        <p:txBody>
-          <a:bodyPr anchor="ctr"/>
-          <a:lstStyle/>
-          <a:p>
-            <a:pPr algn="ctr">
-              <a:defRPr/>
-            </a:pPr>
-            <a:endParaRPr lang="et-EE" dirty="0">
-              <a:solidFill>
-                <a:srgbClr val="FF0000"/>
-              </a:solidFill>
-            </a:endParaRPr>
-          </a:p>
-        </p:txBody>
-      </p:sp>
-      <p:sp>
-        <p:nvSpPr>
-          <p:cNvPr id="40" name="Oval 39"/>
-          <p:cNvSpPr/>
-          <p:nvPr/>
-        </p:nvSpPr>
-        <p:spPr>
-          <a:xfrm>
-            <a:off x="611188" y="2781300"/>
-            <a:ext cx="287337" cy="287338"/>
-          </a:xfrm>
-          <a:prstGeom prst="ellipse">
-            <a:avLst/>
-          </a:prstGeom>
-          <a:noFill/>
-        </p:spPr>
-        <p:style>
-          <a:lnRef idx="2">
-            <a:schemeClr val="accent1">
-              <a:shade val="50000"/>
-            </a:schemeClr>
-          </a:lnRef>
-          <a:fillRef idx="1">
-            <a:schemeClr val="accent1"/>
-          </a:fillRef>
-          <a:effectRef idx="0">
-            <a:schemeClr val="accent1"/>
-          </a:effectRef>
-          <a:fontRef idx="minor">
-            <a:schemeClr val="lt1"/>
-          </a:fontRef>
-        </p:style>
-        <p:txBody>
-          <a:bodyPr anchor="ctr"/>
-          <a:lstStyle/>
-          <a:p>
-            <a:pPr algn="ctr">
-              <a:defRPr/>
-            </a:pPr>
-            <a:endParaRPr lang="et-EE"/>
-          </a:p>
-        </p:txBody>
-      </p:sp>
-      <p:sp>
-        <p:nvSpPr>
-          <p:cNvPr id="42" name="Oval 41"/>
-          <p:cNvSpPr/>
-          <p:nvPr/>
-        </p:nvSpPr>
-        <p:spPr>
-          <a:xfrm>
-            <a:off x="4643438" y="4005263"/>
-            <a:ext cx="287337" cy="287337"/>
-          </a:xfrm>
-          <a:prstGeom prst="ellipse">
-            <a:avLst/>
-          </a:prstGeom>
-          <a:noFill/>
-        </p:spPr>
-        <p:style>
-          <a:lnRef idx="2">
-            <a:schemeClr val="accent1">
-              <a:shade val="50000"/>
-            </a:schemeClr>
-          </a:lnRef>
-          <a:fillRef idx="1">
-            <a:schemeClr val="accent1"/>
-          </a:fillRef>
-          <a:effectRef idx="0">
-            <a:schemeClr val="accent1"/>
-          </a:effectRef>
-          <a:fontRef idx="minor">
-            <a:schemeClr val="lt1"/>
-          </a:fontRef>
-        </p:style>
-        <p:txBody>
-          <a:bodyPr anchor="ctr"/>
-          <a:lstStyle/>
-          <a:p>
-            <a:pPr algn="ctr">
-              <a:defRPr/>
-            </a:pPr>
-            <a:endParaRPr lang="et-EE"/>
-          </a:p>
-        </p:txBody>
-      </p:sp>
-      <p:sp>
-        <p:nvSpPr>
-          <p:cNvPr id="45" name="Oval 44"/>
-          <p:cNvSpPr/>
-          <p:nvPr/>
-        </p:nvSpPr>
-        <p:spPr>
-          <a:xfrm>
-            <a:off x="4572000" y="4868863"/>
-            <a:ext cx="287338" cy="288925"/>
-          </a:xfrm>
-          <a:prstGeom prst="ellipse">
-            <a:avLst/>
-          </a:prstGeom>
-          <a:noFill/>
-        </p:spPr>
-        <p:style>
-          <a:lnRef idx="2">
-            <a:schemeClr val="accent1">
-              <a:shade val="50000"/>
-            </a:schemeClr>
-          </a:lnRef>
-          <a:fillRef idx="1">
-            <a:schemeClr val="accent1"/>
-          </a:fillRef>
-          <a:effectRef idx="0">
-            <a:schemeClr val="accent1"/>
-          </a:effectRef>
-          <a:fontRef idx="minor">
-            <a:schemeClr val="lt1"/>
-          </a:fontRef>
-        </p:style>
-        <p:txBody>
-          <a:bodyPr anchor="ctr"/>
-          <a:lstStyle/>
-          <a:p>
-            <a:pPr algn="ctr">
-              <a:defRPr/>
-            </a:pPr>
-            <a:endParaRPr lang="et-EE"/>
-          </a:p>
-        </p:txBody>
-      </p:sp>
-      <p:cxnSp>
-        <p:nvCxnSpPr>
-          <p:cNvPr id="48" name="Straight Arrow Connector 47"/>
-          <p:cNvCxnSpPr>
-            <a:stCxn id="19" idx="5"/>
-          </p:cNvCxnSpPr>
-          <p:nvPr/>
-        </p:nvCxnSpPr>
-        <p:spPr>
-          <a:xfrm>
-            <a:off x="3736975" y="4611688"/>
-            <a:ext cx="835025" cy="401637"/>
-          </a:xfrm>
-          <a:prstGeom prst="straightConnector1">
-            <a:avLst/>
-          </a:prstGeom>
-          <a:ln w="28575">
-            <a:tailEnd type="arrow"/>
-          </a:ln>
-        </p:spPr>
-        <p:style>
-          <a:lnRef idx="1">
-            <a:schemeClr val="accent1"/>
-          </a:lnRef>
-          <a:fillRef idx="0">
-            <a:schemeClr val="accent1"/>
-          </a:fillRef>
-          <a:effectRef idx="0">
-            <a:schemeClr val="accent1"/>
-          </a:effectRef>
-          <a:fontRef idx="minor">
-            <a:schemeClr val="tx1"/>
-          </a:fontRef>
-        </p:style>
-      </p:cxnSp>
-      <p:cxnSp>
-        <p:nvCxnSpPr>
-          <p:cNvPr id="52" name="Straight Arrow Connector 51"/>
-          <p:cNvCxnSpPr>
-            <a:stCxn id="19" idx="6"/>
-          </p:cNvCxnSpPr>
-          <p:nvPr/>
-        </p:nvCxnSpPr>
-        <p:spPr>
-          <a:xfrm flipV="1">
-            <a:off x="3779838" y="4221163"/>
-            <a:ext cx="863600" cy="287337"/>
-          </a:xfrm>
-          <a:prstGeom prst="straightConnector1">
-            <a:avLst/>
-          </a:prstGeom>
-          <a:ln w="28575">
-            <a:tailEnd type="arrow"/>
-          </a:ln>
-        </p:spPr>
-        <p:style>
-          <a:lnRef idx="1">
-            <a:schemeClr val="accent1"/>
-          </a:lnRef>
-          <a:fillRef idx="0">
-            <a:schemeClr val="accent1"/>
-          </a:fillRef>
-          <a:effectRef idx="0">
-            <a:schemeClr val="accent1"/>
-          </a:effectRef>
-          <a:fontRef idx="minor">
-            <a:schemeClr val="tx1"/>
-          </a:fontRef>
-        </p:style>
-      </p:cxnSp>
-      <p:cxnSp>
-        <p:nvCxnSpPr>
-          <p:cNvPr id="66" name="Straight Arrow Connector 65"/>
-          <p:cNvCxnSpPr>
-            <a:stCxn id="42" idx="1"/>
-          </p:cNvCxnSpPr>
-          <p:nvPr/>
-        </p:nvCxnSpPr>
-        <p:spPr>
-          <a:xfrm flipH="1" flipV="1">
-            <a:off x="4140200" y="3716338"/>
-            <a:ext cx="546100" cy="330200"/>
-          </a:xfrm>
-          <a:prstGeom prst="straightConnector1">
-            <a:avLst/>
-          </a:prstGeom>
-          <a:ln w="28575">
-            <a:tailEnd type="arrow"/>
-          </a:ln>
-        </p:spPr>
-        <p:style>
-          <a:lnRef idx="1">
-            <a:schemeClr val="accent1"/>
-          </a:lnRef>
-          <a:fillRef idx="0">
-            <a:schemeClr val="accent1"/>
-          </a:fillRef>
-          <a:effectRef idx="0">
-            <a:schemeClr val="accent1"/>
-          </a:effectRef>
-          <a:fontRef idx="minor">
-            <a:schemeClr val="tx1"/>
-          </a:fontRef>
-        </p:style>
-      </p:cxnSp>
-      <p:sp>
-        <p:nvSpPr>
-          <p:cNvPr id="68" name="Oval 67"/>
-          <p:cNvSpPr/>
-          <p:nvPr/>
-        </p:nvSpPr>
-        <p:spPr>
-          <a:xfrm>
-            <a:off x="4643438" y="4941888"/>
-            <a:ext cx="144462" cy="142875"/>
-          </a:xfrm>
-          <a:prstGeom prst="ellipse">
-            <a:avLst/>
-          </a:prstGeom>
-          <a:noFill/>
-        </p:spPr>
-        <p:style>
-          <a:lnRef idx="2">
-            <a:schemeClr val="accent1">
-              <a:shade val="50000"/>
-            </a:schemeClr>
-          </a:lnRef>
-          <a:fillRef idx="1">
-            <a:schemeClr val="accent1"/>
-          </a:fillRef>
-          <a:effectRef idx="0">
-            <a:schemeClr val="accent1"/>
-          </a:effectRef>
-          <a:fontRef idx="minor">
-            <a:schemeClr val="lt1"/>
-          </a:fontRef>
-        </p:style>
-        <p:txBody>
-          <a:bodyPr anchor="ctr"/>
-          <a:lstStyle/>
-          <a:p>
-            <a:pPr algn="ctr">
-              <a:defRPr/>
-            </a:pPr>
-            <a:endParaRPr lang="et-EE"/>
-          </a:p>
-        </p:txBody>
-      </p:sp>
-    </p:spTree>
-  </p:cSld>
-  <p:clrMapOvr>
-    <a:masterClrMapping/>
-  </p:clrMapOvr>
-</p:sld>
-</file>
-
-<file path=ppt/slides/slide26.xml><?xml version="1.0" encoding="utf-8"?>
-<p:sld xmlns:a="http://schemas.openxmlformats.org/drawingml/2006/main" xmlns:r="http://schemas.openxmlformats.org/officeDocument/2006/relationships" xmlns:p="http://schemas.openxmlformats.org/presentationml/2006/main">
-  <p:cSld>
-    <p:spTree>
-      <p:nvGrpSpPr>
-        <p:cNvPr id="1" name=""/>
-        <p:cNvGrpSpPr/>
-        <p:nvPr/>
-      </p:nvGrpSpPr>
-      <p:grpSpPr>
-        <a:xfrm>
-          <a:off x="0" y="0"/>
-          <a:ext cx="0" cy="0"/>
-          <a:chOff x="0" y="0"/>
-          <a:chExt cx="0" cy="0"/>
-        </a:xfrm>
-      </p:grpSpPr>
-      <p:sp>
-        <p:nvSpPr>
           <p:cNvPr id="18434" name="Title 1"/>
           <p:cNvSpPr>
             <a:spLocks noGrp="1"/>
@@ -15365,7 +14774,7 @@
 </p:sld>
 </file>
 
-<file path=ppt/slides/slide27.xml><?xml version="1.0" encoding="utf-8"?>
+<file path=ppt/slides/slide26.xml><?xml version="1.0" encoding="utf-8"?>
 <p:sld xmlns:a="http://schemas.openxmlformats.org/drawingml/2006/main" xmlns:r="http://schemas.openxmlformats.org/officeDocument/2006/relationships" xmlns:p="http://schemas.openxmlformats.org/presentationml/2006/main">
   <p:cSld>
     <p:spTree>
